--- a/images/theory_analysis/Kubernetes_Admission_Controller/Kubernetes_Admission_Controller.pptx
+++ b/images/theory_analysis/Kubernetes_Admission_Controller/Kubernetes_Admission_Controller.pptx
@@ -5,10 +5,11 @@
     <p:sldMasterId id="2147483648" r:id="rId1"/>
   </p:sldMasterIdLst>
   <p:notesMasterIdLst>
-    <p:notesMasterId r:id="rId3"/>
+    <p:notesMasterId r:id="rId4"/>
   </p:notesMasterIdLst>
   <p:sldIdLst>
     <p:sldId id="428" r:id="rId2"/>
+    <p:sldId id="429" r:id="rId3"/>
   </p:sldIdLst>
   <p:sldSz cx="9144000" cy="5143500" type="screen16x9"/>
   <p:notesSz cx="6858000" cy="9144000"/>
@@ -3389,6 +3390,171 @@
       </p:grpSpPr>
       <p:sp>
         <p:nvSpPr>
+          <p:cNvPr id="38" name="사각형: 둥근 모서리 37">
+            <a:extLst>
+              <a:ext uri="{FF2B5EF4-FFF2-40B4-BE49-F238E27FC236}">
+                <a16:creationId xmlns:a16="http://schemas.microsoft.com/office/drawing/2014/main" id="{020862A5-CAC1-40EF-A0A8-D683C031C3F1}"/>
+              </a:ext>
+            </a:extLst>
+          </p:cNvPr>
+          <p:cNvSpPr/>
+          <p:nvPr/>
+        </p:nvSpPr>
+        <p:spPr>
+          <a:xfrm>
+            <a:off x="3726476" y="3551573"/>
+            <a:ext cx="1670746" cy="1036401"/>
+          </a:xfrm>
+          <a:prstGeom prst="roundRect">
+            <a:avLst>
+              <a:gd name="adj" fmla="val 5426"/>
+            </a:avLst>
+          </a:prstGeom>
+        </p:spPr>
+        <p:style>
+          <a:lnRef idx="2">
+            <a:schemeClr val="dk1"/>
+          </a:lnRef>
+          <a:fillRef idx="1">
+            <a:schemeClr val="lt1"/>
+          </a:fillRef>
+          <a:effectRef idx="0">
+            <a:schemeClr val="dk1"/>
+          </a:effectRef>
+          <a:fontRef idx="minor">
+            <a:schemeClr val="dk1"/>
+          </a:fontRef>
+        </p:style>
+        <p:txBody>
+          <a:bodyPr rtlCol="0" anchor="b"/>
+          <a:lstStyle/>
+          <a:p>
+            <a:pPr algn="ctr"/>
+            <a:r>
+              <a:rPr lang="en-US" altLang="ko-KR" sz="1000" b="1"/>
+              <a:t>Custom Validating Admission Controller A</a:t>
+            </a:r>
+            <a:endParaRPr lang="ko-KR" altLang="en-US" sz="1000" b="1"/>
+          </a:p>
+        </p:txBody>
+      </p:sp>
+      <p:sp>
+        <p:nvSpPr>
+          <p:cNvPr id="30" name="사각형: 둥근 모서리 29">
+            <a:extLst>
+              <a:ext uri="{FF2B5EF4-FFF2-40B4-BE49-F238E27FC236}">
+                <a16:creationId xmlns:a16="http://schemas.microsoft.com/office/drawing/2014/main" id="{BA5945B9-8EC7-4178-ACCC-41ACA2FCD2E9}"/>
+              </a:ext>
+            </a:extLst>
+          </p:cNvPr>
+          <p:cNvSpPr/>
+          <p:nvPr/>
+        </p:nvSpPr>
+        <p:spPr>
+          <a:xfrm>
+            <a:off x="1492282" y="3551573"/>
+            <a:ext cx="2091603" cy="1036401"/>
+          </a:xfrm>
+          <a:prstGeom prst="roundRect">
+            <a:avLst>
+              <a:gd name="adj" fmla="val 5426"/>
+            </a:avLst>
+          </a:prstGeom>
+        </p:spPr>
+        <p:style>
+          <a:lnRef idx="2">
+            <a:schemeClr val="dk1"/>
+          </a:lnRef>
+          <a:fillRef idx="1">
+            <a:schemeClr val="lt1"/>
+          </a:fillRef>
+          <a:effectRef idx="0">
+            <a:schemeClr val="dk1"/>
+          </a:effectRef>
+          <a:fontRef idx="minor">
+            <a:schemeClr val="dk1"/>
+          </a:fontRef>
+        </p:style>
+        <p:txBody>
+          <a:bodyPr rtlCol="0" anchor="b"/>
+          <a:lstStyle/>
+          <a:p>
+            <a:pPr algn="ctr"/>
+            <a:r>
+              <a:rPr lang="en-US" altLang="ko-KR" sz="1000" b="1"/>
+              <a:t>Custom Mutating </a:t>
+            </a:r>
+          </a:p>
+          <a:p>
+            <a:pPr algn="ctr"/>
+            <a:r>
+              <a:rPr lang="en-US" altLang="ko-KR" sz="1000" b="1"/>
+              <a:t>Admission Controller A</a:t>
+            </a:r>
+            <a:endParaRPr lang="ko-KR" altLang="en-US" sz="1000" b="1"/>
+          </a:p>
+        </p:txBody>
+      </p:sp>
+      <p:sp>
+        <p:nvSpPr>
+          <p:cNvPr id="29" name="사각형: 둥근 모서리 28">
+            <a:extLst>
+              <a:ext uri="{FF2B5EF4-FFF2-40B4-BE49-F238E27FC236}">
+                <a16:creationId xmlns:a16="http://schemas.microsoft.com/office/drawing/2014/main" id="{CCFC00D7-1993-4444-8F55-B1866800EBFD}"/>
+              </a:ext>
+            </a:extLst>
+          </p:cNvPr>
+          <p:cNvSpPr/>
+          <p:nvPr/>
+        </p:nvSpPr>
+        <p:spPr>
+          <a:xfrm>
+            <a:off x="1691680" y="699542"/>
+            <a:ext cx="5334147" cy="2592273"/>
+          </a:xfrm>
+          <a:prstGeom prst="roundRect">
+            <a:avLst>
+              <a:gd name="adj" fmla="val 3286"/>
+            </a:avLst>
+          </a:prstGeom>
+        </p:spPr>
+        <p:style>
+          <a:lnRef idx="2">
+            <a:schemeClr val="dk1"/>
+          </a:lnRef>
+          <a:fillRef idx="1">
+            <a:schemeClr val="lt1"/>
+          </a:fillRef>
+          <a:effectRef idx="0">
+            <a:schemeClr val="dk1"/>
+          </a:effectRef>
+          <a:fontRef idx="minor">
+            <a:schemeClr val="dk1"/>
+          </a:fontRef>
+        </p:style>
+        <p:txBody>
+          <a:bodyPr rtlCol="0" anchor="t"/>
+          <a:lstStyle/>
+          <a:p>
+            <a:pPr algn="ctr"/>
+            <a:r>
+              <a:rPr lang="en-US" altLang="ko-KR" sz="1000" b="1"/>
+              <a:t>Kubernetes</a:t>
+            </a:r>
+            <a:r>
+              <a:rPr lang="ko-KR" altLang="en-US" sz="1000" b="1"/>
+              <a:t> </a:t>
+            </a:r>
+            <a:r>
+              <a:rPr lang="en-US" altLang="ko-KR" sz="1000" b="1"/>
+              <a:t>API Server</a:t>
+            </a:r>
+            <a:endParaRPr lang="ko-KR" altLang="en-US" sz="1000" b="1"/>
+          </a:p>
+        </p:txBody>
+      </p:sp>
+      <p:sp>
+        <p:nvSpPr>
           <p:cNvPr id="3" name="사각형: 둥근 모서리 2">
             <a:extLst>
               <a:ext uri="{FF2B5EF4-FFF2-40B4-BE49-F238E27FC236}">
@@ -3401,7 +3567,7 @@
         </p:nvSpPr>
         <p:spPr>
           <a:xfrm>
-            <a:off x="966190" y="987574"/>
+            <a:off x="1754153" y="987563"/>
             <a:ext cx="1123670" cy="504056"/>
           </a:xfrm>
           <a:prstGeom prst="roundRect">
@@ -3451,7 +3617,7 @@
         </p:nvSpPr>
         <p:spPr>
           <a:xfrm>
-            <a:off x="2326714" y="987574"/>
+            <a:off x="1754153" y="1707654"/>
             <a:ext cx="1123670" cy="504056"/>
           </a:xfrm>
           <a:prstGeom prst="roundRect">
@@ -3508,7 +3674,7 @@
         </p:nvSpPr>
         <p:spPr>
           <a:xfrm>
-            <a:off x="3687238" y="987574"/>
+            <a:off x="3116730" y="987563"/>
             <a:ext cx="1123670" cy="504056"/>
           </a:xfrm>
           <a:prstGeom prst="roundRect">
@@ -3537,14 +3703,14 @@
           <a:p>
             <a:pPr algn="ctr"/>
             <a:r>
-              <a:rPr lang="en-US" altLang="ko-KR" sz="1000"/>
+              <a:rPr lang="en-US" altLang="ko-KR" sz="1000" b="1"/>
               <a:t>Mutating</a:t>
             </a:r>
           </a:p>
           <a:p>
             <a:pPr algn="ctr"/>
             <a:r>
-              <a:rPr lang="en-US" altLang="ko-KR" sz="1000"/>
+              <a:rPr lang="en-US" altLang="ko-KR" sz="1000" b="1"/>
               <a:t>Admission</a:t>
             </a:r>
           </a:p>
@@ -3564,7 +3730,7 @@
         </p:nvSpPr>
         <p:spPr>
           <a:xfrm>
-            <a:off x="5047762" y="987574"/>
+            <a:off x="4477254" y="987563"/>
             <a:ext cx="1123670" cy="504056"/>
           </a:xfrm>
           <a:prstGeom prst="roundRect">
@@ -3627,7 +3793,7 @@
         </p:nvSpPr>
         <p:spPr>
           <a:xfrm>
-            <a:off x="6408286" y="987574"/>
+            <a:off x="5837778" y="987563"/>
             <a:ext cx="1123670" cy="504056"/>
           </a:xfrm>
           <a:prstGeom prst="roundRect">
@@ -3656,14 +3822,14 @@
           <a:p>
             <a:pPr algn="ctr"/>
             <a:r>
-              <a:rPr lang="en-US" altLang="ko-KR" sz="1000"/>
+              <a:rPr lang="en-US" altLang="ko-KR" sz="1000" b="1"/>
               <a:t>Validating</a:t>
             </a:r>
           </a:p>
           <a:p>
             <a:pPr algn="ctr"/>
             <a:r>
-              <a:rPr lang="en-US" altLang="ko-KR" sz="1000"/>
+              <a:rPr lang="en-US" altLang="ko-KR" sz="1000" b="1"/>
               <a:t>Admission</a:t>
             </a:r>
           </a:p>
@@ -3683,7 +3849,7 @@
         </p:nvSpPr>
         <p:spPr>
           <a:xfrm>
-            <a:off x="7768810" y="987574"/>
+            <a:off x="7198302" y="987563"/>
             <a:ext cx="1123670" cy="504056"/>
           </a:xfrm>
           <a:prstGeom prst="roundRect">
@@ -3713,7 +3879,7 @@
             <a:pPr algn="ctr"/>
             <a:r>
               <a:rPr lang="en-US" altLang="ko-KR" sz="1000"/>
-              <a:t>Persisted to etcd</a:t>
+              <a:t>etcd Server</a:t>
             </a:r>
           </a:p>
         </p:txBody>
@@ -3729,15 +3895,15 @@
           </p:cNvPr>
           <p:cNvCxnSpPr>
             <a:cxnSpLocks/>
-            <a:stCxn id="3" idx="3"/>
-            <a:endCxn id="23" idx="1"/>
+            <a:stCxn id="3" idx="2"/>
+            <a:endCxn id="23" idx="0"/>
           </p:cNvCxnSpPr>
           <p:nvPr/>
         </p:nvCxnSpPr>
         <p:spPr>
           <a:xfrm>
-            <a:off x="2089860" y="1239602"/>
-            <a:ext cx="236854" cy="0"/>
+            <a:off x="2315988" y="1491619"/>
+            <a:ext cx="0" cy="216035"/>
           </a:xfrm>
           <a:prstGeom prst="line">
             <a:avLst/>
@@ -3782,9 +3948,9 @@
           <p:nvPr/>
         </p:nvCxnSpPr>
         <p:spPr>
-          <a:xfrm>
-            <a:off x="3450384" y="1239602"/>
-            <a:ext cx="236854" cy="0"/>
+          <a:xfrm flipV="1">
+            <a:off x="2877823" y="1239591"/>
+            <a:ext cx="238907" cy="720091"/>
           </a:xfrm>
           <a:prstGeom prst="line">
             <a:avLst/>
@@ -3830,7 +3996,7 @@
         </p:nvCxnSpPr>
         <p:spPr>
           <a:xfrm>
-            <a:off x="4810908" y="1239602"/>
+            <a:off x="4240400" y="1239591"/>
             <a:ext cx="236854" cy="0"/>
           </a:xfrm>
           <a:prstGeom prst="line">
@@ -3877,7 +4043,7 @@
         </p:nvCxnSpPr>
         <p:spPr>
           <a:xfrm>
-            <a:off x="6171432" y="1239602"/>
+            <a:off x="5600924" y="1239591"/>
             <a:ext cx="236854" cy="0"/>
           </a:xfrm>
           <a:prstGeom prst="line">
@@ -3924,7 +4090,7 @@
         </p:nvCxnSpPr>
         <p:spPr>
           <a:xfrm>
-            <a:off x="7531956" y="1239602"/>
+            <a:off x="6961448" y="1239591"/>
             <a:ext cx="236854" cy="0"/>
           </a:xfrm>
           <a:prstGeom prst="line">
@@ -3970,6 +4136,1652 @@
         </p:nvCxnSpPr>
         <p:spPr>
           <a:xfrm>
+            <a:off x="1039483" y="1239591"/>
+            <a:ext cx="714670" cy="0"/>
+          </a:xfrm>
+          <a:prstGeom prst="line">
+            <a:avLst/>
+          </a:prstGeom>
+          <a:ln w="19050">
+            <a:solidFill>
+              <a:schemeClr val="tx1"/>
+            </a:solidFill>
+            <a:headEnd type="none" w="med" len="med"/>
+            <a:tailEnd type="arrow" w="med" len="med"/>
+          </a:ln>
+        </p:spPr>
+        <p:style>
+          <a:lnRef idx="1">
+            <a:schemeClr val="accent1"/>
+          </a:lnRef>
+          <a:fillRef idx="0">
+            <a:schemeClr val="accent1"/>
+          </a:fillRef>
+          <a:effectRef idx="0">
+            <a:schemeClr val="accent1"/>
+          </a:effectRef>
+          <a:fontRef idx="minor">
+            <a:schemeClr val="tx1"/>
+          </a:fontRef>
+        </p:style>
+      </p:cxnSp>
+      <p:sp>
+        <p:nvSpPr>
+          <p:cNvPr id="19" name="TextBox 18">
+            <a:extLst>
+              <a:ext uri="{FF2B5EF4-FFF2-40B4-BE49-F238E27FC236}">
+                <a16:creationId xmlns:a16="http://schemas.microsoft.com/office/drawing/2014/main" id="{11F4A781-A844-43FF-94E1-80C598E73182}"/>
+              </a:ext>
+            </a:extLst>
+          </p:cNvPr>
+          <p:cNvSpPr txBox="1"/>
+          <p:nvPr/>
+        </p:nvSpPr>
+        <p:spPr>
+          <a:xfrm>
+            <a:off x="1039483" y="808704"/>
+            <a:ext cx="697627" cy="430887"/>
+          </a:xfrm>
+          <a:prstGeom prst="rect">
+            <a:avLst/>
+          </a:prstGeom>
+          <a:noFill/>
+        </p:spPr>
+        <p:txBody>
+          <a:bodyPr wrap="none" rtlCol="0">
+            <a:spAutoFit/>
+          </a:bodyPr>
+          <a:lstStyle/>
+          <a:p>
+            <a:pPr algn="ctr"/>
+            <a:r>
+              <a:rPr lang="en-US" altLang="ko-KR" sz="1100"/>
+              <a:t>API</a:t>
+            </a:r>
+          </a:p>
+          <a:p>
+            <a:pPr algn="ctr"/>
+            <a:r>
+              <a:rPr lang="en-US" altLang="ko-KR" sz="1100"/>
+              <a:t>Request</a:t>
+            </a:r>
+            <a:endParaRPr lang="ko-KR" altLang="en-US" sz="1100"/>
+          </a:p>
+        </p:txBody>
+      </p:sp>
+      <p:sp>
+        <p:nvSpPr>
+          <p:cNvPr id="54" name="사각형: 둥근 모서리 53">
+            <a:extLst>
+              <a:ext uri="{FF2B5EF4-FFF2-40B4-BE49-F238E27FC236}">
+                <a16:creationId xmlns:a16="http://schemas.microsoft.com/office/drawing/2014/main" id="{AF7A91B0-8B9C-496A-8239-B51C0AC8A98B}"/>
+              </a:ext>
+            </a:extLst>
+          </p:cNvPr>
+          <p:cNvSpPr/>
+          <p:nvPr/>
+        </p:nvSpPr>
+        <p:spPr>
+          <a:xfrm>
+            <a:off x="1636871" y="3673421"/>
+            <a:ext cx="812754" cy="504056"/>
+          </a:xfrm>
+          <a:prstGeom prst="roundRect">
+            <a:avLst>
+              <a:gd name="adj" fmla="val 5426"/>
+            </a:avLst>
+          </a:prstGeom>
+        </p:spPr>
+        <p:style>
+          <a:lnRef idx="2">
+            <a:schemeClr val="dk1"/>
+          </a:lnRef>
+          <a:fillRef idx="1">
+            <a:schemeClr val="lt1"/>
+          </a:fillRef>
+          <a:effectRef idx="0">
+            <a:schemeClr val="dk1"/>
+          </a:effectRef>
+          <a:fontRef idx="minor">
+            <a:schemeClr val="dk1"/>
+          </a:fontRef>
+        </p:style>
+        <p:txBody>
+          <a:bodyPr rtlCol="0" anchor="ctr"/>
+          <a:lstStyle/>
+          <a:p>
+            <a:pPr algn="ctr"/>
+            <a:r>
+              <a:rPr lang="en-US" altLang="ko-KR" sz="1000"/>
+              <a:t>Webhook</a:t>
+            </a:r>
+          </a:p>
+        </p:txBody>
+      </p:sp>
+      <p:sp>
+        <p:nvSpPr>
+          <p:cNvPr id="56" name="사각형: 둥근 모서리 55">
+            <a:extLst>
+              <a:ext uri="{FF2B5EF4-FFF2-40B4-BE49-F238E27FC236}">
+                <a16:creationId xmlns:a16="http://schemas.microsoft.com/office/drawing/2014/main" id="{50CF1160-155F-44BF-9676-259F54CC6A45}"/>
+              </a:ext>
+            </a:extLst>
+          </p:cNvPr>
+          <p:cNvSpPr/>
+          <p:nvPr/>
+        </p:nvSpPr>
+        <p:spPr>
+          <a:xfrm>
+            <a:off x="2593641" y="3673421"/>
+            <a:ext cx="812754" cy="504056"/>
+          </a:xfrm>
+          <a:prstGeom prst="roundRect">
+            <a:avLst>
+              <a:gd name="adj" fmla="val 5426"/>
+            </a:avLst>
+          </a:prstGeom>
+        </p:spPr>
+        <p:style>
+          <a:lnRef idx="2">
+            <a:schemeClr val="dk1"/>
+          </a:lnRef>
+          <a:fillRef idx="1">
+            <a:schemeClr val="lt1"/>
+          </a:fillRef>
+          <a:effectRef idx="0">
+            <a:schemeClr val="dk1"/>
+          </a:effectRef>
+          <a:fontRef idx="minor">
+            <a:schemeClr val="dk1"/>
+          </a:fontRef>
+        </p:style>
+        <p:txBody>
+          <a:bodyPr rtlCol="0" anchor="ctr"/>
+          <a:lstStyle/>
+          <a:p>
+            <a:pPr algn="ctr"/>
+            <a:r>
+              <a:rPr lang="en-US" altLang="ko-KR" sz="1000"/>
+              <a:t>Webhook</a:t>
+            </a:r>
+          </a:p>
+        </p:txBody>
+      </p:sp>
+      <p:sp>
+        <p:nvSpPr>
+          <p:cNvPr id="60" name="사각형: 둥근 모서리 59">
+            <a:extLst>
+              <a:ext uri="{FF2B5EF4-FFF2-40B4-BE49-F238E27FC236}">
+                <a16:creationId xmlns:a16="http://schemas.microsoft.com/office/drawing/2014/main" id="{6504AD98-B57A-4786-ADD8-37D7F283D7CB}"/>
+              </a:ext>
+            </a:extLst>
+          </p:cNvPr>
+          <p:cNvSpPr/>
+          <p:nvPr/>
+        </p:nvSpPr>
+        <p:spPr>
+          <a:xfrm>
+            <a:off x="4155472" y="3673421"/>
+            <a:ext cx="812754" cy="504056"/>
+          </a:xfrm>
+          <a:prstGeom prst="roundRect">
+            <a:avLst>
+              <a:gd name="adj" fmla="val 5426"/>
+            </a:avLst>
+          </a:prstGeom>
+        </p:spPr>
+        <p:style>
+          <a:lnRef idx="2">
+            <a:schemeClr val="dk1"/>
+          </a:lnRef>
+          <a:fillRef idx="1">
+            <a:schemeClr val="lt1"/>
+          </a:fillRef>
+          <a:effectRef idx="0">
+            <a:schemeClr val="dk1"/>
+          </a:effectRef>
+          <a:fontRef idx="minor">
+            <a:schemeClr val="dk1"/>
+          </a:fontRef>
+        </p:style>
+        <p:txBody>
+          <a:bodyPr rtlCol="0" anchor="ctr"/>
+          <a:lstStyle/>
+          <a:p>
+            <a:pPr algn="ctr"/>
+            <a:r>
+              <a:rPr lang="en-US" altLang="ko-KR" sz="1000"/>
+              <a:t>Webhook</a:t>
+            </a:r>
+          </a:p>
+        </p:txBody>
+      </p:sp>
+      <p:cxnSp>
+        <p:nvCxnSpPr>
+          <p:cNvPr id="67" name="직선 연결선 66">
+            <a:extLst>
+              <a:ext uri="{FF2B5EF4-FFF2-40B4-BE49-F238E27FC236}">
+                <a16:creationId xmlns:a16="http://schemas.microsoft.com/office/drawing/2014/main" id="{49015AD3-012E-4E51-A2F0-CE370DED3411}"/>
+              </a:ext>
+            </a:extLst>
+          </p:cNvPr>
+          <p:cNvCxnSpPr>
+            <a:cxnSpLocks/>
+            <a:stCxn id="41" idx="0"/>
+            <a:endCxn id="24" idx="2"/>
+          </p:cNvCxnSpPr>
+          <p:nvPr/>
+        </p:nvCxnSpPr>
+        <p:spPr>
+          <a:xfrm flipH="1" flipV="1">
+            <a:off x="3678565" y="1491619"/>
+            <a:ext cx="1360523" cy="216555"/>
+          </a:xfrm>
+          <a:prstGeom prst="line">
+            <a:avLst/>
+          </a:prstGeom>
+          <a:ln w="19050">
+            <a:solidFill>
+              <a:schemeClr val="tx1"/>
+            </a:solidFill>
+            <a:headEnd type="arrow" w="med" len="med"/>
+            <a:tailEnd type="arrow" w="med" len="med"/>
+          </a:ln>
+        </p:spPr>
+        <p:style>
+          <a:lnRef idx="1">
+            <a:schemeClr val="accent1"/>
+          </a:lnRef>
+          <a:fillRef idx="0">
+            <a:schemeClr val="accent1"/>
+          </a:fillRef>
+          <a:effectRef idx="0">
+            <a:schemeClr val="accent1"/>
+          </a:effectRef>
+          <a:fontRef idx="minor">
+            <a:schemeClr val="tx1"/>
+          </a:fontRef>
+        </p:style>
+      </p:cxnSp>
+      <p:sp>
+        <p:nvSpPr>
+          <p:cNvPr id="41" name="사각형: 둥근 모서리 40">
+            <a:extLst>
+              <a:ext uri="{FF2B5EF4-FFF2-40B4-BE49-F238E27FC236}">
+                <a16:creationId xmlns:a16="http://schemas.microsoft.com/office/drawing/2014/main" id="{FAB5C4EC-6084-4C09-8480-C6CA844DC081}"/>
+              </a:ext>
+            </a:extLst>
+          </p:cNvPr>
+          <p:cNvSpPr/>
+          <p:nvPr/>
+        </p:nvSpPr>
+        <p:spPr>
+          <a:xfrm>
+            <a:off x="3116730" y="1708174"/>
+            <a:ext cx="3844716" cy="288032"/>
+          </a:xfrm>
+          <a:prstGeom prst="roundRect">
+            <a:avLst>
+              <a:gd name="adj" fmla="val 13693"/>
+            </a:avLst>
+          </a:prstGeom>
+        </p:spPr>
+        <p:style>
+          <a:lnRef idx="2">
+            <a:schemeClr val="dk1"/>
+          </a:lnRef>
+          <a:fillRef idx="1">
+            <a:schemeClr val="lt1"/>
+          </a:fillRef>
+          <a:effectRef idx="0">
+            <a:schemeClr val="dk1"/>
+          </a:effectRef>
+          <a:fontRef idx="minor">
+            <a:schemeClr val="dk1"/>
+          </a:fontRef>
+        </p:style>
+        <p:txBody>
+          <a:bodyPr rtlCol="0" anchor="ctr"/>
+          <a:lstStyle/>
+          <a:p>
+            <a:pPr algn="ctr"/>
+            <a:r>
+              <a:rPr lang="en-US" altLang="ko-KR" sz="1000"/>
+              <a:t>Compiled-in Admission Controller / Mutating &amp; Validating</a:t>
+            </a:r>
+            <a:endParaRPr lang="ko-KR" altLang="en-US" sz="1000"/>
+          </a:p>
+        </p:txBody>
+      </p:sp>
+      <p:sp>
+        <p:nvSpPr>
+          <p:cNvPr id="44" name="사각형: 둥근 모서리 43">
+            <a:extLst>
+              <a:ext uri="{FF2B5EF4-FFF2-40B4-BE49-F238E27FC236}">
+                <a16:creationId xmlns:a16="http://schemas.microsoft.com/office/drawing/2014/main" id="{A90813C2-331C-42A9-A1ED-5C497500ACE1}"/>
+              </a:ext>
+            </a:extLst>
+          </p:cNvPr>
+          <p:cNvSpPr/>
+          <p:nvPr/>
+        </p:nvSpPr>
+        <p:spPr>
+          <a:xfrm>
+            <a:off x="3114887" y="2140731"/>
+            <a:ext cx="1805068" cy="1006032"/>
+          </a:xfrm>
+          <a:prstGeom prst="roundRect">
+            <a:avLst>
+              <a:gd name="adj" fmla="val 6601"/>
+            </a:avLst>
+          </a:prstGeom>
+        </p:spPr>
+        <p:style>
+          <a:lnRef idx="2">
+            <a:schemeClr val="dk1"/>
+          </a:lnRef>
+          <a:fillRef idx="1">
+            <a:schemeClr val="lt1"/>
+          </a:fillRef>
+          <a:effectRef idx="0">
+            <a:schemeClr val="dk1"/>
+          </a:effectRef>
+          <a:fontRef idx="minor">
+            <a:schemeClr val="dk1"/>
+          </a:fontRef>
+        </p:style>
+        <p:txBody>
+          <a:bodyPr rtlCol="0" anchor="t"/>
+          <a:lstStyle/>
+          <a:p>
+            <a:pPr algn="ctr"/>
+            <a:r>
+              <a:rPr lang="en-US" altLang="ko-KR" sz="1000"/>
+              <a:t>Compiled-in Admission Controller / Mutating</a:t>
+            </a:r>
+            <a:endParaRPr lang="ko-KR" altLang="en-US" sz="1000"/>
+          </a:p>
+        </p:txBody>
+      </p:sp>
+      <p:sp>
+        <p:nvSpPr>
+          <p:cNvPr id="49" name="사각형: 둥근 모서리 48">
+            <a:extLst>
+              <a:ext uri="{FF2B5EF4-FFF2-40B4-BE49-F238E27FC236}">
+                <a16:creationId xmlns:a16="http://schemas.microsoft.com/office/drawing/2014/main" id="{DA52F04B-5F57-4421-81CA-82ADC1D2035E}"/>
+              </a:ext>
+            </a:extLst>
+          </p:cNvPr>
+          <p:cNvSpPr/>
+          <p:nvPr/>
+        </p:nvSpPr>
+        <p:spPr>
+          <a:xfrm>
+            <a:off x="5151762" y="2140731"/>
+            <a:ext cx="1809062" cy="1006032"/>
+          </a:xfrm>
+          <a:prstGeom prst="roundRect">
+            <a:avLst>
+              <a:gd name="adj" fmla="val 6050"/>
+            </a:avLst>
+          </a:prstGeom>
+        </p:spPr>
+        <p:style>
+          <a:lnRef idx="2">
+            <a:schemeClr val="dk1"/>
+          </a:lnRef>
+          <a:fillRef idx="1">
+            <a:schemeClr val="lt1"/>
+          </a:fillRef>
+          <a:effectRef idx="0">
+            <a:schemeClr val="dk1"/>
+          </a:effectRef>
+          <a:fontRef idx="minor">
+            <a:schemeClr val="dk1"/>
+          </a:fontRef>
+        </p:style>
+        <p:txBody>
+          <a:bodyPr rtlCol="0" anchor="t"/>
+          <a:lstStyle/>
+          <a:p>
+            <a:pPr algn="ctr"/>
+            <a:r>
+              <a:rPr lang="en-US" altLang="ko-KR" sz="1000"/>
+              <a:t>Compiled-in Admission Controller / Validating</a:t>
+            </a:r>
+            <a:endParaRPr lang="ko-KR" altLang="en-US" sz="1000"/>
+          </a:p>
+        </p:txBody>
+      </p:sp>
+      <p:cxnSp>
+        <p:nvCxnSpPr>
+          <p:cNvPr id="53" name="직선 연결선 52">
+            <a:extLst>
+              <a:ext uri="{FF2B5EF4-FFF2-40B4-BE49-F238E27FC236}">
+                <a16:creationId xmlns:a16="http://schemas.microsoft.com/office/drawing/2014/main" id="{C58AAF0B-E6F1-4F39-A6F0-567D1B1411D6}"/>
+              </a:ext>
+            </a:extLst>
+          </p:cNvPr>
+          <p:cNvCxnSpPr>
+            <a:cxnSpLocks/>
+            <a:stCxn id="44" idx="0"/>
+            <a:endCxn id="24" idx="2"/>
+          </p:cNvCxnSpPr>
+          <p:nvPr/>
+        </p:nvCxnSpPr>
+        <p:spPr>
+          <a:xfrm flipH="1" flipV="1">
+            <a:off x="3678565" y="1491619"/>
+            <a:ext cx="338856" cy="649112"/>
+          </a:xfrm>
+          <a:prstGeom prst="line">
+            <a:avLst/>
+          </a:prstGeom>
+          <a:ln w="19050">
+            <a:solidFill>
+              <a:schemeClr val="tx1"/>
+            </a:solidFill>
+            <a:headEnd type="arrow" w="med" len="med"/>
+            <a:tailEnd type="arrow" w="med" len="med"/>
+          </a:ln>
+        </p:spPr>
+        <p:style>
+          <a:lnRef idx="1">
+            <a:schemeClr val="accent1"/>
+          </a:lnRef>
+          <a:fillRef idx="0">
+            <a:schemeClr val="accent1"/>
+          </a:fillRef>
+          <a:effectRef idx="0">
+            <a:schemeClr val="accent1"/>
+          </a:effectRef>
+          <a:fontRef idx="minor">
+            <a:schemeClr val="tx1"/>
+          </a:fontRef>
+        </p:style>
+      </p:cxnSp>
+      <p:sp>
+        <p:nvSpPr>
+          <p:cNvPr id="61" name="사각형: 둥근 모서리 60">
+            <a:extLst>
+              <a:ext uri="{FF2B5EF4-FFF2-40B4-BE49-F238E27FC236}">
+                <a16:creationId xmlns:a16="http://schemas.microsoft.com/office/drawing/2014/main" id="{458B281C-F3DC-4297-AB70-C26759024239}"/>
+              </a:ext>
+            </a:extLst>
+          </p:cNvPr>
+          <p:cNvSpPr/>
+          <p:nvPr/>
+        </p:nvSpPr>
+        <p:spPr>
+          <a:xfrm>
+            <a:off x="3258063" y="2610567"/>
+            <a:ext cx="1530047" cy="431009"/>
+          </a:xfrm>
+          <a:prstGeom prst="roundRect">
+            <a:avLst>
+              <a:gd name="adj" fmla="val 9906"/>
+            </a:avLst>
+          </a:prstGeom>
+        </p:spPr>
+        <p:style>
+          <a:lnRef idx="2">
+            <a:schemeClr val="dk1"/>
+          </a:lnRef>
+          <a:fillRef idx="1">
+            <a:schemeClr val="lt1"/>
+          </a:fillRef>
+          <a:effectRef idx="0">
+            <a:schemeClr val="dk1"/>
+          </a:effectRef>
+          <a:fontRef idx="minor">
+            <a:schemeClr val="dk1"/>
+          </a:fontRef>
+        </p:style>
+        <p:txBody>
+          <a:bodyPr rtlCol="0" anchor="ctr"/>
+          <a:lstStyle/>
+          <a:p>
+            <a:pPr algn="ctr"/>
+            <a:r>
+              <a:rPr lang="en-US" altLang="ko-KR" sz="1000" b="1"/>
+              <a:t>MutatingAdmission</a:t>
+            </a:r>
+          </a:p>
+          <a:p>
+            <a:pPr algn="ctr"/>
+            <a:r>
+              <a:rPr lang="en-US" altLang="ko-KR" sz="1000" b="1"/>
+              <a:t>Webhook</a:t>
+            </a:r>
+            <a:endParaRPr lang="ko-KR" altLang="en-US" sz="1000" b="1"/>
+          </a:p>
+        </p:txBody>
+      </p:sp>
+      <p:sp>
+        <p:nvSpPr>
+          <p:cNvPr id="63" name="사각형: 둥근 모서리 62">
+            <a:extLst>
+              <a:ext uri="{FF2B5EF4-FFF2-40B4-BE49-F238E27FC236}">
+                <a16:creationId xmlns:a16="http://schemas.microsoft.com/office/drawing/2014/main" id="{6727E023-0DB3-4B64-A358-8B7A5E7E93AE}"/>
+              </a:ext>
+            </a:extLst>
+          </p:cNvPr>
+          <p:cNvSpPr/>
+          <p:nvPr/>
+        </p:nvSpPr>
+        <p:spPr>
+          <a:xfrm>
+            <a:off x="5291269" y="2610640"/>
+            <a:ext cx="1530047" cy="431009"/>
+          </a:xfrm>
+          <a:prstGeom prst="roundRect">
+            <a:avLst>
+              <a:gd name="adj" fmla="val 9906"/>
+            </a:avLst>
+          </a:prstGeom>
+        </p:spPr>
+        <p:style>
+          <a:lnRef idx="2">
+            <a:schemeClr val="dk1"/>
+          </a:lnRef>
+          <a:fillRef idx="1">
+            <a:schemeClr val="lt1"/>
+          </a:fillRef>
+          <a:effectRef idx="0">
+            <a:schemeClr val="dk1"/>
+          </a:effectRef>
+          <a:fontRef idx="minor">
+            <a:schemeClr val="dk1"/>
+          </a:fontRef>
+        </p:style>
+        <p:txBody>
+          <a:bodyPr rtlCol="0" anchor="ctr"/>
+          <a:lstStyle/>
+          <a:p>
+            <a:pPr algn="ctr"/>
+            <a:r>
+              <a:rPr lang="en-US" altLang="ko-KR" sz="1000" b="1"/>
+              <a:t>ValidatingAdmission</a:t>
+            </a:r>
+          </a:p>
+          <a:p>
+            <a:pPr algn="ctr"/>
+            <a:r>
+              <a:rPr lang="en-US" altLang="ko-KR" sz="1000" b="1"/>
+              <a:t>Webhook</a:t>
+            </a:r>
+            <a:endParaRPr lang="ko-KR" altLang="en-US" sz="1000" b="1"/>
+          </a:p>
+        </p:txBody>
+      </p:sp>
+      <p:sp>
+        <p:nvSpPr>
+          <p:cNvPr id="73" name="사각형: 둥근 모서리 72">
+            <a:extLst>
+              <a:ext uri="{FF2B5EF4-FFF2-40B4-BE49-F238E27FC236}">
+                <a16:creationId xmlns:a16="http://schemas.microsoft.com/office/drawing/2014/main" id="{67E411C3-E1E9-40B5-8CC8-5CF65AFC9219}"/>
+              </a:ext>
+            </a:extLst>
+          </p:cNvPr>
+          <p:cNvSpPr/>
+          <p:nvPr/>
+        </p:nvSpPr>
+        <p:spPr>
+          <a:xfrm>
+            <a:off x="5539813" y="3551573"/>
+            <a:ext cx="1670746" cy="1036401"/>
+          </a:xfrm>
+          <a:prstGeom prst="roundRect">
+            <a:avLst>
+              <a:gd name="adj" fmla="val 5426"/>
+            </a:avLst>
+          </a:prstGeom>
+        </p:spPr>
+        <p:style>
+          <a:lnRef idx="2">
+            <a:schemeClr val="dk1"/>
+          </a:lnRef>
+          <a:fillRef idx="1">
+            <a:schemeClr val="lt1"/>
+          </a:fillRef>
+          <a:effectRef idx="0">
+            <a:schemeClr val="dk1"/>
+          </a:effectRef>
+          <a:fontRef idx="minor">
+            <a:schemeClr val="dk1"/>
+          </a:fontRef>
+        </p:style>
+        <p:txBody>
+          <a:bodyPr rtlCol="0" anchor="b"/>
+          <a:lstStyle/>
+          <a:p>
+            <a:pPr algn="ctr"/>
+            <a:r>
+              <a:rPr lang="en-US" altLang="ko-KR" sz="1000" b="1"/>
+              <a:t>Custom Validating Admission Controller B</a:t>
+            </a:r>
+            <a:endParaRPr lang="ko-KR" altLang="en-US" sz="1000" b="1"/>
+          </a:p>
+        </p:txBody>
+      </p:sp>
+      <p:sp>
+        <p:nvSpPr>
+          <p:cNvPr id="74" name="사각형: 둥근 모서리 73">
+            <a:extLst>
+              <a:ext uri="{FF2B5EF4-FFF2-40B4-BE49-F238E27FC236}">
+                <a16:creationId xmlns:a16="http://schemas.microsoft.com/office/drawing/2014/main" id="{34797D23-C5B4-4CAA-BC1A-CA7E94A48E1F}"/>
+              </a:ext>
+            </a:extLst>
+          </p:cNvPr>
+          <p:cNvSpPr/>
+          <p:nvPr/>
+        </p:nvSpPr>
+        <p:spPr>
+          <a:xfrm>
+            <a:off x="5968809" y="3673421"/>
+            <a:ext cx="812754" cy="504056"/>
+          </a:xfrm>
+          <a:prstGeom prst="roundRect">
+            <a:avLst>
+              <a:gd name="adj" fmla="val 5426"/>
+            </a:avLst>
+          </a:prstGeom>
+        </p:spPr>
+        <p:style>
+          <a:lnRef idx="2">
+            <a:schemeClr val="dk1"/>
+          </a:lnRef>
+          <a:fillRef idx="1">
+            <a:schemeClr val="lt1"/>
+          </a:fillRef>
+          <a:effectRef idx="0">
+            <a:schemeClr val="dk1"/>
+          </a:effectRef>
+          <a:fontRef idx="minor">
+            <a:schemeClr val="dk1"/>
+          </a:fontRef>
+        </p:style>
+        <p:txBody>
+          <a:bodyPr rtlCol="0" anchor="ctr"/>
+          <a:lstStyle/>
+          <a:p>
+            <a:pPr algn="ctr"/>
+            <a:r>
+              <a:rPr lang="en-US" altLang="ko-KR" sz="1000"/>
+              <a:t>Webhook</a:t>
+            </a:r>
+          </a:p>
+        </p:txBody>
+      </p:sp>
+      <p:cxnSp>
+        <p:nvCxnSpPr>
+          <p:cNvPr id="75" name="직선 연결선 74">
+            <a:extLst>
+              <a:ext uri="{FF2B5EF4-FFF2-40B4-BE49-F238E27FC236}">
+                <a16:creationId xmlns:a16="http://schemas.microsoft.com/office/drawing/2014/main" id="{CE009037-6FDB-4114-8ADF-E7C6C562E389}"/>
+              </a:ext>
+            </a:extLst>
+          </p:cNvPr>
+          <p:cNvCxnSpPr>
+            <a:cxnSpLocks/>
+            <a:stCxn id="54" idx="0"/>
+            <a:endCxn id="61" idx="2"/>
+          </p:cNvCxnSpPr>
+          <p:nvPr/>
+        </p:nvCxnSpPr>
+        <p:spPr>
+          <a:xfrm flipV="1">
+            <a:off x="2043248" y="3041576"/>
+            <a:ext cx="1979839" cy="631845"/>
+          </a:xfrm>
+          <a:prstGeom prst="line">
+            <a:avLst/>
+          </a:prstGeom>
+          <a:ln w="19050">
+            <a:solidFill>
+              <a:schemeClr val="tx1"/>
+            </a:solidFill>
+            <a:headEnd type="arrow" w="med" len="med"/>
+            <a:tailEnd type="arrow" w="med" len="med"/>
+          </a:ln>
+        </p:spPr>
+        <p:style>
+          <a:lnRef idx="1">
+            <a:schemeClr val="accent1"/>
+          </a:lnRef>
+          <a:fillRef idx="0">
+            <a:schemeClr val="accent1"/>
+          </a:fillRef>
+          <a:effectRef idx="0">
+            <a:schemeClr val="accent1"/>
+          </a:effectRef>
+          <a:fontRef idx="minor">
+            <a:schemeClr val="tx1"/>
+          </a:fontRef>
+        </p:style>
+      </p:cxnSp>
+      <p:cxnSp>
+        <p:nvCxnSpPr>
+          <p:cNvPr id="76" name="직선 연결선 75">
+            <a:extLst>
+              <a:ext uri="{FF2B5EF4-FFF2-40B4-BE49-F238E27FC236}">
+                <a16:creationId xmlns:a16="http://schemas.microsoft.com/office/drawing/2014/main" id="{2CF22406-0980-413E-80B0-E7BF2307811F}"/>
+              </a:ext>
+            </a:extLst>
+          </p:cNvPr>
+          <p:cNvCxnSpPr>
+            <a:cxnSpLocks/>
+            <a:stCxn id="56" idx="0"/>
+            <a:endCxn id="61" idx="2"/>
+          </p:cNvCxnSpPr>
+          <p:nvPr/>
+        </p:nvCxnSpPr>
+        <p:spPr>
+          <a:xfrm flipV="1">
+            <a:off x="3000018" y="3041576"/>
+            <a:ext cx="1023069" cy="631845"/>
+          </a:xfrm>
+          <a:prstGeom prst="line">
+            <a:avLst/>
+          </a:prstGeom>
+          <a:ln w="19050">
+            <a:solidFill>
+              <a:schemeClr val="tx1"/>
+            </a:solidFill>
+            <a:headEnd type="arrow" w="med" len="med"/>
+            <a:tailEnd type="arrow" w="med" len="med"/>
+          </a:ln>
+        </p:spPr>
+        <p:style>
+          <a:lnRef idx="1">
+            <a:schemeClr val="accent1"/>
+          </a:lnRef>
+          <a:fillRef idx="0">
+            <a:schemeClr val="accent1"/>
+          </a:fillRef>
+          <a:effectRef idx="0">
+            <a:schemeClr val="accent1"/>
+          </a:effectRef>
+          <a:fontRef idx="minor">
+            <a:schemeClr val="tx1"/>
+          </a:fontRef>
+        </p:style>
+      </p:cxnSp>
+      <p:cxnSp>
+        <p:nvCxnSpPr>
+          <p:cNvPr id="77" name="직선 연결선 76">
+            <a:extLst>
+              <a:ext uri="{FF2B5EF4-FFF2-40B4-BE49-F238E27FC236}">
+                <a16:creationId xmlns:a16="http://schemas.microsoft.com/office/drawing/2014/main" id="{460F5D74-7976-4865-882D-619C0E3E6318}"/>
+              </a:ext>
+            </a:extLst>
+          </p:cNvPr>
+          <p:cNvCxnSpPr>
+            <a:cxnSpLocks/>
+            <a:stCxn id="60" idx="0"/>
+            <a:endCxn id="63" idx="2"/>
+          </p:cNvCxnSpPr>
+          <p:nvPr/>
+        </p:nvCxnSpPr>
+        <p:spPr>
+          <a:xfrm flipV="1">
+            <a:off x="4561849" y="3041649"/>
+            <a:ext cx="1494444" cy="631772"/>
+          </a:xfrm>
+          <a:prstGeom prst="line">
+            <a:avLst/>
+          </a:prstGeom>
+          <a:ln w="19050">
+            <a:solidFill>
+              <a:schemeClr val="tx1"/>
+            </a:solidFill>
+            <a:headEnd type="arrow" w="med" len="med"/>
+            <a:tailEnd type="arrow" w="med" len="med"/>
+          </a:ln>
+        </p:spPr>
+        <p:style>
+          <a:lnRef idx="1">
+            <a:schemeClr val="accent1"/>
+          </a:lnRef>
+          <a:fillRef idx="0">
+            <a:schemeClr val="accent1"/>
+          </a:fillRef>
+          <a:effectRef idx="0">
+            <a:schemeClr val="accent1"/>
+          </a:effectRef>
+          <a:fontRef idx="minor">
+            <a:schemeClr val="tx1"/>
+          </a:fontRef>
+        </p:style>
+      </p:cxnSp>
+      <p:cxnSp>
+        <p:nvCxnSpPr>
+          <p:cNvPr id="80" name="직선 연결선 79">
+            <a:extLst>
+              <a:ext uri="{FF2B5EF4-FFF2-40B4-BE49-F238E27FC236}">
+                <a16:creationId xmlns:a16="http://schemas.microsoft.com/office/drawing/2014/main" id="{69A4638F-B059-4A92-9BFB-9EBC9D2C182F}"/>
+              </a:ext>
+            </a:extLst>
+          </p:cNvPr>
+          <p:cNvCxnSpPr>
+            <a:cxnSpLocks/>
+            <a:stCxn id="74" idx="0"/>
+            <a:endCxn id="63" idx="2"/>
+          </p:cNvCxnSpPr>
+          <p:nvPr/>
+        </p:nvCxnSpPr>
+        <p:spPr>
+          <a:xfrm flipH="1" flipV="1">
+            <a:off x="6056293" y="3041649"/>
+            <a:ext cx="318893" cy="631772"/>
+          </a:xfrm>
+          <a:prstGeom prst="line">
+            <a:avLst/>
+          </a:prstGeom>
+          <a:ln w="19050">
+            <a:solidFill>
+              <a:schemeClr val="tx1"/>
+            </a:solidFill>
+            <a:headEnd type="arrow" w="med" len="med"/>
+            <a:tailEnd type="arrow" w="med" len="med"/>
+          </a:ln>
+        </p:spPr>
+        <p:style>
+          <a:lnRef idx="1">
+            <a:schemeClr val="accent1"/>
+          </a:lnRef>
+          <a:fillRef idx="0">
+            <a:schemeClr val="accent1"/>
+          </a:fillRef>
+          <a:effectRef idx="0">
+            <a:schemeClr val="accent1"/>
+          </a:effectRef>
+          <a:fontRef idx="minor">
+            <a:schemeClr val="tx1"/>
+          </a:fontRef>
+        </p:style>
+      </p:cxnSp>
+      <p:cxnSp>
+        <p:nvCxnSpPr>
+          <p:cNvPr id="83" name="직선 연결선 82">
+            <a:extLst>
+              <a:ext uri="{FF2B5EF4-FFF2-40B4-BE49-F238E27FC236}">
+                <a16:creationId xmlns:a16="http://schemas.microsoft.com/office/drawing/2014/main" id="{278A2703-2D14-4105-AED3-2BB424F18882}"/>
+              </a:ext>
+            </a:extLst>
+          </p:cNvPr>
+          <p:cNvCxnSpPr>
+            <a:cxnSpLocks/>
+            <a:stCxn id="49" idx="0"/>
+            <a:endCxn id="26" idx="2"/>
+          </p:cNvCxnSpPr>
+          <p:nvPr/>
+        </p:nvCxnSpPr>
+        <p:spPr>
+          <a:xfrm flipV="1">
+            <a:off x="6056293" y="1491619"/>
+            <a:ext cx="343320" cy="649112"/>
+          </a:xfrm>
+          <a:prstGeom prst="line">
+            <a:avLst/>
+          </a:prstGeom>
+          <a:ln w="19050">
+            <a:solidFill>
+              <a:schemeClr val="tx1"/>
+            </a:solidFill>
+            <a:headEnd type="arrow" w="med" len="med"/>
+            <a:tailEnd type="arrow" w="med" len="med"/>
+          </a:ln>
+        </p:spPr>
+        <p:style>
+          <a:lnRef idx="1">
+            <a:schemeClr val="accent1"/>
+          </a:lnRef>
+          <a:fillRef idx="0">
+            <a:schemeClr val="accent1"/>
+          </a:fillRef>
+          <a:effectRef idx="0">
+            <a:schemeClr val="accent1"/>
+          </a:effectRef>
+          <a:fontRef idx="minor">
+            <a:schemeClr val="tx1"/>
+          </a:fontRef>
+        </p:style>
+      </p:cxnSp>
+      <p:cxnSp>
+        <p:nvCxnSpPr>
+          <p:cNvPr id="84" name="직선 연결선 83">
+            <a:extLst>
+              <a:ext uri="{FF2B5EF4-FFF2-40B4-BE49-F238E27FC236}">
+                <a16:creationId xmlns:a16="http://schemas.microsoft.com/office/drawing/2014/main" id="{352D38C0-049E-492C-9414-A0C842298EC5}"/>
+              </a:ext>
+            </a:extLst>
+          </p:cNvPr>
+          <p:cNvCxnSpPr>
+            <a:cxnSpLocks/>
+            <a:stCxn id="41" idx="0"/>
+            <a:endCxn id="26" idx="2"/>
+          </p:cNvCxnSpPr>
+          <p:nvPr/>
+        </p:nvCxnSpPr>
+        <p:spPr>
+          <a:xfrm flipV="1">
+            <a:off x="5039088" y="1491619"/>
+            <a:ext cx="1360525" cy="216555"/>
+          </a:xfrm>
+          <a:prstGeom prst="line">
+            <a:avLst/>
+          </a:prstGeom>
+          <a:ln w="19050">
+            <a:solidFill>
+              <a:schemeClr val="tx1"/>
+            </a:solidFill>
+            <a:headEnd type="arrow" w="med" len="med"/>
+            <a:tailEnd type="arrow" w="med" len="med"/>
+          </a:ln>
+        </p:spPr>
+        <p:style>
+          <a:lnRef idx="1">
+            <a:schemeClr val="accent1"/>
+          </a:lnRef>
+          <a:fillRef idx="0">
+            <a:schemeClr val="accent1"/>
+          </a:fillRef>
+          <a:effectRef idx="0">
+            <a:schemeClr val="accent1"/>
+          </a:effectRef>
+          <a:fontRef idx="minor">
+            <a:schemeClr val="tx1"/>
+          </a:fontRef>
+        </p:style>
+      </p:cxnSp>
+      <p:sp>
+        <p:nvSpPr>
+          <p:cNvPr id="123" name="TextBox 122">
+            <a:extLst>
+              <a:ext uri="{FF2B5EF4-FFF2-40B4-BE49-F238E27FC236}">
+                <a16:creationId xmlns:a16="http://schemas.microsoft.com/office/drawing/2014/main" id="{E0C31B9F-15E6-415B-8E99-3B42D18B07E3}"/>
+              </a:ext>
+            </a:extLst>
+          </p:cNvPr>
+          <p:cNvSpPr txBox="1"/>
+          <p:nvPr/>
+        </p:nvSpPr>
+        <p:spPr>
+          <a:xfrm>
+            <a:off x="2868118" y="3293604"/>
+            <a:ext cx="551754" cy="261610"/>
+          </a:xfrm>
+          <a:prstGeom prst="rect">
+            <a:avLst/>
+          </a:prstGeom>
+          <a:noFill/>
+        </p:spPr>
+        <p:txBody>
+          <a:bodyPr wrap="none" rtlCol="0">
+            <a:spAutoFit/>
+          </a:bodyPr>
+          <a:lstStyle/>
+          <a:p>
+            <a:pPr algn="ctr"/>
+            <a:r>
+              <a:rPr lang="en-US" altLang="ko-KR" sz="1100" b="1"/>
+              <a:t>Serial</a:t>
+            </a:r>
+            <a:endParaRPr lang="ko-KR" altLang="en-US" sz="1100" b="1"/>
+          </a:p>
+        </p:txBody>
+      </p:sp>
+      <p:sp>
+        <p:nvSpPr>
+          <p:cNvPr id="124" name="TextBox 123">
+            <a:extLst>
+              <a:ext uri="{FF2B5EF4-FFF2-40B4-BE49-F238E27FC236}">
+                <a16:creationId xmlns:a16="http://schemas.microsoft.com/office/drawing/2014/main" id="{972F8A6E-30AE-4084-A194-74167C356EFD}"/>
+              </a:ext>
+            </a:extLst>
+          </p:cNvPr>
+          <p:cNvSpPr txBox="1"/>
+          <p:nvPr/>
+        </p:nvSpPr>
+        <p:spPr>
+          <a:xfrm>
+            <a:off x="5508104" y="3291830"/>
+            <a:ext cx="673582" cy="261610"/>
+          </a:xfrm>
+          <a:prstGeom prst="rect">
+            <a:avLst/>
+          </a:prstGeom>
+          <a:noFill/>
+        </p:spPr>
+        <p:txBody>
+          <a:bodyPr wrap="none" rtlCol="0">
+            <a:spAutoFit/>
+          </a:bodyPr>
+          <a:lstStyle/>
+          <a:p>
+            <a:pPr algn="ctr"/>
+            <a:r>
+              <a:rPr lang="en-US" altLang="ko-KR" sz="1100" b="1"/>
+              <a:t>Parallel</a:t>
+            </a:r>
+            <a:endParaRPr lang="ko-KR" altLang="en-US" sz="1100" b="1"/>
+          </a:p>
+        </p:txBody>
+      </p:sp>
+    </p:spTree>
+    <p:extLst>
+      <p:ext uri="{BB962C8B-B14F-4D97-AF65-F5344CB8AC3E}">
+        <p14:creationId xmlns:p14="http://schemas.microsoft.com/office/powerpoint/2010/main" val="3240817009"/>
+      </p:ext>
+    </p:extLst>
+  </p:cSld>
+  <p:clrMapOvr>
+    <a:masterClrMapping/>
+  </p:clrMapOvr>
+</p:sld>
+</file>
+
+<file path=ppt/slides/slide2.xml><?xml version="1.0" encoding="utf-8"?>
+<p:sld xmlns:a="http://schemas.openxmlformats.org/drawingml/2006/main" xmlns:r="http://schemas.openxmlformats.org/officeDocument/2006/relationships" xmlns:p="http://schemas.openxmlformats.org/presentationml/2006/main">
+  <p:cSld>
+    <p:spTree>
+      <p:nvGrpSpPr>
+        <p:cNvPr id="1" name=""/>
+        <p:cNvGrpSpPr/>
+        <p:nvPr/>
+      </p:nvGrpSpPr>
+      <p:grpSpPr>
+        <a:xfrm>
+          <a:off x="0" y="0"/>
+          <a:ext cx="0" cy="0"/>
+          <a:chOff x="0" y="0"/>
+          <a:chExt cx="0" cy="0"/>
+        </a:xfrm>
+      </p:grpSpPr>
+      <p:sp>
+        <p:nvSpPr>
+          <p:cNvPr id="3" name="사각형: 둥근 모서리 2">
+            <a:extLst>
+              <a:ext uri="{FF2B5EF4-FFF2-40B4-BE49-F238E27FC236}">
+                <a16:creationId xmlns:a16="http://schemas.microsoft.com/office/drawing/2014/main" id="{B4EBF8C7-E564-4B1E-ADB4-4724E601D094}"/>
+              </a:ext>
+            </a:extLst>
+          </p:cNvPr>
+          <p:cNvSpPr/>
+          <p:nvPr/>
+        </p:nvSpPr>
+        <p:spPr>
+          <a:xfrm>
+            <a:off x="966190" y="987574"/>
+            <a:ext cx="1123670" cy="504056"/>
+          </a:xfrm>
+          <a:prstGeom prst="roundRect">
+            <a:avLst>
+              <a:gd name="adj" fmla="val 5426"/>
+            </a:avLst>
+          </a:prstGeom>
+        </p:spPr>
+        <p:style>
+          <a:lnRef idx="2">
+            <a:schemeClr val="dk1"/>
+          </a:lnRef>
+          <a:fillRef idx="1">
+            <a:schemeClr val="lt1"/>
+          </a:fillRef>
+          <a:effectRef idx="0">
+            <a:schemeClr val="dk1"/>
+          </a:effectRef>
+          <a:fontRef idx="minor">
+            <a:schemeClr val="dk1"/>
+          </a:fontRef>
+        </p:style>
+        <p:txBody>
+          <a:bodyPr rtlCol="0" anchor="ctr"/>
+          <a:lstStyle/>
+          <a:p>
+            <a:pPr algn="ctr"/>
+            <a:r>
+              <a:rPr lang="en-US" altLang="ko-KR" sz="1000"/>
+              <a:t>API (HTTP) Handler</a:t>
+            </a:r>
+            <a:endParaRPr lang="ko-KR" altLang="en-US" sz="1000"/>
+          </a:p>
+        </p:txBody>
+      </p:sp>
+      <p:sp>
+        <p:nvSpPr>
+          <p:cNvPr id="23" name="사각형: 둥근 모서리 22">
+            <a:extLst>
+              <a:ext uri="{FF2B5EF4-FFF2-40B4-BE49-F238E27FC236}">
+                <a16:creationId xmlns:a16="http://schemas.microsoft.com/office/drawing/2014/main" id="{8ADE6E76-2A69-4D59-AF5A-F8CF585C5697}"/>
+              </a:ext>
+            </a:extLst>
+          </p:cNvPr>
+          <p:cNvSpPr/>
+          <p:nvPr/>
+        </p:nvSpPr>
+        <p:spPr>
+          <a:xfrm>
+            <a:off x="2326714" y="987574"/>
+            <a:ext cx="1123670" cy="504056"/>
+          </a:xfrm>
+          <a:prstGeom prst="roundRect">
+            <a:avLst>
+              <a:gd name="adj" fmla="val 5426"/>
+            </a:avLst>
+          </a:prstGeom>
+        </p:spPr>
+        <p:style>
+          <a:lnRef idx="2">
+            <a:schemeClr val="dk1"/>
+          </a:lnRef>
+          <a:fillRef idx="1">
+            <a:schemeClr val="lt1"/>
+          </a:fillRef>
+          <a:effectRef idx="0">
+            <a:schemeClr val="dk1"/>
+          </a:effectRef>
+          <a:fontRef idx="minor">
+            <a:schemeClr val="dk1"/>
+          </a:fontRef>
+        </p:style>
+        <p:txBody>
+          <a:bodyPr rtlCol="0" anchor="ctr"/>
+          <a:lstStyle/>
+          <a:p>
+            <a:pPr algn="ctr"/>
+            <a:r>
+              <a:rPr lang="en-US" altLang="ko-KR" sz="1000"/>
+              <a:t>Authentication /</a:t>
+            </a:r>
+            <a:r>
+              <a:rPr lang="ko-KR" altLang="en-US" sz="1000"/>
+              <a:t> </a:t>
+            </a:r>
+            <a:r>
+              <a:rPr lang="en-US" altLang="ko-KR" sz="1000"/>
+              <a:t>Authorization</a:t>
+            </a:r>
+          </a:p>
+        </p:txBody>
+      </p:sp>
+      <p:sp>
+        <p:nvSpPr>
+          <p:cNvPr id="24" name="사각형: 둥근 모서리 23">
+            <a:extLst>
+              <a:ext uri="{FF2B5EF4-FFF2-40B4-BE49-F238E27FC236}">
+                <a16:creationId xmlns:a16="http://schemas.microsoft.com/office/drawing/2014/main" id="{96F1C4CA-B773-4884-8C60-6691A02CC7AB}"/>
+              </a:ext>
+            </a:extLst>
+          </p:cNvPr>
+          <p:cNvSpPr/>
+          <p:nvPr/>
+        </p:nvSpPr>
+        <p:spPr>
+          <a:xfrm>
+            <a:off x="3687238" y="987574"/>
+            <a:ext cx="1123670" cy="504056"/>
+          </a:xfrm>
+          <a:prstGeom prst="roundRect">
+            <a:avLst>
+              <a:gd name="adj" fmla="val 5426"/>
+            </a:avLst>
+          </a:prstGeom>
+        </p:spPr>
+        <p:style>
+          <a:lnRef idx="2">
+            <a:schemeClr val="dk1"/>
+          </a:lnRef>
+          <a:fillRef idx="1">
+            <a:schemeClr val="lt1"/>
+          </a:fillRef>
+          <a:effectRef idx="0">
+            <a:schemeClr val="dk1"/>
+          </a:effectRef>
+          <a:fontRef idx="minor">
+            <a:schemeClr val="dk1"/>
+          </a:fontRef>
+        </p:style>
+        <p:txBody>
+          <a:bodyPr rtlCol="0" anchor="ctr"/>
+          <a:lstStyle/>
+          <a:p>
+            <a:pPr algn="ctr"/>
+            <a:r>
+              <a:rPr lang="en-US" altLang="ko-KR" sz="1000"/>
+              <a:t>Mutating</a:t>
+            </a:r>
+          </a:p>
+          <a:p>
+            <a:pPr algn="ctr"/>
+            <a:r>
+              <a:rPr lang="en-US" altLang="ko-KR" sz="1000"/>
+              <a:t>Admission</a:t>
+            </a:r>
+          </a:p>
+        </p:txBody>
+      </p:sp>
+      <p:sp>
+        <p:nvSpPr>
+          <p:cNvPr id="25" name="사각형: 둥근 모서리 24">
+            <a:extLst>
+              <a:ext uri="{FF2B5EF4-FFF2-40B4-BE49-F238E27FC236}">
+                <a16:creationId xmlns:a16="http://schemas.microsoft.com/office/drawing/2014/main" id="{65DCDF3C-138D-49C9-828F-AEC50D26F164}"/>
+              </a:ext>
+            </a:extLst>
+          </p:cNvPr>
+          <p:cNvSpPr/>
+          <p:nvPr/>
+        </p:nvSpPr>
+        <p:spPr>
+          <a:xfrm>
+            <a:off x="5047762" y="987574"/>
+            <a:ext cx="1123670" cy="504056"/>
+          </a:xfrm>
+          <a:prstGeom prst="roundRect">
+            <a:avLst>
+              <a:gd name="adj" fmla="val 5426"/>
+            </a:avLst>
+          </a:prstGeom>
+        </p:spPr>
+        <p:style>
+          <a:lnRef idx="2">
+            <a:schemeClr val="dk1"/>
+          </a:lnRef>
+          <a:fillRef idx="1">
+            <a:schemeClr val="lt1"/>
+          </a:fillRef>
+          <a:effectRef idx="0">
+            <a:schemeClr val="dk1"/>
+          </a:effectRef>
+          <a:fontRef idx="minor">
+            <a:schemeClr val="dk1"/>
+          </a:fontRef>
+        </p:style>
+        <p:txBody>
+          <a:bodyPr rtlCol="0" anchor="ctr"/>
+          <a:lstStyle/>
+          <a:p>
+            <a:pPr algn="ctr"/>
+            <a:r>
+              <a:rPr lang="en-US" altLang="ko-KR" sz="1000"/>
+              <a:t>Object</a:t>
+            </a:r>
+          </a:p>
+          <a:p>
+            <a:pPr algn="ctr"/>
+            <a:r>
+              <a:rPr lang="en-US" altLang="ko-KR" sz="1000"/>
+              <a:t>Schema</a:t>
+            </a:r>
+          </a:p>
+          <a:p>
+            <a:pPr algn="ctr"/>
+            <a:r>
+              <a:rPr lang="en-US" altLang="ko-KR" sz="1000"/>
+              <a:t>Validation</a:t>
+            </a:r>
+          </a:p>
+        </p:txBody>
+      </p:sp>
+      <p:sp>
+        <p:nvSpPr>
+          <p:cNvPr id="26" name="사각형: 둥근 모서리 25">
+            <a:extLst>
+              <a:ext uri="{FF2B5EF4-FFF2-40B4-BE49-F238E27FC236}">
+                <a16:creationId xmlns:a16="http://schemas.microsoft.com/office/drawing/2014/main" id="{63093F3C-820A-42F6-815F-989DF6901B58}"/>
+              </a:ext>
+            </a:extLst>
+          </p:cNvPr>
+          <p:cNvSpPr/>
+          <p:nvPr/>
+        </p:nvSpPr>
+        <p:spPr>
+          <a:xfrm>
+            <a:off x="6408286" y="987574"/>
+            <a:ext cx="1123670" cy="504056"/>
+          </a:xfrm>
+          <a:prstGeom prst="roundRect">
+            <a:avLst>
+              <a:gd name="adj" fmla="val 5426"/>
+            </a:avLst>
+          </a:prstGeom>
+        </p:spPr>
+        <p:style>
+          <a:lnRef idx="2">
+            <a:schemeClr val="dk1"/>
+          </a:lnRef>
+          <a:fillRef idx="1">
+            <a:schemeClr val="lt1"/>
+          </a:fillRef>
+          <a:effectRef idx="0">
+            <a:schemeClr val="dk1"/>
+          </a:effectRef>
+          <a:fontRef idx="minor">
+            <a:schemeClr val="dk1"/>
+          </a:fontRef>
+        </p:style>
+        <p:txBody>
+          <a:bodyPr rtlCol="0" anchor="ctr"/>
+          <a:lstStyle/>
+          <a:p>
+            <a:pPr algn="ctr"/>
+            <a:r>
+              <a:rPr lang="en-US" altLang="ko-KR" sz="1000"/>
+              <a:t>Validating</a:t>
+            </a:r>
+          </a:p>
+          <a:p>
+            <a:pPr algn="ctr"/>
+            <a:r>
+              <a:rPr lang="en-US" altLang="ko-KR" sz="1000"/>
+              <a:t>Admission</a:t>
+            </a:r>
+          </a:p>
+        </p:txBody>
+      </p:sp>
+      <p:sp>
+        <p:nvSpPr>
+          <p:cNvPr id="27" name="사각형: 둥근 모서리 26">
+            <a:extLst>
+              <a:ext uri="{FF2B5EF4-FFF2-40B4-BE49-F238E27FC236}">
+                <a16:creationId xmlns:a16="http://schemas.microsoft.com/office/drawing/2014/main" id="{C8EAEED4-7931-4645-BDD0-CA0D762E74EB}"/>
+              </a:ext>
+            </a:extLst>
+          </p:cNvPr>
+          <p:cNvSpPr/>
+          <p:nvPr/>
+        </p:nvSpPr>
+        <p:spPr>
+          <a:xfrm>
+            <a:off x="7768810" y="987574"/>
+            <a:ext cx="1123670" cy="504056"/>
+          </a:xfrm>
+          <a:prstGeom prst="roundRect">
+            <a:avLst>
+              <a:gd name="adj" fmla="val 5426"/>
+            </a:avLst>
+          </a:prstGeom>
+        </p:spPr>
+        <p:style>
+          <a:lnRef idx="2">
+            <a:schemeClr val="dk1"/>
+          </a:lnRef>
+          <a:fillRef idx="1">
+            <a:schemeClr val="lt1"/>
+          </a:fillRef>
+          <a:effectRef idx="0">
+            <a:schemeClr val="dk1"/>
+          </a:effectRef>
+          <a:fontRef idx="minor">
+            <a:schemeClr val="dk1"/>
+          </a:fontRef>
+        </p:style>
+        <p:txBody>
+          <a:bodyPr rtlCol="0" anchor="ctr"/>
+          <a:lstStyle/>
+          <a:p>
+            <a:pPr algn="ctr"/>
+            <a:r>
+              <a:rPr lang="en-US" altLang="ko-KR" sz="1000"/>
+              <a:t>Persisted to etcd</a:t>
+            </a:r>
+          </a:p>
+        </p:txBody>
+      </p:sp>
+      <p:cxnSp>
+        <p:nvCxnSpPr>
+          <p:cNvPr id="28" name="직선 연결선 27">
+            <a:extLst>
+              <a:ext uri="{FF2B5EF4-FFF2-40B4-BE49-F238E27FC236}">
+                <a16:creationId xmlns:a16="http://schemas.microsoft.com/office/drawing/2014/main" id="{49EB87B0-EB42-4775-97C6-B22F2068278A}"/>
+              </a:ext>
+            </a:extLst>
+          </p:cNvPr>
+          <p:cNvCxnSpPr>
+            <a:cxnSpLocks/>
+            <a:stCxn id="3" idx="3"/>
+            <a:endCxn id="23" idx="1"/>
+          </p:cNvCxnSpPr>
+          <p:nvPr/>
+        </p:nvCxnSpPr>
+        <p:spPr>
+          <a:xfrm>
+            <a:off x="2089860" y="1239602"/>
+            <a:ext cx="236854" cy="0"/>
+          </a:xfrm>
+          <a:prstGeom prst="line">
+            <a:avLst/>
+          </a:prstGeom>
+          <a:ln w="19050">
+            <a:solidFill>
+              <a:schemeClr val="tx1"/>
+            </a:solidFill>
+            <a:headEnd type="none" w="med" len="med"/>
+            <a:tailEnd type="arrow" w="med" len="med"/>
+          </a:ln>
+        </p:spPr>
+        <p:style>
+          <a:lnRef idx="1">
+            <a:schemeClr val="accent1"/>
+          </a:lnRef>
+          <a:fillRef idx="0">
+            <a:schemeClr val="accent1"/>
+          </a:fillRef>
+          <a:effectRef idx="0">
+            <a:schemeClr val="accent1"/>
+          </a:effectRef>
+          <a:fontRef idx="minor">
+            <a:schemeClr val="tx1"/>
+          </a:fontRef>
+        </p:style>
+      </p:cxnSp>
+      <p:cxnSp>
+        <p:nvCxnSpPr>
+          <p:cNvPr id="33" name="직선 연결선 32">
+            <a:extLst>
+              <a:ext uri="{FF2B5EF4-FFF2-40B4-BE49-F238E27FC236}">
+                <a16:creationId xmlns:a16="http://schemas.microsoft.com/office/drawing/2014/main" id="{D1B2B8AC-9B63-4A8F-97BD-C5E7C1B16C74}"/>
+              </a:ext>
+            </a:extLst>
+          </p:cNvPr>
+          <p:cNvCxnSpPr>
+            <a:cxnSpLocks/>
+            <a:stCxn id="23" idx="3"/>
+            <a:endCxn id="24" idx="1"/>
+          </p:cNvCxnSpPr>
+          <p:nvPr/>
+        </p:nvCxnSpPr>
+        <p:spPr>
+          <a:xfrm>
+            <a:off x="3450384" y="1239602"/>
+            <a:ext cx="236854" cy="0"/>
+          </a:xfrm>
+          <a:prstGeom prst="line">
+            <a:avLst/>
+          </a:prstGeom>
+          <a:ln w="19050">
+            <a:solidFill>
+              <a:schemeClr val="tx1"/>
+            </a:solidFill>
+            <a:headEnd type="none" w="med" len="med"/>
+            <a:tailEnd type="arrow" w="med" len="med"/>
+          </a:ln>
+        </p:spPr>
+        <p:style>
+          <a:lnRef idx="1">
+            <a:schemeClr val="accent1"/>
+          </a:lnRef>
+          <a:fillRef idx="0">
+            <a:schemeClr val="accent1"/>
+          </a:fillRef>
+          <a:effectRef idx="0">
+            <a:schemeClr val="accent1"/>
+          </a:effectRef>
+          <a:fontRef idx="minor">
+            <a:schemeClr val="tx1"/>
+          </a:fontRef>
+        </p:style>
+      </p:cxnSp>
+      <p:cxnSp>
+        <p:nvCxnSpPr>
+          <p:cNvPr id="36" name="직선 연결선 35">
+            <a:extLst>
+              <a:ext uri="{FF2B5EF4-FFF2-40B4-BE49-F238E27FC236}">
+                <a16:creationId xmlns:a16="http://schemas.microsoft.com/office/drawing/2014/main" id="{9DA52327-A43A-4486-8188-9DAF932F7D17}"/>
+              </a:ext>
+            </a:extLst>
+          </p:cNvPr>
+          <p:cNvCxnSpPr>
+            <a:cxnSpLocks/>
+            <a:stCxn id="24" idx="3"/>
+            <a:endCxn id="25" idx="1"/>
+          </p:cNvCxnSpPr>
+          <p:nvPr/>
+        </p:nvCxnSpPr>
+        <p:spPr>
+          <a:xfrm>
+            <a:off x="4810908" y="1239602"/>
+            <a:ext cx="236854" cy="0"/>
+          </a:xfrm>
+          <a:prstGeom prst="line">
+            <a:avLst/>
+          </a:prstGeom>
+          <a:ln w="19050">
+            <a:solidFill>
+              <a:schemeClr val="tx1"/>
+            </a:solidFill>
+            <a:headEnd type="none" w="med" len="med"/>
+            <a:tailEnd type="arrow" w="med" len="med"/>
+          </a:ln>
+        </p:spPr>
+        <p:style>
+          <a:lnRef idx="1">
+            <a:schemeClr val="accent1"/>
+          </a:lnRef>
+          <a:fillRef idx="0">
+            <a:schemeClr val="accent1"/>
+          </a:fillRef>
+          <a:effectRef idx="0">
+            <a:schemeClr val="accent1"/>
+          </a:effectRef>
+          <a:fontRef idx="minor">
+            <a:schemeClr val="tx1"/>
+          </a:fontRef>
+        </p:style>
+      </p:cxnSp>
+      <p:cxnSp>
+        <p:nvCxnSpPr>
+          <p:cNvPr id="39" name="직선 연결선 38">
+            <a:extLst>
+              <a:ext uri="{FF2B5EF4-FFF2-40B4-BE49-F238E27FC236}">
+                <a16:creationId xmlns:a16="http://schemas.microsoft.com/office/drawing/2014/main" id="{F201DC7B-0F03-4320-A440-161E8654BEFA}"/>
+              </a:ext>
+            </a:extLst>
+          </p:cNvPr>
+          <p:cNvCxnSpPr>
+            <a:cxnSpLocks/>
+            <a:stCxn id="25" idx="3"/>
+            <a:endCxn id="26" idx="1"/>
+          </p:cNvCxnSpPr>
+          <p:nvPr/>
+        </p:nvCxnSpPr>
+        <p:spPr>
+          <a:xfrm>
+            <a:off x="6171432" y="1239602"/>
+            <a:ext cx="236854" cy="0"/>
+          </a:xfrm>
+          <a:prstGeom prst="line">
+            <a:avLst/>
+          </a:prstGeom>
+          <a:ln w="19050">
+            <a:solidFill>
+              <a:schemeClr val="tx1"/>
+            </a:solidFill>
+            <a:headEnd type="none" w="med" len="med"/>
+            <a:tailEnd type="arrow" w="med" len="med"/>
+          </a:ln>
+        </p:spPr>
+        <p:style>
+          <a:lnRef idx="1">
+            <a:schemeClr val="accent1"/>
+          </a:lnRef>
+          <a:fillRef idx="0">
+            <a:schemeClr val="accent1"/>
+          </a:fillRef>
+          <a:effectRef idx="0">
+            <a:schemeClr val="accent1"/>
+          </a:effectRef>
+          <a:fontRef idx="minor">
+            <a:schemeClr val="tx1"/>
+          </a:fontRef>
+        </p:style>
+      </p:cxnSp>
+      <p:cxnSp>
+        <p:nvCxnSpPr>
+          <p:cNvPr id="43" name="직선 연결선 42">
+            <a:extLst>
+              <a:ext uri="{FF2B5EF4-FFF2-40B4-BE49-F238E27FC236}">
+                <a16:creationId xmlns:a16="http://schemas.microsoft.com/office/drawing/2014/main" id="{51D9D7AF-0DD3-468D-8420-BF1CE1ED9A5A}"/>
+              </a:ext>
+            </a:extLst>
+          </p:cNvPr>
+          <p:cNvCxnSpPr>
+            <a:cxnSpLocks/>
+            <a:stCxn id="26" idx="3"/>
+            <a:endCxn id="27" idx="1"/>
+          </p:cNvCxnSpPr>
+          <p:nvPr/>
+        </p:nvCxnSpPr>
+        <p:spPr>
+          <a:xfrm>
+            <a:off x="7531956" y="1239602"/>
+            <a:ext cx="236854" cy="0"/>
+          </a:xfrm>
+          <a:prstGeom prst="line">
+            <a:avLst/>
+          </a:prstGeom>
+          <a:ln w="19050">
+            <a:solidFill>
+              <a:schemeClr val="tx1"/>
+            </a:solidFill>
+            <a:headEnd type="none" w="med" len="med"/>
+            <a:tailEnd type="arrow" w="med" len="med"/>
+          </a:ln>
+        </p:spPr>
+        <p:style>
+          <a:lnRef idx="1">
+            <a:schemeClr val="accent1"/>
+          </a:lnRef>
+          <a:fillRef idx="0">
+            <a:schemeClr val="accent1"/>
+          </a:fillRef>
+          <a:effectRef idx="0">
+            <a:schemeClr val="accent1"/>
+          </a:effectRef>
+          <a:fontRef idx="minor">
+            <a:schemeClr val="tx1"/>
+          </a:fontRef>
+        </p:style>
+      </p:cxnSp>
+      <p:cxnSp>
+        <p:nvCxnSpPr>
+          <p:cNvPr id="46" name="직선 연결선 45">
+            <a:extLst>
+              <a:ext uri="{FF2B5EF4-FFF2-40B4-BE49-F238E27FC236}">
+                <a16:creationId xmlns:a16="http://schemas.microsoft.com/office/drawing/2014/main" id="{0E3957D9-0282-45A4-853C-2E408CA48019}"/>
+              </a:ext>
+            </a:extLst>
+          </p:cNvPr>
+          <p:cNvCxnSpPr>
+            <a:cxnSpLocks/>
+            <a:endCxn id="3" idx="1"/>
+          </p:cNvCxnSpPr>
+          <p:nvPr/>
+        </p:nvCxnSpPr>
+        <p:spPr>
+          <a:xfrm>
             <a:off x="251520" y="1239602"/>
             <a:ext cx="714670" cy="0"/>
           </a:xfrm>
@@ -4602,7 +6414,7 @@
     </p:spTree>
     <p:extLst>
       <p:ext uri="{BB962C8B-B14F-4D97-AF65-F5344CB8AC3E}">
-        <p14:creationId xmlns:p14="http://schemas.microsoft.com/office/powerpoint/2010/main" val="3240817009"/>
+        <p14:creationId xmlns:p14="http://schemas.microsoft.com/office/powerpoint/2010/main" val="1829803478"/>
       </p:ext>
     </p:extLst>
   </p:cSld>

--- a/images/theory_analysis/Kubernetes_Admission_Controller/Kubernetes_Admission_Controller.pptx
+++ b/images/theory_analysis/Kubernetes_Admission_Controller/Kubernetes_Admission_Controller.pptx
@@ -5164,6 +5164,80 @@
             <a:r>
               <a:rPr lang="en-US" altLang="ko-KR" sz="1100" b="1"/>
               <a:t>Parallel</a:t>
+            </a:r>
+            <a:endParaRPr lang="ko-KR" altLang="en-US" sz="1100" b="1"/>
+          </a:p>
+        </p:txBody>
+      </p:sp>
+      <p:sp>
+        <p:nvSpPr>
+          <p:cNvPr id="40" name="TextBox 39">
+            <a:extLst>
+              <a:ext uri="{FF2B5EF4-FFF2-40B4-BE49-F238E27FC236}">
+                <a16:creationId xmlns:a16="http://schemas.microsoft.com/office/drawing/2014/main" id="{D88C63E1-EE60-434D-AD66-79D5C7609EFC}"/>
+              </a:ext>
+            </a:extLst>
+          </p:cNvPr>
+          <p:cNvSpPr txBox="1"/>
+          <p:nvPr/>
+        </p:nvSpPr>
+        <p:spPr>
+          <a:xfrm>
+            <a:off x="3707904" y="1491630"/>
+            <a:ext cx="551754" cy="261610"/>
+          </a:xfrm>
+          <a:prstGeom prst="rect">
+            <a:avLst/>
+          </a:prstGeom>
+          <a:noFill/>
+        </p:spPr>
+        <p:txBody>
+          <a:bodyPr wrap="none" rtlCol="0">
+            <a:spAutoFit/>
+          </a:bodyPr>
+          <a:lstStyle/>
+          <a:p>
+            <a:pPr algn="ctr"/>
+            <a:r>
+              <a:rPr lang="en-US" altLang="ko-KR" sz="1100" b="1"/>
+              <a:t>Serial</a:t>
+            </a:r>
+            <a:endParaRPr lang="ko-KR" altLang="en-US" sz="1100" b="1"/>
+          </a:p>
+        </p:txBody>
+      </p:sp>
+      <p:sp>
+        <p:nvSpPr>
+          <p:cNvPr id="42" name="TextBox 41">
+            <a:extLst>
+              <a:ext uri="{FF2B5EF4-FFF2-40B4-BE49-F238E27FC236}">
+                <a16:creationId xmlns:a16="http://schemas.microsoft.com/office/drawing/2014/main" id="{E4E569E4-2EDD-4B65-92BA-35F472F550C3}"/>
+              </a:ext>
+            </a:extLst>
+          </p:cNvPr>
+          <p:cNvSpPr txBox="1"/>
+          <p:nvPr/>
+        </p:nvSpPr>
+        <p:spPr>
+          <a:xfrm>
+            <a:off x="5782817" y="1491630"/>
+            <a:ext cx="551754" cy="261610"/>
+          </a:xfrm>
+          <a:prstGeom prst="rect">
+            <a:avLst/>
+          </a:prstGeom>
+          <a:noFill/>
+        </p:spPr>
+        <p:txBody>
+          <a:bodyPr wrap="none" rtlCol="0">
+            <a:spAutoFit/>
+          </a:bodyPr>
+          <a:lstStyle/>
+          <a:p>
+            <a:pPr algn="ctr"/>
+            <a:r>
+              <a:rPr lang="en-US" altLang="ko-KR" sz="1100" b="1"/>
+              <a:t>Serial</a:t>
             </a:r>
             <a:endParaRPr lang="ko-KR" altLang="en-US" sz="1100" b="1"/>
           </a:p>

--- a/images/theory_analysis/Kubernetes_Admission_Controller/Kubernetes_Admission_Controller.pptx
+++ b/images/theory_analysis/Kubernetes_Admission_Controller/Kubernetes_Admission_Controller.pptx
@@ -5,11 +5,12 @@
     <p:sldMasterId id="2147483648" r:id="rId1"/>
   </p:sldMasterIdLst>
   <p:notesMasterIdLst>
-    <p:notesMasterId r:id="rId4"/>
+    <p:notesMasterId r:id="rId5"/>
   </p:notesMasterIdLst>
   <p:sldIdLst>
     <p:sldId id="428" r:id="rId2"/>
-    <p:sldId id="429" r:id="rId3"/>
+    <p:sldId id="430" r:id="rId3"/>
+    <p:sldId id="429" r:id="rId4"/>
   </p:sldIdLst>
   <p:sldSz cx="9144000" cy="5143500" type="screen16x9"/>
   <p:notesSz cx="6858000" cy="9144000"/>
@@ -214,7 +215,7 @@
           <a:p>
             <a:fld id="{6CD5550B-26C4-49A9-A5BA-636EF7BE6CE9}" type="datetimeFigureOut">
               <a:rPr lang="ko-KR" altLang="en-US" smtClean="0"/>
-              <a:t>2020-10-03</a:t>
+              <a:t>2020-10-04</a:t>
             </a:fld>
             <a:endParaRPr lang="ko-KR" altLang="en-US"/>
           </a:p>
@@ -660,7 +661,7 @@
           <a:p>
             <a:fld id="{FB30EDBD-1C2D-4C1E-B459-B60219FAB484}" type="datetimeFigureOut">
               <a:rPr lang="ko-KR" altLang="en-US" smtClean="0"/>
-              <a:t>2020-10-03</a:t>
+              <a:t>2020-10-04</a:t>
             </a:fld>
             <a:endParaRPr lang="ko-KR" altLang="en-US"/>
           </a:p>
@@ -823,7 +824,7 @@
           <a:p>
             <a:fld id="{FB30EDBD-1C2D-4C1E-B459-B60219FAB484}" type="datetimeFigureOut">
               <a:rPr lang="ko-KR" altLang="en-US" smtClean="0"/>
-              <a:t>2020-10-03</a:t>
+              <a:t>2020-10-04</a:t>
             </a:fld>
             <a:endParaRPr lang="ko-KR" altLang="en-US"/>
           </a:p>
@@ -996,7 +997,7 @@
           <a:p>
             <a:fld id="{FB30EDBD-1C2D-4C1E-B459-B60219FAB484}" type="datetimeFigureOut">
               <a:rPr lang="ko-KR" altLang="en-US" smtClean="0"/>
-              <a:t>2020-10-03</a:t>
+              <a:t>2020-10-04</a:t>
             </a:fld>
             <a:endParaRPr lang="ko-KR" altLang="en-US"/>
           </a:p>
@@ -1159,7 +1160,7 @@
           <a:p>
             <a:fld id="{FB30EDBD-1C2D-4C1E-B459-B60219FAB484}" type="datetimeFigureOut">
               <a:rPr lang="ko-KR" altLang="en-US" smtClean="0"/>
-              <a:t>2020-10-03</a:t>
+              <a:t>2020-10-04</a:t>
             </a:fld>
             <a:endParaRPr lang="ko-KR" altLang="en-US"/>
           </a:p>
@@ -1399,7 +1400,7 @@
           <a:p>
             <a:fld id="{FB30EDBD-1C2D-4C1E-B459-B60219FAB484}" type="datetimeFigureOut">
               <a:rPr lang="ko-KR" altLang="en-US" smtClean="0"/>
-              <a:t>2020-10-03</a:t>
+              <a:t>2020-10-04</a:t>
             </a:fld>
             <a:endParaRPr lang="ko-KR" altLang="en-US"/>
           </a:p>
@@ -1679,7 +1680,7 @@
           <a:p>
             <a:fld id="{FB30EDBD-1C2D-4C1E-B459-B60219FAB484}" type="datetimeFigureOut">
               <a:rPr lang="ko-KR" altLang="en-US" smtClean="0"/>
-              <a:t>2020-10-03</a:t>
+              <a:t>2020-10-04</a:t>
             </a:fld>
             <a:endParaRPr lang="ko-KR" altLang="en-US"/>
           </a:p>
@@ -2093,7 +2094,7 @@
           <a:p>
             <a:fld id="{FB30EDBD-1C2D-4C1E-B459-B60219FAB484}" type="datetimeFigureOut">
               <a:rPr lang="ko-KR" altLang="en-US" smtClean="0"/>
-              <a:t>2020-10-03</a:t>
+              <a:t>2020-10-04</a:t>
             </a:fld>
             <a:endParaRPr lang="ko-KR" altLang="en-US"/>
           </a:p>
@@ -2205,7 +2206,7 @@
           <a:p>
             <a:fld id="{FB30EDBD-1C2D-4C1E-B459-B60219FAB484}" type="datetimeFigureOut">
               <a:rPr lang="ko-KR" altLang="en-US" smtClean="0"/>
-              <a:t>2020-10-03</a:t>
+              <a:t>2020-10-04</a:t>
             </a:fld>
             <a:endParaRPr lang="ko-KR" altLang="en-US"/>
           </a:p>
@@ -2295,7 +2296,7 @@
           <a:p>
             <a:fld id="{FB30EDBD-1C2D-4C1E-B459-B60219FAB484}" type="datetimeFigureOut">
               <a:rPr lang="ko-KR" altLang="en-US" smtClean="0"/>
-              <a:t>2020-10-03</a:t>
+              <a:t>2020-10-04</a:t>
             </a:fld>
             <a:endParaRPr lang="ko-KR" altLang="en-US"/>
           </a:p>
@@ -2565,7 +2566,7 @@
           <a:p>
             <a:fld id="{FB30EDBD-1C2D-4C1E-B459-B60219FAB484}" type="datetimeFigureOut">
               <a:rPr lang="ko-KR" altLang="en-US" smtClean="0"/>
-              <a:t>2020-10-03</a:t>
+              <a:t>2020-10-04</a:t>
             </a:fld>
             <a:endParaRPr lang="ko-KR" altLang="en-US"/>
           </a:p>
@@ -2812,7 +2813,7 @@
           <a:p>
             <a:fld id="{FB30EDBD-1C2D-4C1E-B459-B60219FAB484}" type="datetimeFigureOut">
               <a:rPr lang="ko-KR" altLang="en-US" smtClean="0"/>
-              <a:t>2020-10-03</a:t>
+              <a:t>2020-10-04</a:t>
             </a:fld>
             <a:endParaRPr lang="ko-KR" altLang="en-US"/>
           </a:p>
@@ -3018,7 +3019,7 @@
           <a:p>
             <a:fld id="{FB30EDBD-1C2D-4C1E-B459-B60219FAB484}" type="datetimeFigureOut">
               <a:rPr lang="ko-KR" altLang="en-US" smtClean="0"/>
-              <a:t>2020-10-03</a:t>
+              <a:t>2020-10-04</a:t>
             </a:fld>
             <a:endParaRPr lang="ko-KR" altLang="en-US"/>
           </a:p>
@@ -3432,7 +3433,7 @@
             <a:pPr algn="ctr"/>
             <a:r>
               <a:rPr lang="en-US" altLang="ko-KR" sz="1000" b="1"/>
-              <a:t>Custom Validating Admission Controller A</a:t>
+              <a:t>Custom Validating Admission Controller</a:t>
             </a:r>
             <a:endParaRPr lang="ko-KR" altLang="en-US" sz="1000" b="1"/>
           </a:p>
@@ -3489,7 +3490,7 @@
             <a:pPr algn="ctr"/>
             <a:r>
               <a:rPr lang="en-US" altLang="ko-KR" sz="1000" b="1"/>
-              <a:t>Admission Controller A</a:t>
+              <a:t>Admission Controller</a:t>
             </a:r>
             <a:endParaRPr lang="ko-KR" altLang="en-US" sz="1000" b="1"/>
           </a:p>
@@ -4758,7 +4759,7 @@
             <a:pPr algn="ctr"/>
             <a:r>
               <a:rPr lang="en-US" altLang="ko-KR" sz="1000" b="1"/>
-              <a:t>Custom Validating Admission Controller B</a:t>
+              <a:t>Custom Validating Admission Controller</a:t>
             </a:r>
             <a:endParaRPr lang="ko-KR" altLang="en-US" sz="1000" b="1"/>
           </a:p>
@@ -5257,6 +5258,3353 @@
 </file>
 
 <file path=ppt/slides/slide2.xml><?xml version="1.0" encoding="utf-8"?>
+<p:sld xmlns:a="http://schemas.openxmlformats.org/drawingml/2006/main" xmlns:r="http://schemas.openxmlformats.org/officeDocument/2006/relationships" xmlns:p="http://schemas.openxmlformats.org/presentationml/2006/main">
+  <p:cSld>
+    <p:spTree>
+      <p:nvGrpSpPr>
+        <p:cNvPr id="1" name=""/>
+        <p:cNvGrpSpPr/>
+        <p:nvPr/>
+      </p:nvGrpSpPr>
+      <p:grpSpPr>
+        <a:xfrm>
+          <a:off x="0" y="0"/>
+          <a:ext cx="0" cy="0"/>
+          <a:chOff x="0" y="0"/>
+          <a:chExt cx="0" cy="0"/>
+        </a:xfrm>
+      </p:grpSpPr>
+      <p:sp>
+        <p:nvSpPr>
+          <p:cNvPr id="29" name="사각형: 둥근 모서리 28">
+            <a:extLst>
+              <a:ext uri="{FF2B5EF4-FFF2-40B4-BE49-F238E27FC236}">
+                <a16:creationId xmlns:a16="http://schemas.microsoft.com/office/drawing/2014/main" id="{CCFC00D7-1993-4444-8F55-B1866800EBFD}"/>
+              </a:ext>
+            </a:extLst>
+          </p:cNvPr>
+          <p:cNvSpPr/>
+          <p:nvPr/>
+        </p:nvSpPr>
+        <p:spPr>
+          <a:xfrm>
+            <a:off x="1691680" y="411510"/>
+            <a:ext cx="5334147" cy="2592273"/>
+          </a:xfrm>
+          <a:prstGeom prst="roundRect">
+            <a:avLst>
+              <a:gd name="adj" fmla="val 3286"/>
+            </a:avLst>
+          </a:prstGeom>
+        </p:spPr>
+        <p:style>
+          <a:lnRef idx="2">
+            <a:schemeClr val="dk1"/>
+          </a:lnRef>
+          <a:fillRef idx="1">
+            <a:schemeClr val="lt1"/>
+          </a:fillRef>
+          <a:effectRef idx="0">
+            <a:schemeClr val="dk1"/>
+          </a:effectRef>
+          <a:fontRef idx="minor">
+            <a:schemeClr val="dk1"/>
+          </a:fontRef>
+        </p:style>
+        <p:txBody>
+          <a:bodyPr rtlCol="0" anchor="t"/>
+          <a:lstStyle/>
+          <a:p>
+            <a:pPr algn="ctr"/>
+            <a:r>
+              <a:rPr lang="en-US" altLang="ko-KR" sz="1000" b="1"/>
+              <a:t>Kubernetes</a:t>
+            </a:r>
+            <a:r>
+              <a:rPr lang="ko-KR" altLang="en-US" sz="1000" b="1"/>
+              <a:t> </a:t>
+            </a:r>
+            <a:r>
+              <a:rPr lang="en-US" altLang="ko-KR" sz="1000" b="1"/>
+              <a:t>API Server</a:t>
+            </a:r>
+            <a:endParaRPr lang="ko-KR" altLang="en-US" sz="1000" b="1"/>
+          </a:p>
+        </p:txBody>
+      </p:sp>
+      <p:sp>
+        <p:nvSpPr>
+          <p:cNvPr id="3" name="사각형: 둥근 모서리 2">
+            <a:extLst>
+              <a:ext uri="{FF2B5EF4-FFF2-40B4-BE49-F238E27FC236}">
+                <a16:creationId xmlns:a16="http://schemas.microsoft.com/office/drawing/2014/main" id="{B4EBF8C7-E564-4B1E-ADB4-4724E601D094}"/>
+              </a:ext>
+            </a:extLst>
+          </p:cNvPr>
+          <p:cNvSpPr/>
+          <p:nvPr/>
+        </p:nvSpPr>
+        <p:spPr>
+          <a:xfrm>
+            <a:off x="1754153" y="699531"/>
+            <a:ext cx="1123670" cy="504056"/>
+          </a:xfrm>
+          <a:prstGeom prst="roundRect">
+            <a:avLst>
+              <a:gd name="adj" fmla="val 5426"/>
+            </a:avLst>
+          </a:prstGeom>
+        </p:spPr>
+        <p:style>
+          <a:lnRef idx="2">
+            <a:schemeClr val="dk1"/>
+          </a:lnRef>
+          <a:fillRef idx="1">
+            <a:schemeClr val="lt1"/>
+          </a:fillRef>
+          <a:effectRef idx="0">
+            <a:schemeClr val="dk1"/>
+          </a:effectRef>
+          <a:fontRef idx="minor">
+            <a:schemeClr val="dk1"/>
+          </a:fontRef>
+        </p:style>
+        <p:txBody>
+          <a:bodyPr rtlCol="0" anchor="ctr"/>
+          <a:lstStyle/>
+          <a:p>
+            <a:pPr algn="ctr"/>
+            <a:r>
+              <a:rPr lang="en-US" altLang="ko-KR" sz="1000"/>
+              <a:t>API (HTTP) Handler</a:t>
+            </a:r>
+            <a:endParaRPr lang="ko-KR" altLang="en-US" sz="1000"/>
+          </a:p>
+        </p:txBody>
+      </p:sp>
+      <p:sp>
+        <p:nvSpPr>
+          <p:cNvPr id="23" name="사각형: 둥근 모서리 22">
+            <a:extLst>
+              <a:ext uri="{FF2B5EF4-FFF2-40B4-BE49-F238E27FC236}">
+                <a16:creationId xmlns:a16="http://schemas.microsoft.com/office/drawing/2014/main" id="{8ADE6E76-2A69-4D59-AF5A-F8CF585C5697}"/>
+              </a:ext>
+            </a:extLst>
+          </p:cNvPr>
+          <p:cNvSpPr/>
+          <p:nvPr/>
+        </p:nvSpPr>
+        <p:spPr>
+          <a:xfrm>
+            <a:off x="1754153" y="1419622"/>
+            <a:ext cx="1123670" cy="504056"/>
+          </a:xfrm>
+          <a:prstGeom prst="roundRect">
+            <a:avLst>
+              <a:gd name="adj" fmla="val 5426"/>
+            </a:avLst>
+          </a:prstGeom>
+        </p:spPr>
+        <p:style>
+          <a:lnRef idx="2">
+            <a:schemeClr val="dk1"/>
+          </a:lnRef>
+          <a:fillRef idx="1">
+            <a:schemeClr val="lt1"/>
+          </a:fillRef>
+          <a:effectRef idx="0">
+            <a:schemeClr val="dk1"/>
+          </a:effectRef>
+          <a:fontRef idx="minor">
+            <a:schemeClr val="dk1"/>
+          </a:fontRef>
+        </p:style>
+        <p:txBody>
+          <a:bodyPr rtlCol="0" anchor="ctr"/>
+          <a:lstStyle/>
+          <a:p>
+            <a:pPr algn="ctr"/>
+            <a:r>
+              <a:rPr lang="en-US" altLang="ko-KR" sz="1000"/>
+              <a:t>Authentication /</a:t>
+            </a:r>
+            <a:r>
+              <a:rPr lang="ko-KR" altLang="en-US" sz="1000"/>
+              <a:t> </a:t>
+            </a:r>
+            <a:r>
+              <a:rPr lang="en-US" altLang="ko-KR" sz="1000"/>
+              <a:t>Authorization</a:t>
+            </a:r>
+          </a:p>
+        </p:txBody>
+      </p:sp>
+      <p:sp>
+        <p:nvSpPr>
+          <p:cNvPr id="24" name="사각형: 둥근 모서리 23">
+            <a:extLst>
+              <a:ext uri="{FF2B5EF4-FFF2-40B4-BE49-F238E27FC236}">
+                <a16:creationId xmlns:a16="http://schemas.microsoft.com/office/drawing/2014/main" id="{96F1C4CA-B773-4884-8C60-6691A02CC7AB}"/>
+              </a:ext>
+            </a:extLst>
+          </p:cNvPr>
+          <p:cNvSpPr/>
+          <p:nvPr/>
+        </p:nvSpPr>
+        <p:spPr>
+          <a:xfrm>
+            <a:off x="3116730" y="699531"/>
+            <a:ext cx="1123670" cy="504056"/>
+          </a:xfrm>
+          <a:prstGeom prst="roundRect">
+            <a:avLst>
+              <a:gd name="adj" fmla="val 5426"/>
+            </a:avLst>
+          </a:prstGeom>
+        </p:spPr>
+        <p:style>
+          <a:lnRef idx="2">
+            <a:schemeClr val="dk1"/>
+          </a:lnRef>
+          <a:fillRef idx="1">
+            <a:schemeClr val="lt1"/>
+          </a:fillRef>
+          <a:effectRef idx="0">
+            <a:schemeClr val="dk1"/>
+          </a:effectRef>
+          <a:fontRef idx="minor">
+            <a:schemeClr val="dk1"/>
+          </a:fontRef>
+        </p:style>
+        <p:txBody>
+          <a:bodyPr rtlCol="0" anchor="ctr"/>
+          <a:lstStyle/>
+          <a:p>
+            <a:pPr algn="ctr"/>
+            <a:r>
+              <a:rPr lang="en-US" altLang="ko-KR" sz="1000" b="1"/>
+              <a:t>Mutating</a:t>
+            </a:r>
+          </a:p>
+          <a:p>
+            <a:pPr algn="ctr"/>
+            <a:r>
+              <a:rPr lang="en-US" altLang="ko-KR" sz="1000" b="1"/>
+              <a:t>Admission</a:t>
+            </a:r>
+          </a:p>
+        </p:txBody>
+      </p:sp>
+      <p:sp>
+        <p:nvSpPr>
+          <p:cNvPr id="25" name="사각형: 둥근 모서리 24">
+            <a:extLst>
+              <a:ext uri="{FF2B5EF4-FFF2-40B4-BE49-F238E27FC236}">
+                <a16:creationId xmlns:a16="http://schemas.microsoft.com/office/drawing/2014/main" id="{65DCDF3C-138D-49C9-828F-AEC50D26F164}"/>
+              </a:ext>
+            </a:extLst>
+          </p:cNvPr>
+          <p:cNvSpPr/>
+          <p:nvPr/>
+        </p:nvSpPr>
+        <p:spPr>
+          <a:xfrm>
+            <a:off x="4477254" y="699531"/>
+            <a:ext cx="1123670" cy="504056"/>
+          </a:xfrm>
+          <a:prstGeom prst="roundRect">
+            <a:avLst>
+              <a:gd name="adj" fmla="val 5426"/>
+            </a:avLst>
+          </a:prstGeom>
+        </p:spPr>
+        <p:style>
+          <a:lnRef idx="2">
+            <a:schemeClr val="dk1"/>
+          </a:lnRef>
+          <a:fillRef idx="1">
+            <a:schemeClr val="lt1"/>
+          </a:fillRef>
+          <a:effectRef idx="0">
+            <a:schemeClr val="dk1"/>
+          </a:effectRef>
+          <a:fontRef idx="minor">
+            <a:schemeClr val="dk1"/>
+          </a:fontRef>
+        </p:style>
+        <p:txBody>
+          <a:bodyPr rtlCol="0" anchor="ctr"/>
+          <a:lstStyle/>
+          <a:p>
+            <a:pPr algn="ctr"/>
+            <a:r>
+              <a:rPr lang="en-US" altLang="ko-KR" sz="1000"/>
+              <a:t>Object</a:t>
+            </a:r>
+          </a:p>
+          <a:p>
+            <a:pPr algn="ctr"/>
+            <a:r>
+              <a:rPr lang="en-US" altLang="ko-KR" sz="1000"/>
+              <a:t>Schema</a:t>
+            </a:r>
+          </a:p>
+          <a:p>
+            <a:pPr algn="ctr"/>
+            <a:r>
+              <a:rPr lang="en-US" altLang="ko-KR" sz="1000"/>
+              <a:t>Validation</a:t>
+            </a:r>
+          </a:p>
+        </p:txBody>
+      </p:sp>
+      <p:sp>
+        <p:nvSpPr>
+          <p:cNvPr id="26" name="사각형: 둥근 모서리 25">
+            <a:extLst>
+              <a:ext uri="{FF2B5EF4-FFF2-40B4-BE49-F238E27FC236}">
+                <a16:creationId xmlns:a16="http://schemas.microsoft.com/office/drawing/2014/main" id="{63093F3C-820A-42F6-815F-989DF6901B58}"/>
+              </a:ext>
+            </a:extLst>
+          </p:cNvPr>
+          <p:cNvSpPr/>
+          <p:nvPr/>
+        </p:nvSpPr>
+        <p:spPr>
+          <a:xfrm>
+            <a:off x="5837778" y="699531"/>
+            <a:ext cx="1123670" cy="504056"/>
+          </a:xfrm>
+          <a:prstGeom prst="roundRect">
+            <a:avLst>
+              <a:gd name="adj" fmla="val 5426"/>
+            </a:avLst>
+          </a:prstGeom>
+        </p:spPr>
+        <p:style>
+          <a:lnRef idx="2">
+            <a:schemeClr val="dk1"/>
+          </a:lnRef>
+          <a:fillRef idx="1">
+            <a:schemeClr val="lt1"/>
+          </a:fillRef>
+          <a:effectRef idx="0">
+            <a:schemeClr val="dk1"/>
+          </a:effectRef>
+          <a:fontRef idx="minor">
+            <a:schemeClr val="dk1"/>
+          </a:fontRef>
+        </p:style>
+        <p:txBody>
+          <a:bodyPr rtlCol="0" anchor="ctr"/>
+          <a:lstStyle/>
+          <a:p>
+            <a:pPr algn="ctr"/>
+            <a:r>
+              <a:rPr lang="en-US" altLang="ko-KR" sz="1000" b="1"/>
+              <a:t>Validating</a:t>
+            </a:r>
+          </a:p>
+          <a:p>
+            <a:pPr algn="ctr"/>
+            <a:r>
+              <a:rPr lang="en-US" altLang="ko-KR" sz="1000" b="1"/>
+              <a:t>Admission</a:t>
+            </a:r>
+          </a:p>
+        </p:txBody>
+      </p:sp>
+      <p:sp>
+        <p:nvSpPr>
+          <p:cNvPr id="27" name="사각형: 둥근 모서리 26">
+            <a:extLst>
+              <a:ext uri="{FF2B5EF4-FFF2-40B4-BE49-F238E27FC236}">
+                <a16:creationId xmlns:a16="http://schemas.microsoft.com/office/drawing/2014/main" id="{C8EAEED4-7931-4645-BDD0-CA0D762E74EB}"/>
+              </a:ext>
+            </a:extLst>
+          </p:cNvPr>
+          <p:cNvSpPr/>
+          <p:nvPr/>
+        </p:nvSpPr>
+        <p:spPr>
+          <a:xfrm>
+            <a:off x="7198302" y="699531"/>
+            <a:ext cx="1123670" cy="504056"/>
+          </a:xfrm>
+          <a:prstGeom prst="roundRect">
+            <a:avLst>
+              <a:gd name="adj" fmla="val 5426"/>
+            </a:avLst>
+          </a:prstGeom>
+        </p:spPr>
+        <p:style>
+          <a:lnRef idx="2">
+            <a:schemeClr val="dk1"/>
+          </a:lnRef>
+          <a:fillRef idx="1">
+            <a:schemeClr val="lt1"/>
+          </a:fillRef>
+          <a:effectRef idx="0">
+            <a:schemeClr val="dk1"/>
+          </a:effectRef>
+          <a:fontRef idx="minor">
+            <a:schemeClr val="dk1"/>
+          </a:fontRef>
+        </p:style>
+        <p:txBody>
+          <a:bodyPr rtlCol="0" anchor="ctr"/>
+          <a:lstStyle/>
+          <a:p>
+            <a:pPr algn="ctr"/>
+            <a:r>
+              <a:rPr lang="en-US" altLang="ko-KR" sz="1000"/>
+              <a:t>etcd Server</a:t>
+            </a:r>
+          </a:p>
+        </p:txBody>
+      </p:sp>
+      <p:cxnSp>
+        <p:nvCxnSpPr>
+          <p:cNvPr id="28" name="직선 연결선 27">
+            <a:extLst>
+              <a:ext uri="{FF2B5EF4-FFF2-40B4-BE49-F238E27FC236}">
+                <a16:creationId xmlns:a16="http://schemas.microsoft.com/office/drawing/2014/main" id="{49EB87B0-EB42-4775-97C6-B22F2068278A}"/>
+              </a:ext>
+            </a:extLst>
+          </p:cNvPr>
+          <p:cNvCxnSpPr>
+            <a:cxnSpLocks/>
+            <a:stCxn id="3" idx="2"/>
+            <a:endCxn id="23" idx="0"/>
+          </p:cNvCxnSpPr>
+          <p:nvPr/>
+        </p:nvCxnSpPr>
+        <p:spPr>
+          <a:xfrm>
+            <a:off x="2315988" y="1203587"/>
+            <a:ext cx="0" cy="216035"/>
+          </a:xfrm>
+          <a:prstGeom prst="line">
+            <a:avLst/>
+          </a:prstGeom>
+          <a:ln w="19050">
+            <a:solidFill>
+              <a:schemeClr val="tx1"/>
+            </a:solidFill>
+            <a:headEnd type="none" w="med" len="med"/>
+            <a:tailEnd type="arrow" w="med" len="med"/>
+          </a:ln>
+        </p:spPr>
+        <p:style>
+          <a:lnRef idx="1">
+            <a:schemeClr val="accent1"/>
+          </a:lnRef>
+          <a:fillRef idx="0">
+            <a:schemeClr val="accent1"/>
+          </a:fillRef>
+          <a:effectRef idx="0">
+            <a:schemeClr val="accent1"/>
+          </a:effectRef>
+          <a:fontRef idx="minor">
+            <a:schemeClr val="tx1"/>
+          </a:fontRef>
+        </p:style>
+      </p:cxnSp>
+      <p:cxnSp>
+        <p:nvCxnSpPr>
+          <p:cNvPr id="33" name="직선 연결선 32">
+            <a:extLst>
+              <a:ext uri="{FF2B5EF4-FFF2-40B4-BE49-F238E27FC236}">
+                <a16:creationId xmlns:a16="http://schemas.microsoft.com/office/drawing/2014/main" id="{D1B2B8AC-9B63-4A8F-97BD-C5E7C1B16C74}"/>
+              </a:ext>
+            </a:extLst>
+          </p:cNvPr>
+          <p:cNvCxnSpPr>
+            <a:cxnSpLocks/>
+            <a:stCxn id="23" idx="3"/>
+            <a:endCxn id="24" idx="1"/>
+          </p:cNvCxnSpPr>
+          <p:nvPr/>
+        </p:nvCxnSpPr>
+        <p:spPr>
+          <a:xfrm flipV="1">
+            <a:off x="2877823" y="951559"/>
+            <a:ext cx="238907" cy="720091"/>
+          </a:xfrm>
+          <a:prstGeom prst="line">
+            <a:avLst/>
+          </a:prstGeom>
+          <a:ln w="19050">
+            <a:solidFill>
+              <a:schemeClr val="tx1"/>
+            </a:solidFill>
+            <a:headEnd type="none" w="med" len="med"/>
+            <a:tailEnd type="arrow" w="med" len="med"/>
+          </a:ln>
+        </p:spPr>
+        <p:style>
+          <a:lnRef idx="1">
+            <a:schemeClr val="accent1"/>
+          </a:lnRef>
+          <a:fillRef idx="0">
+            <a:schemeClr val="accent1"/>
+          </a:fillRef>
+          <a:effectRef idx="0">
+            <a:schemeClr val="accent1"/>
+          </a:effectRef>
+          <a:fontRef idx="minor">
+            <a:schemeClr val="tx1"/>
+          </a:fontRef>
+        </p:style>
+      </p:cxnSp>
+      <p:cxnSp>
+        <p:nvCxnSpPr>
+          <p:cNvPr id="36" name="직선 연결선 35">
+            <a:extLst>
+              <a:ext uri="{FF2B5EF4-FFF2-40B4-BE49-F238E27FC236}">
+                <a16:creationId xmlns:a16="http://schemas.microsoft.com/office/drawing/2014/main" id="{9DA52327-A43A-4486-8188-9DAF932F7D17}"/>
+              </a:ext>
+            </a:extLst>
+          </p:cNvPr>
+          <p:cNvCxnSpPr>
+            <a:cxnSpLocks/>
+            <a:stCxn id="24" idx="3"/>
+            <a:endCxn id="25" idx="1"/>
+          </p:cNvCxnSpPr>
+          <p:nvPr/>
+        </p:nvCxnSpPr>
+        <p:spPr>
+          <a:xfrm>
+            <a:off x="4240400" y="951559"/>
+            <a:ext cx="236854" cy="0"/>
+          </a:xfrm>
+          <a:prstGeom prst="line">
+            <a:avLst/>
+          </a:prstGeom>
+          <a:ln w="19050">
+            <a:solidFill>
+              <a:schemeClr val="tx1"/>
+            </a:solidFill>
+            <a:headEnd type="none" w="med" len="med"/>
+            <a:tailEnd type="arrow" w="med" len="med"/>
+          </a:ln>
+        </p:spPr>
+        <p:style>
+          <a:lnRef idx="1">
+            <a:schemeClr val="accent1"/>
+          </a:lnRef>
+          <a:fillRef idx="0">
+            <a:schemeClr val="accent1"/>
+          </a:fillRef>
+          <a:effectRef idx="0">
+            <a:schemeClr val="accent1"/>
+          </a:effectRef>
+          <a:fontRef idx="minor">
+            <a:schemeClr val="tx1"/>
+          </a:fontRef>
+        </p:style>
+      </p:cxnSp>
+      <p:cxnSp>
+        <p:nvCxnSpPr>
+          <p:cNvPr id="39" name="직선 연결선 38">
+            <a:extLst>
+              <a:ext uri="{FF2B5EF4-FFF2-40B4-BE49-F238E27FC236}">
+                <a16:creationId xmlns:a16="http://schemas.microsoft.com/office/drawing/2014/main" id="{F201DC7B-0F03-4320-A440-161E8654BEFA}"/>
+              </a:ext>
+            </a:extLst>
+          </p:cNvPr>
+          <p:cNvCxnSpPr>
+            <a:cxnSpLocks/>
+            <a:stCxn id="25" idx="3"/>
+            <a:endCxn id="26" idx="1"/>
+          </p:cNvCxnSpPr>
+          <p:nvPr/>
+        </p:nvCxnSpPr>
+        <p:spPr>
+          <a:xfrm>
+            <a:off x="5600924" y="951559"/>
+            <a:ext cx="236854" cy="0"/>
+          </a:xfrm>
+          <a:prstGeom prst="line">
+            <a:avLst/>
+          </a:prstGeom>
+          <a:ln w="19050">
+            <a:solidFill>
+              <a:schemeClr val="tx1"/>
+            </a:solidFill>
+            <a:headEnd type="none" w="med" len="med"/>
+            <a:tailEnd type="arrow" w="med" len="med"/>
+          </a:ln>
+        </p:spPr>
+        <p:style>
+          <a:lnRef idx="1">
+            <a:schemeClr val="accent1"/>
+          </a:lnRef>
+          <a:fillRef idx="0">
+            <a:schemeClr val="accent1"/>
+          </a:fillRef>
+          <a:effectRef idx="0">
+            <a:schemeClr val="accent1"/>
+          </a:effectRef>
+          <a:fontRef idx="minor">
+            <a:schemeClr val="tx1"/>
+          </a:fontRef>
+        </p:style>
+      </p:cxnSp>
+      <p:cxnSp>
+        <p:nvCxnSpPr>
+          <p:cNvPr id="43" name="직선 연결선 42">
+            <a:extLst>
+              <a:ext uri="{FF2B5EF4-FFF2-40B4-BE49-F238E27FC236}">
+                <a16:creationId xmlns:a16="http://schemas.microsoft.com/office/drawing/2014/main" id="{51D9D7AF-0DD3-468D-8420-BF1CE1ED9A5A}"/>
+              </a:ext>
+            </a:extLst>
+          </p:cNvPr>
+          <p:cNvCxnSpPr>
+            <a:cxnSpLocks/>
+            <a:stCxn id="26" idx="3"/>
+            <a:endCxn id="27" idx="1"/>
+          </p:cNvCxnSpPr>
+          <p:nvPr/>
+        </p:nvCxnSpPr>
+        <p:spPr>
+          <a:xfrm>
+            <a:off x="6961448" y="951559"/>
+            <a:ext cx="236854" cy="0"/>
+          </a:xfrm>
+          <a:prstGeom prst="line">
+            <a:avLst/>
+          </a:prstGeom>
+          <a:ln w="19050">
+            <a:solidFill>
+              <a:schemeClr val="tx1"/>
+            </a:solidFill>
+            <a:headEnd type="none" w="med" len="med"/>
+            <a:tailEnd type="arrow" w="med" len="med"/>
+          </a:ln>
+        </p:spPr>
+        <p:style>
+          <a:lnRef idx="1">
+            <a:schemeClr val="accent1"/>
+          </a:lnRef>
+          <a:fillRef idx="0">
+            <a:schemeClr val="accent1"/>
+          </a:fillRef>
+          <a:effectRef idx="0">
+            <a:schemeClr val="accent1"/>
+          </a:effectRef>
+          <a:fontRef idx="minor">
+            <a:schemeClr val="tx1"/>
+          </a:fontRef>
+        </p:style>
+      </p:cxnSp>
+      <p:cxnSp>
+        <p:nvCxnSpPr>
+          <p:cNvPr id="46" name="직선 연결선 45">
+            <a:extLst>
+              <a:ext uri="{FF2B5EF4-FFF2-40B4-BE49-F238E27FC236}">
+                <a16:creationId xmlns:a16="http://schemas.microsoft.com/office/drawing/2014/main" id="{0E3957D9-0282-45A4-853C-2E408CA48019}"/>
+              </a:ext>
+            </a:extLst>
+          </p:cNvPr>
+          <p:cNvCxnSpPr>
+            <a:cxnSpLocks/>
+            <a:endCxn id="3" idx="1"/>
+          </p:cNvCxnSpPr>
+          <p:nvPr/>
+        </p:nvCxnSpPr>
+        <p:spPr>
+          <a:xfrm>
+            <a:off x="1039483" y="951559"/>
+            <a:ext cx="714670" cy="0"/>
+          </a:xfrm>
+          <a:prstGeom prst="line">
+            <a:avLst/>
+          </a:prstGeom>
+          <a:ln w="19050">
+            <a:solidFill>
+              <a:schemeClr val="tx1"/>
+            </a:solidFill>
+            <a:headEnd type="none" w="med" len="med"/>
+            <a:tailEnd type="arrow" w="med" len="med"/>
+          </a:ln>
+        </p:spPr>
+        <p:style>
+          <a:lnRef idx="1">
+            <a:schemeClr val="accent1"/>
+          </a:lnRef>
+          <a:fillRef idx="0">
+            <a:schemeClr val="accent1"/>
+          </a:fillRef>
+          <a:effectRef idx="0">
+            <a:schemeClr val="accent1"/>
+          </a:effectRef>
+          <a:fontRef idx="minor">
+            <a:schemeClr val="tx1"/>
+          </a:fontRef>
+        </p:style>
+      </p:cxnSp>
+      <p:sp>
+        <p:nvSpPr>
+          <p:cNvPr id="19" name="TextBox 18">
+            <a:extLst>
+              <a:ext uri="{FF2B5EF4-FFF2-40B4-BE49-F238E27FC236}">
+                <a16:creationId xmlns:a16="http://schemas.microsoft.com/office/drawing/2014/main" id="{11F4A781-A844-43FF-94E1-80C598E73182}"/>
+              </a:ext>
+            </a:extLst>
+          </p:cNvPr>
+          <p:cNvSpPr txBox="1"/>
+          <p:nvPr/>
+        </p:nvSpPr>
+        <p:spPr>
+          <a:xfrm>
+            <a:off x="1039483" y="520672"/>
+            <a:ext cx="697627" cy="430887"/>
+          </a:xfrm>
+          <a:prstGeom prst="rect">
+            <a:avLst/>
+          </a:prstGeom>
+          <a:noFill/>
+        </p:spPr>
+        <p:txBody>
+          <a:bodyPr wrap="none" rtlCol="0">
+            <a:spAutoFit/>
+          </a:bodyPr>
+          <a:lstStyle/>
+          <a:p>
+            <a:pPr algn="ctr"/>
+            <a:r>
+              <a:rPr lang="en-US" altLang="ko-KR" sz="1100"/>
+              <a:t>API</a:t>
+            </a:r>
+          </a:p>
+          <a:p>
+            <a:pPr algn="ctr"/>
+            <a:r>
+              <a:rPr lang="en-US" altLang="ko-KR" sz="1100"/>
+              <a:t>Request</a:t>
+            </a:r>
+            <a:endParaRPr lang="ko-KR" altLang="en-US" sz="1100"/>
+          </a:p>
+        </p:txBody>
+      </p:sp>
+      <p:grpSp>
+        <p:nvGrpSpPr>
+          <p:cNvPr id="22" name="그룹 21">
+            <a:extLst>
+              <a:ext uri="{FF2B5EF4-FFF2-40B4-BE49-F238E27FC236}">
+                <a16:creationId xmlns:a16="http://schemas.microsoft.com/office/drawing/2014/main" id="{7ADF5D4A-7377-452F-AB90-9612AFA639D1}"/>
+              </a:ext>
+            </a:extLst>
+          </p:cNvPr>
+          <p:cNvGrpSpPr/>
+          <p:nvPr/>
+        </p:nvGrpSpPr>
+        <p:grpSpPr>
+          <a:xfrm>
+            <a:off x="1549924" y="3583623"/>
+            <a:ext cx="1831824" cy="1239591"/>
+            <a:chOff x="1549924" y="3615877"/>
+            <a:chExt cx="1831824" cy="1239591"/>
+          </a:xfrm>
+        </p:grpSpPr>
+        <p:sp>
+          <p:nvSpPr>
+            <p:cNvPr id="58" name="사각형: 둥근 모서리 57">
+              <a:extLst>
+                <a:ext uri="{FF2B5EF4-FFF2-40B4-BE49-F238E27FC236}">
+                  <a16:creationId xmlns:a16="http://schemas.microsoft.com/office/drawing/2014/main" id="{641F9F2B-938E-4A20-952E-CA5D2F0E2C1F}"/>
+                </a:ext>
+              </a:extLst>
+            </p:cNvPr>
+            <p:cNvSpPr/>
+            <p:nvPr/>
+          </p:nvSpPr>
+          <p:spPr>
+            <a:xfrm>
+              <a:off x="1549924" y="3615877"/>
+              <a:ext cx="1831824" cy="1239591"/>
+            </a:xfrm>
+            <a:prstGeom prst="roundRect">
+              <a:avLst>
+                <a:gd name="adj" fmla="val 5426"/>
+              </a:avLst>
+            </a:prstGeom>
+          </p:spPr>
+          <p:style>
+            <a:lnRef idx="2">
+              <a:schemeClr val="dk1"/>
+            </a:lnRef>
+            <a:fillRef idx="1">
+              <a:schemeClr val="lt1"/>
+            </a:fillRef>
+            <a:effectRef idx="0">
+              <a:schemeClr val="dk1"/>
+            </a:effectRef>
+            <a:fontRef idx="minor">
+              <a:schemeClr val="dk1"/>
+            </a:fontRef>
+          </p:style>
+          <p:txBody>
+            <a:bodyPr rtlCol="0" anchor="b"/>
+            <a:lstStyle/>
+            <a:p>
+              <a:pPr algn="ctr"/>
+              <a:r>
+                <a:rPr lang="en-US" altLang="ko-KR" sz="1000" b="1"/>
+                <a:t>Pod</a:t>
+              </a:r>
+              <a:endParaRPr lang="ko-KR" altLang="en-US" sz="1000" b="1"/>
+            </a:p>
+          </p:txBody>
+        </p:sp>
+        <p:sp>
+          <p:nvSpPr>
+            <p:cNvPr id="30" name="사각형: 둥근 모서리 29">
+              <a:extLst>
+                <a:ext uri="{FF2B5EF4-FFF2-40B4-BE49-F238E27FC236}">
+                  <a16:creationId xmlns:a16="http://schemas.microsoft.com/office/drawing/2014/main" id="{BA5945B9-8EC7-4178-ACCC-41ACA2FCD2E9}"/>
+                </a:ext>
+              </a:extLst>
+            </p:cNvPr>
+            <p:cNvSpPr/>
+            <p:nvPr/>
+          </p:nvSpPr>
+          <p:spPr>
+            <a:xfrm>
+              <a:off x="1623043" y="3695590"/>
+              <a:ext cx="1676969" cy="892384"/>
+            </a:xfrm>
+            <a:prstGeom prst="roundRect">
+              <a:avLst>
+                <a:gd name="adj" fmla="val 5426"/>
+              </a:avLst>
+            </a:prstGeom>
+          </p:spPr>
+          <p:style>
+            <a:lnRef idx="2">
+              <a:schemeClr val="dk1"/>
+            </a:lnRef>
+            <a:fillRef idx="1">
+              <a:schemeClr val="lt1"/>
+            </a:fillRef>
+            <a:effectRef idx="0">
+              <a:schemeClr val="dk1"/>
+            </a:effectRef>
+            <a:fontRef idx="minor">
+              <a:schemeClr val="dk1"/>
+            </a:fontRef>
+          </p:style>
+          <p:txBody>
+            <a:bodyPr rtlCol="0" anchor="b"/>
+            <a:lstStyle/>
+            <a:p>
+              <a:pPr algn="ctr"/>
+              <a:r>
+                <a:rPr lang="en-US" altLang="ko-KR" sz="1000" b="1"/>
+                <a:t>Custom Mutating </a:t>
+              </a:r>
+            </a:p>
+            <a:p>
+              <a:pPr algn="ctr"/>
+              <a:r>
+                <a:rPr lang="en-US" altLang="ko-KR" sz="1000" b="1"/>
+                <a:t>Admission Controller</a:t>
+              </a:r>
+              <a:endParaRPr lang="ko-KR" altLang="en-US" sz="1000" b="1"/>
+            </a:p>
+          </p:txBody>
+        </p:sp>
+        <p:sp>
+          <p:nvSpPr>
+            <p:cNvPr id="54" name="사각형: 둥근 모서리 53">
+              <a:extLst>
+                <a:ext uri="{FF2B5EF4-FFF2-40B4-BE49-F238E27FC236}">
+                  <a16:creationId xmlns:a16="http://schemas.microsoft.com/office/drawing/2014/main" id="{AF7A91B0-8B9C-496A-8239-B51C0AC8A98B}"/>
+                </a:ext>
+              </a:extLst>
+            </p:cNvPr>
+            <p:cNvSpPr/>
+            <p:nvPr/>
+          </p:nvSpPr>
+          <p:spPr>
+            <a:xfrm>
+              <a:off x="1713970" y="3769850"/>
+              <a:ext cx="716826" cy="356306"/>
+            </a:xfrm>
+            <a:prstGeom prst="roundRect">
+              <a:avLst>
+                <a:gd name="adj" fmla="val 5426"/>
+              </a:avLst>
+            </a:prstGeom>
+          </p:spPr>
+          <p:style>
+            <a:lnRef idx="2">
+              <a:schemeClr val="dk1"/>
+            </a:lnRef>
+            <a:fillRef idx="1">
+              <a:schemeClr val="lt1"/>
+            </a:fillRef>
+            <a:effectRef idx="0">
+              <a:schemeClr val="dk1"/>
+            </a:effectRef>
+            <a:fontRef idx="minor">
+              <a:schemeClr val="dk1"/>
+            </a:fontRef>
+          </p:style>
+          <p:txBody>
+            <a:bodyPr rtlCol="0" anchor="ctr"/>
+            <a:lstStyle/>
+            <a:p>
+              <a:pPr algn="ctr"/>
+              <a:r>
+                <a:rPr lang="en-US" altLang="ko-KR" sz="900"/>
+                <a:t>Webhook</a:t>
+              </a:r>
+            </a:p>
+          </p:txBody>
+        </p:sp>
+        <p:sp>
+          <p:nvSpPr>
+            <p:cNvPr id="56" name="사각형: 둥근 모서리 55">
+              <a:extLst>
+                <a:ext uri="{FF2B5EF4-FFF2-40B4-BE49-F238E27FC236}">
+                  <a16:creationId xmlns:a16="http://schemas.microsoft.com/office/drawing/2014/main" id="{50CF1160-155F-44BF-9676-259F54CC6A45}"/>
+                </a:ext>
+              </a:extLst>
+            </p:cNvPr>
+            <p:cNvSpPr/>
+            <p:nvPr/>
+          </p:nvSpPr>
+          <p:spPr>
+            <a:xfrm>
+              <a:off x="2492803" y="3769850"/>
+              <a:ext cx="716826" cy="356306"/>
+            </a:xfrm>
+            <a:prstGeom prst="roundRect">
+              <a:avLst>
+                <a:gd name="adj" fmla="val 5426"/>
+              </a:avLst>
+            </a:prstGeom>
+          </p:spPr>
+          <p:style>
+            <a:lnRef idx="2">
+              <a:schemeClr val="dk1"/>
+            </a:lnRef>
+            <a:fillRef idx="1">
+              <a:schemeClr val="lt1"/>
+            </a:fillRef>
+            <a:effectRef idx="0">
+              <a:schemeClr val="dk1"/>
+            </a:effectRef>
+            <a:fontRef idx="minor">
+              <a:schemeClr val="dk1"/>
+            </a:fontRef>
+          </p:style>
+          <p:txBody>
+            <a:bodyPr rtlCol="0" anchor="ctr"/>
+            <a:lstStyle/>
+            <a:p>
+              <a:pPr algn="ctr"/>
+              <a:r>
+                <a:rPr lang="en-US" altLang="ko-KR" sz="900"/>
+                <a:t>Webhook</a:t>
+              </a:r>
+            </a:p>
+          </p:txBody>
+        </p:sp>
+      </p:grpSp>
+      <p:grpSp>
+        <p:nvGrpSpPr>
+          <p:cNvPr id="37" name="그룹 36">
+            <a:extLst>
+              <a:ext uri="{FF2B5EF4-FFF2-40B4-BE49-F238E27FC236}">
+                <a16:creationId xmlns:a16="http://schemas.microsoft.com/office/drawing/2014/main" id="{4553B921-D8F8-4558-B17C-502AEE0C9CDC}"/>
+              </a:ext>
+            </a:extLst>
+          </p:cNvPr>
+          <p:cNvGrpSpPr/>
+          <p:nvPr/>
+        </p:nvGrpSpPr>
+        <p:grpSpPr>
+          <a:xfrm>
+            <a:off x="3688543" y="3594199"/>
+            <a:ext cx="1685134" cy="1235065"/>
+            <a:chOff x="3634923" y="3611625"/>
+            <a:chExt cx="1685134" cy="1235065"/>
+          </a:xfrm>
+        </p:grpSpPr>
+        <p:sp>
+          <p:nvSpPr>
+            <p:cNvPr id="81" name="사각형: 둥근 모서리 80">
+              <a:extLst>
+                <a:ext uri="{FF2B5EF4-FFF2-40B4-BE49-F238E27FC236}">
+                  <a16:creationId xmlns:a16="http://schemas.microsoft.com/office/drawing/2014/main" id="{3B1A76E4-0577-47FE-A11D-CC0E50D0F772}"/>
+                </a:ext>
+              </a:extLst>
+            </p:cNvPr>
+            <p:cNvSpPr/>
+            <p:nvPr/>
+          </p:nvSpPr>
+          <p:spPr>
+            <a:xfrm>
+              <a:off x="3634923" y="3611625"/>
+              <a:ext cx="1685134" cy="1235065"/>
+            </a:xfrm>
+            <a:prstGeom prst="roundRect">
+              <a:avLst>
+                <a:gd name="adj" fmla="val 5426"/>
+              </a:avLst>
+            </a:prstGeom>
+          </p:spPr>
+          <p:style>
+            <a:lnRef idx="2">
+              <a:schemeClr val="dk1"/>
+            </a:lnRef>
+            <a:fillRef idx="1">
+              <a:schemeClr val="lt1"/>
+            </a:fillRef>
+            <a:effectRef idx="0">
+              <a:schemeClr val="dk1"/>
+            </a:effectRef>
+            <a:fontRef idx="minor">
+              <a:schemeClr val="dk1"/>
+            </a:fontRef>
+          </p:style>
+          <p:txBody>
+            <a:bodyPr rtlCol="0" anchor="b"/>
+            <a:lstStyle/>
+            <a:p>
+              <a:pPr algn="ctr"/>
+              <a:r>
+                <a:rPr lang="en-US" altLang="ko-KR" sz="1000"/>
+                <a:t>Pod</a:t>
+              </a:r>
+              <a:endParaRPr lang="ko-KR" altLang="en-US" sz="1000"/>
+            </a:p>
+          </p:txBody>
+        </p:sp>
+        <p:sp>
+          <p:nvSpPr>
+            <p:cNvPr id="38" name="사각형: 둥근 모서리 37">
+              <a:extLst>
+                <a:ext uri="{FF2B5EF4-FFF2-40B4-BE49-F238E27FC236}">
+                  <a16:creationId xmlns:a16="http://schemas.microsoft.com/office/drawing/2014/main" id="{020862A5-CAC1-40EF-A0A8-D683C031C3F1}"/>
+                </a:ext>
+              </a:extLst>
+            </p:cNvPr>
+            <p:cNvSpPr/>
+            <p:nvPr/>
+          </p:nvSpPr>
+          <p:spPr>
+            <a:xfrm>
+              <a:off x="3726358" y="3695590"/>
+              <a:ext cx="1493714" cy="892384"/>
+            </a:xfrm>
+            <a:prstGeom prst="roundRect">
+              <a:avLst>
+                <a:gd name="adj" fmla="val 5426"/>
+              </a:avLst>
+            </a:prstGeom>
+          </p:spPr>
+          <p:style>
+            <a:lnRef idx="2">
+              <a:schemeClr val="dk1"/>
+            </a:lnRef>
+            <a:fillRef idx="1">
+              <a:schemeClr val="lt1"/>
+            </a:fillRef>
+            <a:effectRef idx="0">
+              <a:schemeClr val="dk1"/>
+            </a:effectRef>
+            <a:fontRef idx="minor">
+              <a:schemeClr val="dk1"/>
+            </a:fontRef>
+          </p:style>
+          <p:txBody>
+            <a:bodyPr rtlCol="0" anchor="b"/>
+            <a:lstStyle/>
+            <a:p>
+              <a:pPr algn="ctr"/>
+              <a:r>
+                <a:rPr lang="en-US" altLang="ko-KR" sz="1000" b="1"/>
+                <a:t>Custom Validating Admission Controller</a:t>
+              </a:r>
+              <a:endParaRPr lang="ko-KR" altLang="en-US" sz="1000" b="1"/>
+            </a:p>
+          </p:txBody>
+        </p:sp>
+        <p:sp>
+          <p:nvSpPr>
+            <p:cNvPr id="60" name="사각형: 둥근 모서리 59">
+              <a:extLst>
+                <a:ext uri="{FF2B5EF4-FFF2-40B4-BE49-F238E27FC236}">
+                  <a16:creationId xmlns:a16="http://schemas.microsoft.com/office/drawing/2014/main" id="{6504AD98-B57A-4786-ADD8-37D7F283D7CB}"/>
+                </a:ext>
+              </a:extLst>
+            </p:cNvPr>
+            <p:cNvSpPr/>
+            <p:nvPr/>
+          </p:nvSpPr>
+          <p:spPr>
+            <a:xfrm>
+              <a:off x="4114802" y="3795886"/>
+              <a:ext cx="716826" cy="356306"/>
+            </a:xfrm>
+            <a:prstGeom prst="roundRect">
+              <a:avLst>
+                <a:gd name="adj" fmla="val 5426"/>
+              </a:avLst>
+            </a:prstGeom>
+          </p:spPr>
+          <p:style>
+            <a:lnRef idx="2">
+              <a:schemeClr val="dk1"/>
+            </a:lnRef>
+            <a:fillRef idx="1">
+              <a:schemeClr val="lt1"/>
+            </a:fillRef>
+            <a:effectRef idx="0">
+              <a:schemeClr val="dk1"/>
+            </a:effectRef>
+            <a:fontRef idx="minor">
+              <a:schemeClr val="dk1"/>
+            </a:fontRef>
+          </p:style>
+          <p:txBody>
+            <a:bodyPr rtlCol="0" anchor="ctr"/>
+            <a:lstStyle/>
+            <a:p>
+              <a:pPr algn="ctr"/>
+              <a:r>
+                <a:rPr lang="en-US" altLang="ko-KR" sz="900"/>
+                <a:t>Webhook</a:t>
+              </a:r>
+            </a:p>
+          </p:txBody>
+        </p:sp>
+      </p:grpSp>
+      <p:cxnSp>
+        <p:nvCxnSpPr>
+          <p:cNvPr id="67" name="직선 연결선 66">
+            <a:extLst>
+              <a:ext uri="{FF2B5EF4-FFF2-40B4-BE49-F238E27FC236}">
+                <a16:creationId xmlns:a16="http://schemas.microsoft.com/office/drawing/2014/main" id="{49015AD3-012E-4E51-A2F0-CE370DED3411}"/>
+              </a:ext>
+            </a:extLst>
+          </p:cNvPr>
+          <p:cNvCxnSpPr>
+            <a:cxnSpLocks/>
+            <a:stCxn id="41" idx="0"/>
+            <a:endCxn id="24" idx="2"/>
+          </p:cNvCxnSpPr>
+          <p:nvPr/>
+        </p:nvCxnSpPr>
+        <p:spPr>
+          <a:xfrm flipH="1" flipV="1">
+            <a:off x="3678565" y="1203587"/>
+            <a:ext cx="1360523" cy="216555"/>
+          </a:xfrm>
+          <a:prstGeom prst="line">
+            <a:avLst/>
+          </a:prstGeom>
+          <a:ln w="19050">
+            <a:solidFill>
+              <a:schemeClr val="tx1"/>
+            </a:solidFill>
+            <a:headEnd type="arrow" w="med" len="med"/>
+            <a:tailEnd type="arrow" w="med" len="med"/>
+          </a:ln>
+        </p:spPr>
+        <p:style>
+          <a:lnRef idx="1">
+            <a:schemeClr val="accent1"/>
+          </a:lnRef>
+          <a:fillRef idx="0">
+            <a:schemeClr val="accent1"/>
+          </a:fillRef>
+          <a:effectRef idx="0">
+            <a:schemeClr val="accent1"/>
+          </a:effectRef>
+          <a:fontRef idx="minor">
+            <a:schemeClr val="tx1"/>
+          </a:fontRef>
+        </p:style>
+      </p:cxnSp>
+      <p:sp>
+        <p:nvSpPr>
+          <p:cNvPr id="41" name="사각형: 둥근 모서리 40">
+            <a:extLst>
+              <a:ext uri="{FF2B5EF4-FFF2-40B4-BE49-F238E27FC236}">
+                <a16:creationId xmlns:a16="http://schemas.microsoft.com/office/drawing/2014/main" id="{FAB5C4EC-6084-4C09-8480-C6CA844DC081}"/>
+              </a:ext>
+            </a:extLst>
+          </p:cNvPr>
+          <p:cNvSpPr/>
+          <p:nvPr/>
+        </p:nvSpPr>
+        <p:spPr>
+          <a:xfrm>
+            <a:off x="3116730" y="1420142"/>
+            <a:ext cx="3844716" cy="288032"/>
+          </a:xfrm>
+          <a:prstGeom prst="roundRect">
+            <a:avLst>
+              <a:gd name="adj" fmla="val 13693"/>
+            </a:avLst>
+          </a:prstGeom>
+        </p:spPr>
+        <p:style>
+          <a:lnRef idx="2">
+            <a:schemeClr val="dk1"/>
+          </a:lnRef>
+          <a:fillRef idx="1">
+            <a:schemeClr val="lt1"/>
+          </a:fillRef>
+          <a:effectRef idx="0">
+            <a:schemeClr val="dk1"/>
+          </a:effectRef>
+          <a:fontRef idx="minor">
+            <a:schemeClr val="dk1"/>
+          </a:fontRef>
+        </p:style>
+        <p:txBody>
+          <a:bodyPr rtlCol="0" anchor="ctr"/>
+          <a:lstStyle/>
+          <a:p>
+            <a:pPr algn="ctr"/>
+            <a:r>
+              <a:rPr lang="en-US" altLang="ko-KR" sz="1000"/>
+              <a:t>Compiled-in Admission Controller / Mutating &amp; Validating</a:t>
+            </a:r>
+            <a:endParaRPr lang="ko-KR" altLang="en-US" sz="1000"/>
+          </a:p>
+        </p:txBody>
+      </p:sp>
+      <p:sp>
+        <p:nvSpPr>
+          <p:cNvPr id="44" name="사각형: 둥근 모서리 43">
+            <a:extLst>
+              <a:ext uri="{FF2B5EF4-FFF2-40B4-BE49-F238E27FC236}">
+                <a16:creationId xmlns:a16="http://schemas.microsoft.com/office/drawing/2014/main" id="{A90813C2-331C-42A9-A1ED-5C497500ACE1}"/>
+              </a:ext>
+            </a:extLst>
+          </p:cNvPr>
+          <p:cNvSpPr/>
+          <p:nvPr/>
+        </p:nvSpPr>
+        <p:spPr>
+          <a:xfrm>
+            <a:off x="3114887" y="1852699"/>
+            <a:ext cx="1805068" cy="1006032"/>
+          </a:xfrm>
+          <a:prstGeom prst="roundRect">
+            <a:avLst>
+              <a:gd name="adj" fmla="val 6601"/>
+            </a:avLst>
+          </a:prstGeom>
+        </p:spPr>
+        <p:style>
+          <a:lnRef idx="2">
+            <a:schemeClr val="dk1"/>
+          </a:lnRef>
+          <a:fillRef idx="1">
+            <a:schemeClr val="lt1"/>
+          </a:fillRef>
+          <a:effectRef idx="0">
+            <a:schemeClr val="dk1"/>
+          </a:effectRef>
+          <a:fontRef idx="minor">
+            <a:schemeClr val="dk1"/>
+          </a:fontRef>
+        </p:style>
+        <p:txBody>
+          <a:bodyPr rtlCol="0" anchor="t"/>
+          <a:lstStyle/>
+          <a:p>
+            <a:pPr algn="ctr"/>
+            <a:r>
+              <a:rPr lang="en-US" altLang="ko-KR" sz="1000"/>
+              <a:t>Compiled-in Admission Controller / Mutating</a:t>
+            </a:r>
+            <a:endParaRPr lang="ko-KR" altLang="en-US" sz="1000"/>
+          </a:p>
+        </p:txBody>
+      </p:sp>
+      <p:sp>
+        <p:nvSpPr>
+          <p:cNvPr id="49" name="사각형: 둥근 모서리 48">
+            <a:extLst>
+              <a:ext uri="{FF2B5EF4-FFF2-40B4-BE49-F238E27FC236}">
+                <a16:creationId xmlns:a16="http://schemas.microsoft.com/office/drawing/2014/main" id="{DA52F04B-5F57-4421-81CA-82ADC1D2035E}"/>
+              </a:ext>
+            </a:extLst>
+          </p:cNvPr>
+          <p:cNvSpPr/>
+          <p:nvPr/>
+        </p:nvSpPr>
+        <p:spPr>
+          <a:xfrm>
+            <a:off x="5151762" y="1852699"/>
+            <a:ext cx="1809062" cy="1006032"/>
+          </a:xfrm>
+          <a:prstGeom prst="roundRect">
+            <a:avLst>
+              <a:gd name="adj" fmla="val 6050"/>
+            </a:avLst>
+          </a:prstGeom>
+        </p:spPr>
+        <p:style>
+          <a:lnRef idx="2">
+            <a:schemeClr val="dk1"/>
+          </a:lnRef>
+          <a:fillRef idx="1">
+            <a:schemeClr val="lt1"/>
+          </a:fillRef>
+          <a:effectRef idx="0">
+            <a:schemeClr val="dk1"/>
+          </a:effectRef>
+          <a:fontRef idx="minor">
+            <a:schemeClr val="dk1"/>
+          </a:fontRef>
+        </p:style>
+        <p:txBody>
+          <a:bodyPr rtlCol="0" anchor="t"/>
+          <a:lstStyle/>
+          <a:p>
+            <a:pPr algn="ctr"/>
+            <a:r>
+              <a:rPr lang="en-US" altLang="ko-KR" sz="1000"/>
+              <a:t>Compiled-in Admission Controller / Validating</a:t>
+            </a:r>
+            <a:endParaRPr lang="ko-KR" altLang="en-US" sz="1000"/>
+          </a:p>
+        </p:txBody>
+      </p:sp>
+      <p:cxnSp>
+        <p:nvCxnSpPr>
+          <p:cNvPr id="53" name="직선 연결선 52">
+            <a:extLst>
+              <a:ext uri="{FF2B5EF4-FFF2-40B4-BE49-F238E27FC236}">
+                <a16:creationId xmlns:a16="http://schemas.microsoft.com/office/drawing/2014/main" id="{C58AAF0B-E6F1-4F39-A6F0-567D1B1411D6}"/>
+              </a:ext>
+            </a:extLst>
+          </p:cNvPr>
+          <p:cNvCxnSpPr>
+            <a:cxnSpLocks/>
+          </p:cNvCxnSpPr>
+          <p:nvPr/>
+        </p:nvCxnSpPr>
+        <p:spPr>
+          <a:xfrm flipH="1" flipV="1">
+            <a:off x="3585072" y="1203587"/>
+            <a:ext cx="338856" cy="649112"/>
+          </a:xfrm>
+          <a:prstGeom prst="line">
+            <a:avLst/>
+          </a:prstGeom>
+          <a:ln w="19050">
+            <a:solidFill>
+              <a:schemeClr val="tx1"/>
+            </a:solidFill>
+            <a:headEnd type="arrow" w="med" len="med"/>
+            <a:tailEnd type="arrow" w="med" len="med"/>
+          </a:ln>
+        </p:spPr>
+        <p:style>
+          <a:lnRef idx="1">
+            <a:schemeClr val="accent1"/>
+          </a:lnRef>
+          <a:fillRef idx="0">
+            <a:schemeClr val="accent1"/>
+          </a:fillRef>
+          <a:effectRef idx="0">
+            <a:schemeClr val="accent1"/>
+          </a:effectRef>
+          <a:fontRef idx="minor">
+            <a:schemeClr val="tx1"/>
+          </a:fontRef>
+        </p:style>
+      </p:cxnSp>
+      <p:sp>
+        <p:nvSpPr>
+          <p:cNvPr id="61" name="사각형: 둥근 모서리 60">
+            <a:extLst>
+              <a:ext uri="{FF2B5EF4-FFF2-40B4-BE49-F238E27FC236}">
+                <a16:creationId xmlns:a16="http://schemas.microsoft.com/office/drawing/2014/main" id="{458B281C-F3DC-4297-AB70-C26759024239}"/>
+              </a:ext>
+            </a:extLst>
+          </p:cNvPr>
+          <p:cNvSpPr/>
+          <p:nvPr/>
+        </p:nvSpPr>
+        <p:spPr>
+          <a:xfrm>
+            <a:off x="3258063" y="2322535"/>
+            <a:ext cx="1530047" cy="431009"/>
+          </a:xfrm>
+          <a:prstGeom prst="roundRect">
+            <a:avLst>
+              <a:gd name="adj" fmla="val 9906"/>
+            </a:avLst>
+          </a:prstGeom>
+        </p:spPr>
+        <p:style>
+          <a:lnRef idx="2">
+            <a:schemeClr val="dk1"/>
+          </a:lnRef>
+          <a:fillRef idx="1">
+            <a:schemeClr val="lt1"/>
+          </a:fillRef>
+          <a:effectRef idx="0">
+            <a:schemeClr val="dk1"/>
+          </a:effectRef>
+          <a:fontRef idx="minor">
+            <a:schemeClr val="dk1"/>
+          </a:fontRef>
+        </p:style>
+        <p:txBody>
+          <a:bodyPr rtlCol="0" anchor="ctr"/>
+          <a:lstStyle/>
+          <a:p>
+            <a:pPr algn="ctr"/>
+            <a:r>
+              <a:rPr lang="en-US" altLang="ko-KR" sz="1000" b="1"/>
+              <a:t>MutatingAdmission</a:t>
+            </a:r>
+          </a:p>
+          <a:p>
+            <a:pPr algn="ctr"/>
+            <a:r>
+              <a:rPr lang="en-US" altLang="ko-KR" sz="1000" b="1"/>
+              <a:t>Webhook</a:t>
+            </a:r>
+            <a:endParaRPr lang="ko-KR" altLang="en-US" sz="1000" b="1"/>
+          </a:p>
+        </p:txBody>
+      </p:sp>
+      <p:sp>
+        <p:nvSpPr>
+          <p:cNvPr id="63" name="사각형: 둥근 모서리 62">
+            <a:extLst>
+              <a:ext uri="{FF2B5EF4-FFF2-40B4-BE49-F238E27FC236}">
+                <a16:creationId xmlns:a16="http://schemas.microsoft.com/office/drawing/2014/main" id="{6727E023-0DB3-4B64-A358-8B7A5E7E93AE}"/>
+              </a:ext>
+            </a:extLst>
+          </p:cNvPr>
+          <p:cNvSpPr/>
+          <p:nvPr/>
+        </p:nvSpPr>
+        <p:spPr>
+          <a:xfrm>
+            <a:off x="5291269" y="2322608"/>
+            <a:ext cx="1530047" cy="431009"/>
+          </a:xfrm>
+          <a:prstGeom prst="roundRect">
+            <a:avLst>
+              <a:gd name="adj" fmla="val 9906"/>
+            </a:avLst>
+          </a:prstGeom>
+        </p:spPr>
+        <p:style>
+          <a:lnRef idx="2">
+            <a:schemeClr val="dk1"/>
+          </a:lnRef>
+          <a:fillRef idx="1">
+            <a:schemeClr val="lt1"/>
+          </a:fillRef>
+          <a:effectRef idx="0">
+            <a:schemeClr val="dk1"/>
+          </a:effectRef>
+          <a:fontRef idx="minor">
+            <a:schemeClr val="dk1"/>
+          </a:fontRef>
+        </p:style>
+        <p:txBody>
+          <a:bodyPr rtlCol="0" anchor="ctr"/>
+          <a:lstStyle/>
+          <a:p>
+            <a:pPr algn="ctr"/>
+            <a:r>
+              <a:rPr lang="en-US" altLang="ko-KR" sz="1000" b="1"/>
+              <a:t>ValidatingAdmission</a:t>
+            </a:r>
+          </a:p>
+          <a:p>
+            <a:pPr algn="ctr"/>
+            <a:r>
+              <a:rPr lang="en-US" altLang="ko-KR" sz="1000" b="1"/>
+              <a:t>Webhook</a:t>
+            </a:r>
+            <a:endParaRPr lang="ko-KR" altLang="en-US" sz="1000" b="1"/>
+          </a:p>
+        </p:txBody>
+      </p:sp>
+      <p:cxnSp>
+        <p:nvCxnSpPr>
+          <p:cNvPr id="83" name="직선 연결선 82">
+            <a:extLst>
+              <a:ext uri="{FF2B5EF4-FFF2-40B4-BE49-F238E27FC236}">
+                <a16:creationId xmlns:a16="http://schemas.microsoft.com/office/drawing/2014/main" id="{278A2703-2D14-4105-AED3-2BB424F18882}"/>
+              </a:ext>
+            </a:extLst>
+          </p:cNvPr>
+          <p:cNvCxnSpPr>
+            <a:cxnSpLocks/>
+          </p:cNvCxnSpPr>
+          <p:nvPr/>
+        </p:nvCxnSpPr>
+        <p:spPr>
+          <a:xfrm flipV="1">
+            <a:off x="6172896" y="1203587"/>
+            <a:ext cx="343320" cy="649112"/>
+          </a:xfrm>
+          <a:prstGeom prst="line">
+            <a:avLst/>
+          </a:prstGeom>
+          <a:ln w="19050">
+            <a:solidFill>
+              <a:schemeClr val="tx1"/>
+            </a:solidFill>
+            <a:headEnd type="arrow" w="med" len="med"/>
+            <a:tailEnd type="arrow" w="med" len="med"/>
+          </a:ln>
+        </p:spPr>
+        <p:style>
+          <a:lnRef idx="1">
+            <a:schemeClr val="accent1"/>
+          </a:lnRef>
+          <a:fillRef idx="0">
+            <a:schemeClr val="accent1"/>
+          </a:fillRef>
+          <a:effectRef idx="0">
+            <a:schemeClr val="accent1"/>
+          </a:effectRef>
+          <a:fontRef idx="minor">
+            <a:schemeClr val="tx1"/>
+          </a:fontRef>
+        </p:style>
+      </p:cxnSp>
+      <p:cxnSp>
+        <p:nvCxnSpPr>
+          <p:cNvPr id="84" name="직선 연결선 83">
+            <a:extLst>
+              <a:ext uri="{FF2B5EF4-FFF2-40B4-BE49-F238E27FC236}">
+                <a16:creationId xmlns:a16="http://schemas.microsoft.com/office/drawing/2014/main" id="{352D38C0-049E-492C-9414-A0C842298EC5}"/>
+              </a:ext>
+            </a:extLst>
+          </p:cNvPr>
+          <p:cNvCxnSpPr>
+            <a:cxnSpLocks/>
+            <a:stCxn id="41" idx="0"/>
+            <a:endCxn id="26" idx="2"/>
+          </p:cNvCxnSpPr>
+          <p:nvPr/>
+        </p:nvCxnSpPr>
+        <p:spPr>
+          <a:xfrm flipV="1">
+            <a:off x="5039088" y="1203587"/>
+            <a:ext cx="1360525" cy="216555"/>
+          </a:xfrm>
+          <a:prstGeom prst="line">
+            <a:avLst/>
+          </a:prstGeom>
+          <a:ln w="19050">
+            <a:solidFill>
+              <a:schemeClr val="tx1"/>
+            </a:solidFill>
+            <a:headEnd type="arrow" w="med" len="med"/>
+            <a:tailEnd type="arrow" w="med" len="med"/>
+          </a:ln>
+        </p:spPr>
+        <p:style>
+          <a:lnRef idx="1">
+            <a:schemeClr val="accent1"/>
+          </a:lnRef>
+          <a:fillRef idx="0">
+            <a:schemeClr val="accent1"/>
+          </a:fillRef>
+          <a:effectRef idx="0">
+            <a:schemeClr val="accent1"/>
+          </a:effectRef>
+          <a:fontRef idx="minor">
+            <a:schemeClr val="tx1"/>
+          </a:fontRef>
+        </p:style>
+      </p:cxnSp>
+      <p:sp>
+        <p:nvSpPr>
+          <p:cNvPr id="123" name="TextBox 122">
+            <a:extLst>
+              <a:ext uri="{FF2B5EF4-FFF2-40B4-BE49-F238E27FC236}">
+                <a16:creationId xmlns:a16="http://schemas.microsoft.com/office/drawing/2014/main" id="{E0C31B9F-15E6-415B-8E99-3B42D18B07E3}"/>
+              </a:ext>
+            </a:extLst>
+          </p:cNvPr>
+          <p:cNvSpPr txBox="1"/>
+          <p:nvPr/>
+        </p:nvSpPr>
+        <p:spPr>
+          <a:xfrm>
+            <a:off x="3176482" y="3003018"/>
+            <a:ext cx="551754" cy="261610"/>
+          </a:xfrm>
+          <a:prstGeom prst="rect">
+            <a:avLst/>
+          </a:prstGeom>
+          <a:noFill/>
+        </p:spPr>
+        <p:txBody>
+          <a:bodyPr wrap="none" rtlCol="0">
+            <a:spAutoFit/>
+          </a:bodyPr>
+          <a:lstStyle/>
+          <a:p>
+            <a:pPr algn="ctr"/>
+            <a:r>
+              <a:rPr lang="en-US" altLang="ko-KR" sz="1100" b="1"/>
+              <a:t>Serial</a:t>
+            </a:r>
+            <a:endParaRPr lang="ko-KR" altLang="en-US" sz="1100" b="1"/>
+          </a:p>
+        </p:txBody>
+      </p:sp>
+      <p:sp>
+        <p:nvSpPr>
+          <p:cNvPr id="124" name="TextBox 123">
+            <a:extLst>
+              <a:ext uri="{FF2B5EF4-FFF2-40B4-BE49-F238E27FC236}">
+                <a16:creationId xmlns:a16="http://schemas.microsoft.com/office/drawing/2014/main" id="{972F8A6E-30AE-4084-A194-74167C356EFD}"/>
+              </a:ext>
+            </a:extLst>
+          </p:cNvPr>
+          <p:cNvSpPr txBox="1"/>
+          <p:nvPr/>
+        </p:nvSpPr>
+        <p:spPr>
+          <a:xfrm>
+            <a:off x="5523428" y="3003798"/>
+            <a:ext cx="673582" cy="261610"/>
+          </a:xfrm>
+          <a:prstGeom prst="rect">
+            <a:avLst/>
+          </a:prstGeom>
+          <a:noFill/>
+        </p:spPr>
+        <p:txBody>
+          <a:bodyPr wrap="none" rtlCol="0">
+            <a:spAutoFit/>
+          </a:bodyPr>
+          <a:lstStyle/>
+          <a:p>
+            <a:pPr algn="ctr"/>
+            <a:r>
+              <a:rPr lang="en-US" altLang="ko-KR" sz="1100" b="1"/>
+              <a:t>Parallel</a:t>
+            </a:r>
+            <a:endParaRPr lang="ko-KR" altLang="en-US" sz="1100" b="1"/>
+          </a:p>
+        </p:txBody>
+      </p:sp>
+      <p:sp>
+        <p:nvSpPr>
+          <p:cNvPr id="40" name="TextBox 39">
+            <a:extLst>
+              <a:ext uri="{FF2B5EF4-FFF2-40B4-BE49-F238E27FC236}">
+                <a16:creationId xmlns:a16="http://schemas.microsoft.com/office/drawing/2014/main" id="{D88C63E1-EE60-434D-AD66-79D5C7609EFC}"/>
+              </a:ext>
+            </a:extLst>
+          </p:cNvPr>
+          <p:cNvSpPr txBox="1"/>
+          <p:nvPr/>
+        </p:nvSpPr>
+        <p:spPr>
+          <a:xfrm>
+            <a:off x="3635896" y="1203598"/>
+            <a:ext cx="551754" cy="261610"/>
+          </a:xfrm>
+          <a:prstGeom prst="rect">
+            <a:avLst/>
+          </a:prstGeom>
+          <a:noFill/>
+        </p:spPr>
+        <p:txBody>
+          <a:bodyPr wrap="none" rtlCol="0">
+            <a:spAutoFit/>
+          </a:bodyPr>
+          <a:lstStyle/>
+          <a:p>
+            <a:pPr algn="ctr"/>
+            <a:r>
+              <a:rPr lang="en-US" altLang="ko-KR" sz="1100" b="1"/>
+              <a:t>Serial</a:t>
+            </a:r>
+            <a:endParaRPr lang="ko-KR" altLang="en-US" sz="1100" b="1"/>
+          </a:p>
+        </p:txBody>
+      </p:sp>
+      <p:sp>
+        <p:nvSpPr>
+          <p:cNvPr id="42" name="TextBox 41">
+            <a:extLst>
+              <a:ext uri="{FF2B5EF4-FFF2-40B4-BE49-F238E27FC236}">
+                <a16:creationId xmlns:a16="http://schemas.microsoft.com/office/drawing/2014/main" id="{E4E569E4-2EDD-4B65-92BA-35F472F550C3}"/>
+              </a:ext>
+            </a:extLst>
+          </p:cNvPr>
+          <p:cNvSpPr txBox="1"/>
+          <p:nvPr/>
+        </p:nvSpPr>
+        <p:spPr>
+          <a:xfrm>
+            <a:off x="5892454" y="1203598"/>
+            <a:ext cx="551754" cy="261610"/>
+          </a:xfrm>
+          <a:prstGeom prst="rect">
+            <a:avLst/>
+          </a:prstGeom>
+          <a:noFill/>
+        </p:spPr>
+        <p:txBody>
+          <a:bodyPr wrap="none" rtlCol="0">
+            <a:spAutoFit/>
+          </a:bodyPr>
+          <a:lstStyle/>
+          <a:p>
+            <a:pPr algn="ctr"/>
+            <a:r>
+              <a:rPr lang="en-US" altLang="ko-KR" sz="1100" b="1"/>
+              <a:t>Serial</a:t>
+            </a:r>
+            <a:endParaRPr lang="ko-KR" altLang="en-US" sz="1100" b="1"/>
+          </a:p>
+        </p:txBody>
+      </p:sp>
+      <p:grpSp>
+        <p:nvGrpSpPr>
+          <p:cNvPr id="62" name="그룹 61">
+            <a:extLst>
+              <a:ext uri="{FF2B5EF4-FFF2-40B4-BE49-F238E27FC236}">
+                <a16:creationId xmlns:a16="http://schemas.microsoft.com/office/drawing/2014/main" id="{40CB9E85-4508-4D0C-9D1D-66665AB1BFD7}"/>
+              </a:ext>
+            </a:extLst>
+          </p:cNvPr>
+          <p:cNvGrpSpPr/>
+          <p:nvPr/>
+        </p:nvGrpSpPr>
+        <p:grpSpPr>
+          <a:xfrm>
+            <a:off x="1485176" y="3639801"/>
+            <a:ext cx="1831824" cy="1239591"/>
+            <a:chOff x="1549924" y="3615877"/>
+            <a:chExt cx="1831824" cy="1239591"/>
+          </a:xfrm>
+        </p:grpSpPr>
+        <p:sp>
+          <p:nvSpPr>
+            <p:cNvPr id="64" name="사각형: 둥근 모서리 63">
+              <a:extLst>
+                <a:ext uri="{FF2B5EF4-FFF2-40B4-BE49-F238E27FC236}">
+                  <a16:creationId xmlns:a16="http://schemas.microsoft.com/office/drawing/2014/main" id="{8FF03C8F-2771-4C1C-A6A1-F4D91A60850B}"/>
+                </a:ext>
+              </a:extLst>
+            </p:cNvPr>
+            <p:cNvSpPr/>
+            <p:nvPr/>
+          </p:nvSpPr>
+          <p:spPr>
+            <a:xfrm>
+              <a:off x="1549924" y="3615877"/>
+              <a:ext cx="1831824" cy="1239591"/>
+            </a:xfrm>
+            <a:prstGeom prst="roundRect">
+              <a:avLst>
+                <a:gd name="adj" fmla="val 5426"/>
+              </a:avLst>
+            </a:prstGeom>
+          </p:spPr>
+          <p:style>
+            <a:lnRef idx="2">
+              <a:schemeClr val="dk1"/>
+            </a:lnRef>
+            <a:fillRef idx="1">
+              <a:schemeClr val="lt1"/>
+            </a:fillRef>
+            <a:effectRef idx="0">
+              <a:schemeClr val="dk1"/>
+            </a:effectRef>
+            <a:fontRef idx="minor">
+              <a:schemeClr val="dk1"/>
+            </a:fontRef>
+          </p:style>
+          <p:txBody>
+            <a:bodyPr rtlCol="0" anchor="b"/>
+            <a:lstStyle/>
+            <a:p>
+              <a:pPr algn="ctr"/>
+              <a:r>
+                <a:rPr lang="en-US" altLang="ko-KR" sz="1000" b="1"/>
+                <a:t>Pod</a:t>
+              </a:r>
+              <a:endParaRPr lang="ko-KR" altLang="en-US" sz="1000" b="1"/>
+            </a:p>
+          </p:txBody>
+        </p:sp>
+        <p:sp>
+          <p:nvSpPr>
+            <p:cNvPr id="65" name="사각형: 둥근 모서리 64">
+              <a:extLst>
+                <a:ext uri="{FF2B5EF4-FFF2-40B4-BE49-F238E27FC236}">
+                  <a16:creationId xmlns:a16="http://schemas.microsoft.com/office/drawing/2014/main" id="{3AB5949A-6E29-4248-A3C7-D0FAA264C10D}"/>
+                </a:ext>
+              </a:extLst>
+            </p:cNvPr>
+            <p:cNvSpPr/>
+            <p:nvPr/>
+          </p:nvSpPr>
+          <p:spPr>
+            <a:xfrm>
+              <a:off x="1623043" y="3695590"/>
+              <a:ext cx="1676969" cy="892384"/>
+            </a:xfrm>
+            <a:prstGeom prst="roundRect">
+              <a:avLst>
+                <a:gd name="adj" fmla="val 5426"/>
+              </a:avLst>
+            </a:prstGeom>
+          </p:spPr>
+          <p:style>
+            <a:lnRef idx="2">
+              <a:schemeClr val="dk1"/>
+            </a:lnRef>
+            <a:fillRef idx="1">
+              <a:schemeClr val="lt1"/>
+            </a:fillRef>
+            <a:effectRef idx="0">
+              <a:schemeClr val="dk1"/>
+            </a:effectRef>
+            <a:fontRef idx="minor">
+              <a:schemeClr val="dk1"/>
+            </a:fontRef>
+          </p:style>
+          <p:txBody>
+            <a:bodyPr rtlCol="0" anchor="b"/>
+            <a:lstStyle/>
+            <a:p>
+              <a:pPr algn="ctr"/>
+              <a:r>
+                <a:rPr lang="en-US" altLang="ko-KR" sz="1000" b="1"/>
+                <a:t>Custom Mutating </a:t>
+              </a:r>
+            </a:p>
+            <a:p>
+              <a:pPr algn="ctr"/>
+              <a:r>
+                <a:rPr lang="en-US" altLang="ko-KR" sz="1000" b="1"/>
+                <a:t>Admission Controller</a:t>
+              </a:r>
+              <a:endParaRPr lang="ko-KR" altLang="en-US" sz="1000" b="1"/>
+            </a:p>
+          </p:txBody>
+        </p:sp>
+        <p:sp>
+          <p:nvSpPr>
+            <p:cNvPr id="66" name="사각형: 둥근 모서리 65">
+              <a:extLst>
+                <a:ext uri="{FF2B5EF4-FFF2-40B4-BE49-F238E27FC236}">
+                  <a16:creationId xmlns:a16="http://schemas.microsoft.com/office/drawing/2014/main" id="{27129D1B-B74B-4C46-A022-B5C63A7336E1}"/>
+                </a:ext>
+              </a:extLst>
+            </p:cNvPr>
+            <p:cNvSpPr/>
+            <p:nvPr/>
+          </p:nvSpPr>
+          <p:spPr>
+            <a:xfrm>
+              <a:off x="1713970" y="3769850"/>
+              <a:ext cx="716826" cy="356306"/>
+            </a:xfrm>
+            <a:prstGeom prst="roundRect">
+              <a:avLst>
+                <a:gd name="adj" fmla="val 5426"/>
+              </a:avLst>
+            </a:prstGeom>
+          </p:spPr>
+          <p:style>
+            <a:lnRef idx="2">
+              <a:schemeClr val="dk1"/>
+            </a:lnRef>
+            <a:fillRef idx="1">
+              <a:schemeClr val="lt1"/>
+            </a:fillRef>
+            <a:effectRef idx="0">
+              <a:schemeClr val="dk1"/>
+            </a:effectRef>
+            <a:fontRef idx="minor">
+              <a:schemeClr val="dk1"/>
+            </a:fontRef>
+          </p:style>
+          <p:txBody>
+            <a:bodyPr rtlCol="0" anchor="ctr"/>
+            <a:lstStyle/>
+            <a:p>
+              <a:pPr algn="ctr"/>
+              <a:r>
+                <a:rPr lang="en-US" altLang="ko-KR" sz="900"/>
+                <a:t>Webhook</a:t>
+              </a:r>
+            </a:p>
+          </p:txBody>
+        </p:sp>
+        <p:sp>
+          <p:nvSpPr>
+            <p:cNvPr id="68" name="사각형: 둥근 모서리 67">
+              <a:extLst>
+                <a:ext uri="{FF2B5EF4-FFF2-40B4-BE49-F238E27FC236}">
+                  <a16:creationId xmlns:a16="http://schemas.microsoft.com/office/drawing/2014/main" id="{99B84FFA-59B7-4180-96CC-BD1EC46B1BF2}"/>
+                </a:ext>
+              </a:extLst>
+            </p:cNvPr>
+            <p:cNvSpPr/>
+            <p:nvPr/>
+          </p:nvSpPr>
+          <p:spPr>
+            <a:xfrm>
+              <a:off x="2492803" y="3769850"/>
+              <a:ext cx="716826" cy="356306"/>
+            </a:xfrm>
+            <a:prstGeom prst="roundRect">
+              <a:avLst>
+                <a:gd name="adj" fmla="val 5426"/>
+              </a:avLst>
+            </a:prstGeom>
+          </p:spPr>
+          <p:style>
+            <a:lnRef idx="2">
+              <a:schemeClr val="dk1"/>
+            </a:lnRef>
+            <a:fillRef idx="1">
+              <a:schemeClr val="lt1"/>
+            </a:fillRef>
+            <a:effectRef idx="0">
+              <a:schemeClr val="dk1"/>
+            </a:effectRef>
+            <a:fontRef idx="minor">
+              <a:schemeClr val="dk1"/>
+            </a:fontRef>
+          </p:style>
+          <p:txBody>
+            <a:bodyPr rtlCol="0" anchor="ctr"/>
+            <a:lstStyle/>
+            <a:p>
+              <a:pPr algn="ctr"/>
+              <a:r>
+                <a:rPr lang="en-US" altLang="ko-KR" sz="900"/>
+                <a:t>Webhook</a:t>
+              </a:r>
+            </a:p>
+          </p:txBody>
+        </p:sp>
+      </p:grpSp>
+      <p:sp>
+        <p:nvSpPr>
+          <p:cNvPr id="70" name="사각형: 둥근 모서리 69">
+            <a:extLst>
+              <a:ext uri="{FF2B5EF4-FFF2-40B4-BE49-F238E27FC236}">
+                <a16:creationId xmlns:a16="http://schemas.microsoft.com/office/drawing/2014/main" id="{0D1459D8-FE36-4FB7-B7BB-709148B4380D}"/>
+              </a:ext>
+            </a:extLst>
+          </p:cNvPr>
+          <p:cNvSpPr/>
+          <p:nvPr/>
+        </p:nvSpPr>
+        <p:spPr>
+          <a:xfrm>
+            <a:off x="1411831" y="3704871"/>
+            <a:ext cx="1831824" cy="1239591"/>
+          </a:xfrm>
+          <a:prstGeom prst="roundRect">
+            <a:avLst>
+              <a:gd name="adj" fmla="val 5426"/>
+            </a:avLst>
+          </a:prstGeom>
+        </p:spPr>
+        <p:style>
+          <a:lnRef idx="2">
+            <a:schemeClr val="dk1"/>
+          </a:lnRef>
+          <a:fillRef idx="1">
+            <a:schemeClr val="lt1"/>
+          </a:fillRef>
+          <a:effectRef idx="0">
+            <a:schemeClr val="dk1"/>
+          </a:effectRef>
+          <a:fontRef idx="minor">
+            <a:schemeClr val="dk1"/>
+          </a:fontRef>
+        </p:style>
+        <p:txBody>
+          <a:bodyPr rtlCol="0" anchor="b"/>
+          <a:lstStyle/>
+          <a:p>
+            <a:pPr algn="ctr"/>
+            <a:r>
+              <a:rPr lang="en-US" altLang="ko-KR" sz="1000"/>
+              <a:t>Pod</a:t>
+            </a:r>
+            <a:endParaRPr lang="ko-KR" altLang="en-US" sz="1000"/>
+          </a:p>
+        </p:txBody>
+      </p:sp>
+      <p:sp>
+        <p:nvSpPr>
+          <p:cNvPr id="71" name="사각형: 둥근 모서리 70">
+            <a:extLst>
+              <a:ext uri="{FF2B5EF4-FFF2-40B4-BE49-F238E27FC236}">
+                <a16:creationId xmlns:a16="http://schemas.microsoft.com/office/drawing/2014/main" id="{786004E9-46EC-4C6A-AC69-C767C91C6D4B}"/>
+              </a:ext>
+            </a:extLst>
+          </p:cNvPr>
+          <p:cNvSpPr/>
+          <p:nvPr/>
+        </p:nvSpPr>
+        <p:spPr>
+          <a:xfrm>
+            <a:off x="1484950" y="3784584"/>
+            <a:ext cx="1676969" cy="892384"/>
+          </a:xfrm>
+          <a:prstGeom prst="roundRect">
+            <a:avLst>
+              <a:gd name="adj" fmla="val 5426"/>
+            </a:avLst>
+          </a:prstGeom>
+        </p:spPr>
+        <p:style>
+          <a:lnRef idx="2">
+            <a:schemeClr val="dk1"/>
+          </a:lnRef>
+          <a:fillRef idx="1">
+            <a:schemeClr val="lt1"/>
+          </a:fillRef>
+          <a:effectRef idx="0">
+            <a:schemeClr val="dk1"/>
+          </a:effectRef>
+          <a:fontRef idx="minor">
+            <a:schemeClr val="dk1"/>
+          </a:fontRef>
+        </p:style>
+        <p:txBody>
+          <a:bodyPr rtlCol="0" anchor="b"/>
+          <a:lstStyle/>
+          <a:p>
+            <a:pPr algn="ctr"/>
+            <a:r>
+              <a:rPr lang="en-US" altLang="ko-KR" sz="1000" b="1"/>
+              <a:t>Custom Mutating </a:t>
+            </a:r>
+          </a:p>
+          <a:p>
+            <a:pPr algn="ctr"/>
+            <a:r>
+              <a:rPr lang="en-US" altLang="ko-KR" sz="1000" b="1"/>
+              <a:t>Admission Controller</a:t>
+            </a:r>
+            <a:endParaRPr lang="ko-KR" altLang="en-US" sz="1000" b="1"/>
+          </a:p>
+        </p:txBody>
+      </p:sp>
+      <p:sp>
+        <p:nvSpPr>
+          <p:cNvPr id="72" name="사각형: 둥근 모서리 71">
+            <a:extLst>
+              <a:ext uri="{FF2B5EF4-FFF2-40B4-BE49-F238E27FC236}">
+                <a16:creationId xmlns:a16="http://schemas.microsoft.com/office/drawing/2014/main" id="{7506D07F-1485-4D81-AC4B-6C93FB0C23F1}"/>
+              </a:ext>
+            </a:extLst>
+          </p:cNvPr>
+          <p:cNvSpPr/>
+          <p:nvPr/>
+        </p:nvSpPr>
+        <p:spPr>
+          <a:xfrm>
+            <a:off x="1575877" y="3858844"/>
+            <a:ext cx="716826" cy="356306"/>
+          </a:xfrm>
+          <a:prstGeom prst="roundRect">
+            <a:avLst>
+              <a:gd name="adj" fmla="val 5426"/>
+            </a:avLst>
+          </a:prstGeom>
+        </p:spPr>
+        <p:style>
+          <a:lnRef idx="2">
+            <a:schemeClr val="dk1"/>
+          </a:lnRef>
+          <a:fillRef idx="1">
+            <a:schemeClr val="lt1"/>
+          </a:fillRef>
+          <a:effectRef idx="0">
+            <a:schemeClr val="dk1"/>
+          </a:effectRef>
+          <a:fontRef idx="minor">
+            <a:schemeClr val="dk1"/>
+          </a:fontRef>
+        </p:style>
+        <p:txBody>
+          <a:bodyPr rtlCol="0" anchor="ctr"/>
+          <a:lstStyle/>
+          <a:p>
+            <a:pPr algn="ctr"/>
+            <a:r>
+              <a:rPr lang="en-US" altLang="ko-KR" sz="900"/>
+              <a:t>Webhook</a:t>
+            </a:r>
+          </a:p>
+        </p:txBody>
+      </p:sp>
+      <p:sp>
+        <p:nvSpPr>
+          <p:cNvPr id="78" name="사각형: 둥근 모서리 77">
+            <a:extLst>
+              <a:ext uri="{FF2B5EF4-FFF2-40B4-BE49-F238E27FC236}">
+                <a16:creationId xmlns:a16="http://schemas.microsoft.com/office/drawing/2014/main" id="{C5680835-60F3-469E-B9B2-41C850EC752C}"/>
+              </a:ext>
+            </a:extLst>
+          </p:cNvPr>
+          <p:cNvSpPr/>
+          <p:nvPr/>
+        </p:nvSpPr>
+        <p:spPr>
+          <a:xfrm>
+            <a:off x="2354710" y="3858844"/>
+            <a:ext cx="716826" cy="356306"/>
+          </a:xfrm>
+          <a:prstGeom prst="roundRect">
+            <a:avLst>
+              <a:gd name="adj" fmla="val 5426"/>
+            </a:avLst>
+          </a:prstGeom>
+        </p:spPr>
+        <p:style>
+          <a:lnRef idx="2">
+            <a:schemeClr val="dk1"/>
+          </a:lnRef>
+          <a:fillRef idx="1">
+            <a:schemeClr val="lt1"/>
+          </a:fillRef>
+          <a:effectRef idx="0">
+            <a:schemeClr val="dk1"/>
+          </a:effectRef>
+          <a:fontRef idx="minor">
+            <a:schemeClr val="dk1"/>
+          </a:fontRef>
+        </p:style>
+        <p:txBody>
+          <a:bodyPr rtlCol="0" anchor="ctr"/>
+          <a:lstStyle/>
+          <a:p>
+            <a:pPr algn="ctr"/>
+            <a:r>
+              <a:rPr lang="en-US" altLang="ko-KR" sz="900"/>
+              <a:t>Webhook</a:t>
+            </a:r>
+          </a:p>
+        </p:txBody>
+      </p:sp>
+      <p:grpSp>
+        <p:nvGrpSpPr>
+          <p:cNvPr id="82" name="그룹 81">
+            <a:extLst>
+              <a:ext uri="{FF2B5EF4-FFF2-40B4-BE49-F238E27FC236}">
+                <a16:creationId xmlns:a16="http://schemas.microsoft.com/office/drawing/2014/main" id="{20BEE31F-E8A5-4D27-B25D-2DDE4882012B}"/>
+              </a:ext>
+            </a:extLst>
+          </p:cNvPr>
+          <p:cNvGrpSpPr/>
+          <p:nvPr/>
+        </p:nvGrpSpPr>
+        <p:grpSpPr>
+          <a:xfrm>
+            <a:off x="3628021" y="3654339"/>
+            <a:ext cx="1685134" cy="1235065"/>
+            <a:chOff x="3634923" y="3611625"/>
+            <a:chExt cx="1685134" cy="1235065"/>
+          </a:xfrm>
+        </p:grpSpPr>
+        <p:sp>
+          <p:nvSpPr>
+            <p:cNvPr id="85" name="사각형: 둥근 모서리 84">
+              <a:extLst>
+                <a:ext uri="{FF2B5EF4-FFF2-40B4-BE49-F238E27FC236}">
+                  <a16:creationId xmlns:a16="http://schemas.microsoft.com/office/drawing/2014/main" id="{32B217EB-FE9A-4573-B103-8C996CA6E4FA}"/>
+                </a:ext>
+              </a:extLst>
+            </p:cNvPr>
+            <p:cNvSpPr/>
+            <p:nvPr/>
+          </p:nvSpPr>
+          <p:spPr>
+            <a:xfrm>
+              <a:off x="3634923" y="3611625"/>
+              <a:ext cx="1685134" cy="1235065"/>
+            </a:xfrm>
+            <a:prstGeom prst="roundRect">
+              <a:avLst>
+                <a:gd name="adj" fmla="val 5426"/>
+              </a:avLst>
+            </a:prstGeom>
+          </p:spPr>
+          <p:style>
+            <a:lnRef idx="2">
+              <a:schemeClr val="dk1"/>
+            </a:lnRef>
+            <a:fillRef idx="1">
+              <a:schemeClr val="lt1"/>
+            </a:fillRef>
+            <a:effectRef idx="0">
+              <a:schemeClr val="dk1"/>
+            </a:effectRef>
+            <a:fontRef idx="minor">
+              <a:schemeClr val="dk1"/>
+            </a:fontRef>
+          </p:style>
+          <p:txBody>
+            <a:bodyPr rtlCol="0" anchor="b"/>
+            <a:lstStyle/>
+            <a:p>
+              <a:pPr algn="ctr"/>
+              <a:r>
+                <a:rPr lang="en-US" altLang="ko-KR" sz="1000"/>
+                <a:t>Pod</a:t>
+              </a:r>
+              <a:endParaRPr lang="ko-KR" altLang="en-US" sz="1000"/>
+            </a:p>
+          </p:txBody>
+        </p:sp>
+        <p:sp>
+          <p:nvSpPr>
+            <p:cNvPr id="86" name="사각형: 둥근 모서리 85">
+              <a:extLst>
+                <a:ext uri="{FF2B5EF4-FFF2-40B4-BE49-F238E27FC236}">
+                  <a16:creationId xmlns:a16="http://schemas.microsoft.com/office/drawing/2014/main" id="{DE030B77-BBF4-43B2-800D-EF0383A2B9EE}"/>
+                </a:ext>
+              </a:extLst>
+            </p:cNvPr>
+            <p:cNvSpPr/>
+            <p:nvPr/>
+          </p:nvSpPr>
+          <p:spPr>
+            <a:xfrm>
+              <a:off x="3726358" y="3695590"/>
+              <a:ext cx="1493714" cy="892384"/>
+            </a:xfrm>
+            <a:prstGeom prst="roundRect">
+              <a:avLst>
+                <a:gd name="adj" fmla="val 5426"/>
+              </a:avLst>
+            </a:prstGeom>
+          </p:spPr>
+          <p:style>
+            <a:lnRef idx="2">
+              <a:schemeClr val="dk1"/>
+            </a:lnRef>
+            <a:fillRef idx="1">
+              <a:schemeClr val="lt1"/>
+            </a:fillRef>
+            <a:effectRef idx="0">
+              <a:schemeClr val="dk1"/>
+            </a:effectRef>
+            <a:fontRef idx="minor">
+              <a:schemeClr val="dk1"/>
+            </a:fontRef>
+          </p:style>
+          <p:txBody>
+            <a:bodyPr rtlCol="0" anchor="b"/>
+            <a:lstStyle/>
+            <a:p>
+              <a:pPr algn="ctr"/>
+              <a:r>
+                <a:rPr lang="en-US" altLang="ko-KR" sz="1000" b="1"/>
+                <a:t>Custom Validating Admission Controller</a:t>
+              </a:r>
+              <a:endParaRPr lang="ko-KR" altLang="en-US" sz="1000" b="1"/>
+            </a:p>
+          </p:txBody>
+        </p:sp>
+        <p:sp>
+          <p:nvSpPr>
+            <p:cNvPr id="87" name="사각형: 둥근 모서리 86">
+              <a:extLst>
+                <a:ext uri="{FF2B5EF4-FFF2-40B4-BE49-F238E27FC236}">
+                  <a16:creationId xmlns:a16="http://schemas.microsoft.com/office/drawing/2014/main" id="{13B2B6EB-C9DF-4FC3-A497-9A29FB3A207D}"/>
+                </a:ext>
+              </a:extLst>
+            </p:cNvPr>
+            <p:cNvSpPr/>
+            <p:nvPr/>
+          </p:nvSpPr>
+          <p:spPr>
+            <a:xfrm>
+              <a:off x="4114802" y="3795886"/>
+              <a:ext cx="716826" cy="356306"/>
+            </a:xfrm>
+            <a:prstGeom prst="roundRect">
+              <a:avLst>
+                <a:gd name="adj" fmla="val 5426"/>
+              </a:avLst>
+            </a:prstGeom>
+          </p:spPr>
+          <p:style>
+            <a:lnRef idx="2">
+              <a:schemeClr val="dk1"/>
+            </a:lnRef>
+            <a:fillRef idx="1">
+              <a:schemeClr val="lt1"/>
+            </a:fillRef>
+            <a:effectRef idx="0">
+              <a:schemeClr val="dk1"/>
+            </a:effectRef>
+            <a:fontRef idx="minor">
+              <a:schemeClr val="dk1"/>
+            </a:fontRef>
+          </p:style>
+          <p:txBody>
+            <a:bodyPr rtlCol="0" anchor="ctr"/>
+            <a:lstStyle/>
+            <a:p>
+              <a:pPr algn="ctr"/>
+              <a:r>
+                <a:rPr lang="en-US" altLang="ko-KR" sz="900"/>
+                <a:t>Webhook</a:t>
+              </a:r>
+            </a:p>
+          </p:txBody>
+        </p:sp>
+      </p:grpSp>
+      <p:grpSp>
+        <p:nvGrpSpPr>
+          <p:cNvPr id="89" name="그룹 88">
+            <a:extLst>
+              <a:ext uri="{FF2B5EF4-FFF2-40B4-BE49-F238E27FC236}">
+                <a16:creationId xmlns:a16="http://schemas.microsoft.com/office/drawing/2014/main" id="{34C783DE-B65D-4635-B2F5-D4668F1096F5}"/>
+              </a:ext>
+            </a:extLst>
+          </p:cNvPr>
+          <p:cNvGrpSpPr/>
+          <p:nvPr/>
+        </p:nvGrpSpPr>
+        <p:grpSpPr>
+          <a:xfrm>
+            <a:off x="3563888" y="3712949"/>
+            <a:ext cx="1685134" cy="1235065"/>
+            <a:chOff x="3634923" y="3611625"/>
+            <a:chExt cx="1685134" cy="1235065"/>
+          </a:xfrm>
+        </p:grpSpPr>
+        <p:sp>
+          <p:nvSpPr>
+            <p:cNvPr id="90" name="사각형: 둥근 모서리 89">
+              <a:extLst>
+                <a:ext uri="{FF2B5EF4-FFF2-40B4-BE49-F238E27FC236}">
+                  <a16:creationId xmlns:a16="http://schemas.microsoft.com/office/drawing/2014/main" id="{AFD898BA-4659-49FD-AB4D-9C596BDE1727}"/>
+                </a:ext>
+              </a:extLst>
+            </p:cNvPr>
+            <p:cNvSpPr/>
+            <p:nvPr/>
+          </p:nvSpPr>
+          <p:spPr>
+            <a:xfrm>
+              <a:off x="3634923" y="3611625"/>
+              <a:ext cx="1685134" cy="1235065"/>
+            </a:xfrm>
+            <a:prstGeom prst="roundRect">
+              <a:avLst>
+                <a:gd name="adj" fmla="val 5426"/>
+              </a:avLst>
+            </a:prstGeom>
+          </p:spPr>
+          <p:style>
+            <a:lnRef idx="2">
+              <a:schemeClr val="dk1"/>
+            </a:lnRef>
+            <a:fillRef idx="1">
+              <a:schemeClr val="lt1"/>
+            </a:fillRef>
+            <a:effectRef idx="0">
+              <a:schemeClr val="dk1"/>
+            </a:effectRef>
+            <a:fontRef idx="minor">
+              <a:schemeClr val="dk1"/>
+            </a:fontRef>
+          </p:style>
+          <p:txBody>
+            <a:bodyPr rtlCol="0" anchor="b"/>
+            <a:lstStyle/>
+            <a:p>
+              <a:pPr algn="ctr"/>
+              <a:r>
+                <a:rPr lang="en-US" altLang="ko-KR" sz="1000"/>
+                <a:t>Pod</a:t>
+              </a:r>
+              <a:endParaRPr lang="ko-KR" altLang="en-US" sz="1000"/>
+            </a:p>
+          </p:txBody>
+        </p:sp>
+        <p:sp>
+          <p:nvSpPr>
+            <p:cNvPr id="91" name="사각형: 둥근 모서리 90">
+              <a:extLst>
+                <a:ext uri="{FF2B5EF4-FFF2-40B4-BE49-F238E27FC236}">
+                  <a16:creationId xmlns:a16="http://schemas.microsoft.com/office/drawing/2014/main" id="{C2781F1B-3396-4ECC-9120-EE6B62B38421}"/>
+                </a:ext>
+              </a:extLst>
+            </p:cNvPr>
+            <p:cNvSpPr/>
+            <p:nvPr/>
+          </p:nvSpPr>
+          <p:spPr>
+            <a:xfrm>
+              <a:off x="3726358" y="3695590"/>
+              <a:ext cx="1493714" cy="892384"/>
+            </a:xfrm>
+            <a:prstGeom prst="roundRect">
+              <a:avLst>
+                <a:gd name="adj" fmla="val 5426"/>
+              </a:avLst>
+            </a:prstGeom>
+          </p:spPr>
+          <p:style>
+            <a:lnRef idx="2">
+              <a:schemeClr val="dk1"/>
+            </a:lnRef>
+            <a:fillRef idx="1">
+              <a:schemeClr val="lt1"/>
+            </a:fillRef>
+            <a:effectRef idx="0">
+              <a:schemeClr val="dk1"/>
+            </a:effectRef>
+            <a:fontRef idx="minor">
+              <a:schemeClr val="dk1"/>
+            </a:fontRef>
+          </p:style>
+          <p:txBody>
+            <a:bodyPr rtlCol="0" anchor="b"/>
+            <a:lstStyle/>
+            <a:p>
+              <a:pPr algn="ctr"/>
+              <a:r>
+                <a:rPr lang="en-US" altLang="ko-KR" sz="1000" b="1"/>
+                <a:t>Custom Validating Admission Controller</a:t>
+              </a:r>
+              <a:endParaRPr lang="ko-KR" altLang="en-US" sz="1000" b="1"/>
+            </a:p>
+          </p:txBody>
+        </p:sp>
+        <p:sp>
+          <p:nvSpPr>
+            <p:cNvPr id="92" name="사각형: 둥근 모서리 91">
+              <a:extLst>
+                <a:ext uri="{FF2B5EF4-FFF2-40B4-BE49-F238E27FC236}">
+                  <a16:creationId xmlns:a16="http://schemas.microsoft.com/office/drawing/2014/main" id="{A115C069-B49F-4AB2-B761-A33C0C6418B0}"/>
+                </a:ext>
+              </a:extLst>
+            </p:cNvPr>
+            <p:cNvSpPr/>
+            <p:nvPr/>
+          </p:nvSpPr>
+          <p:spPr>
+            <a:xfrm>
+              <a:off x="4114802" y="3795886"/>
+              <a:ext cx="716826" cy="356306"/>
+            </a:xfrm>
+            <a:prstGeom prst="roundRect">
+              <a:avLst>
+                <a:gd name="adj" fmla="val 5426"/>
+              </a:avLst>
+            </a:prstGeom>
+          </p:spPr>
+          <p:style>
+            <a:lnRef idx="2">
+              <a:schemeClr val="dk1"/>
+            </a:lnRef>
+            <a:fillRef idx="1">
+              <a:schemeClr val="lt1"/>
+            </a:fillRef>
+            <a:effectRef idx="0">
+              <a:schemeClr val="dk1"/>
+            </a:effectRef>
+            <a:fontRef idx="minor">
+              <a:schemeClr val="dk1"/>
+            </a:fontRef>
+          </p:style>
+          <p:txBody>
+            <a:bodyPr rtlCol="0" anchor="ctr"/>
+            <a:lstStyle/>
+            <a:p>
+              <a:pPr algn="ctr"/>
+              <a:r>
+                <a:rPr lang="en-US" altLang="ko-KR" sz="900"/>
+                <a:t>Webhook</a:t>
+              </a:r>
+            </a:p>
+          </p:txBody>
+        </p:sp>
+      </p:grpSp>
+      <p:grpSp>
+        <p:nvGrpSpPr>
+          <p:cNvPr id="93" name="그룹 92">
+            <a:extLst>
+              <a:ext uri="{FF2B5EF4-FFF2-40B4-BE49-F238E27FC236}">
+                <a16:creationId xmlns:a16="http://schemas.microsoft.com/office/drawing/2014/main" id="{23EC1C39-5BFD-4D45-9643-A9B9383007FE}"/>
+              </a:ext>
+            </a:extLst>
+          </p:cNvPr>
+          <p:cNvGrpSpPr/>
+          <p:nvPr/>
+        </p:nvGrpSpPr>
+        <p:grpSpPr>
+          <a:xfrm>
+            <a:off x="5744896" y="3594199"/>
+            <a:ext cx="1685134" cy="1235065"/>
+            <a:chOff x="3634923" y="3611625"/>
+            <a:chExt cx="1685134" cy="1235065"/>
+          </a:xfrm>
+        </p:grpSpPr>
+        <p:sp>
+          <p:nvSpPr>
+            <p:cNvPr id="94" name="사각형: 둥근 모서리 93">
+              <a:extLst>
+                <a:ext uri="{FF2B5EF4-FFF2-40B4-BE49-F238E27FC236}">
+                  <a16:creationId xmlns:a16="http://schemas.microsoft.com/office/drawing/2014/main" id="{54DA0B74-0897-4CA9-A686-68572347E6CE}"/>
+                </a:ext>
+              </a:extLst>
+            </p:cNvPr>
+            <p:cNvSpPr/>
+            <p:nvPr/>
+          </p:nvSpPr>
+          <p:spPr>
+            <a:xfrm>
+              <a:off x="3634923" y="3611625"/>
+              <a:ext cx="1685134" cy="1235065"/>
+            </a:xfrm>
+            <a:prstGeom prst="roundRect">
+              <a:avLst>
+                <a:gd name="adj" fmla="val 5426"/>
+              </a:avLst>
+            </a:prstGeom>
+          </p:spPr>
+          <p:style>
+            <a:lnRef idx="2">
+              <a:schemeClr val="dk1"/>
+            </a:lnRef>
+            <a:fillRef idx="1">
+              <a:schemeClr val="lt1"/>
+            </a:fillRef>
+            <a:effectRef idx="0">
+              <a:schemeClr val="dk1"/>
+            </a:effectRef>
+            <a:fontRef idx="minor">
+              <a:schemeClr val="dk1"/>
+            </a:fontRef>
+          </p:style>
+          <p:txBody>
+            <a:bodyPr rtlCol="0" anchor="b"/>
+            <a:lstStyle/>
+            <a:p>
+              <a:pPr algn="ctr"/>
+              <a:r>
+                <a:rPr lang="en-US" altLang="ko-KR" sz="1000"/>
+                <a:t>Pod</a:t>
+              </a:r>
+              <a:endParaRPr lang="ko-KR" altLang="en-US" sz="1000"/>
+            </a:p>
+          </p:txBody>
+        </p:sp>
+        <p:sp>
+          <p:nvSpPr>
+            <p:cNvPr id="95" name="사각형: 둥근 모서리 94">
+              <a:extLst>
+                <a:ext uri="{FF2B5EF4-FFF2-40B4-BE49-F238E27FC236}">
+                  <a16:creationId xmlns:a16="http://schemas.microsoft.com/office/drawing/2014/main" id="{D4662E3F-0984-4ED3-AB2C-98675E3A8D36}"/>
+                </a:ext>
+              </a:extLst>
+            </p:cNvPr>
+            <p:cNvSpPr/>
+            <p:nvPr/>
+          </p:nvSpPr>
+          <p:spPr>
+            <a:xfrm>
+              <a:off x="3726358" y="3695590"/>
+              <a:ext cx="1493714" cy="892384"/>
+            </a:xfrm>
+            <a:prstGeom prst="roundRect">
+              <a:avLst>
+                <a:gd name="adj" fmla="val 5426"/>
+              </a:avLst>
+            </a:prstGeom>
+          </p:spPr>
+          <p:style>
+            <a:lnRef idx="2">
+              <a:schemeClr val="dk1"/>
+            </a:lnRef>
+            <a:fillRef idx="1">
+              <a:schemeClr val="lt1"/>
+            </a:fillRef>
+            <a:effectRef idx="0">
+              <a:schemeClr val="dk1"/>
+            </a:effectRef>
+            <a:fontRef idx="minor">
+              <a:schemeClr val="dk1"/>
+            </a:fontRef>
+          </p:style>
+          <p:txBody>
+            <a:bodyPr rtlCol="0" anchor="b"/>
+            <a:lstStyle/>
+            <a:p>
+              <a:pPr algn="ctr"/>
+              <a:r>
+                <a:rPr lang="en-US" altLang="ko-KR" sz="1000" b="1"/>
+                <a:t>Custom Validating Admission Controller</a:t>
+              </a:r>
+              <a:endParaRPr lang="ko-KR" altLang="en-US" sz="1000" b="1"/>
+            </a:p>
+          </p:txBody>
+        </p:sp>
+        <p:sp>
+          <p:nvSpPr>
+            <p:cNvPr id="96" name="사각형: 둥근 모서리 95">
+              <a:extLst>
+                <a:ext uri="{FF2B5EF4-FFF2-40B4-BE49-F238E27FC236}">
+                  <a16:creationId xmlns:a16="http://schemas.microsoft.com/office/drawing/2014/main" id="{789234C4-9C73-403C-9B1A-E4DB31F5D9AE}"/>
+                </a:ext>
+              </a:extLst>
+            </p:cNvPr>
+            <p:cNvSpPr/>
+            <p:nvPr/>
+          </p:nvSpPr>
+          <p:spPr>
+            <a:xfrm>
+              <a:off x="4114802" y="3795886"/>
+              <a:ext cx="716826" cy="356306"/>
+            </a:xfrm>
+            <a:prstGeom prst="roundRect">
+              <a:avLst>
+                <a:gd name="adj" fmla="val 5426"/>
+              </a:avLst>
+            </a:prstGeom>
+          </p:spPr>
+          <p:style>
+            <a:lnRef idx="2">
+              <a:schemeClr val="dk1"/>
+            </a:lnRef>
+            <a:fillRef idx="1">
+              <a:schemeClr val="lt1"/>
+            </a:fillRef>
+            <a:effectRef idx="0">
+              <a:schemeClr val="dk1"/>
+            </a:effectRef>
+            <a:fontRef idx="minor">
+              <a:schemeClr val="dk1"/>
+            </a:fontRef>
+          </p:style>
+          <p:txBody>
+            <a:bodyPr rtlCol="0" anchor="ctr"/>
+            <a:lstStyle/>
+            <a:p>
+              <a:pPr algn="ctr"/>
+              <a:r>
+                <a:rPr lang="en-US" altLang="ko-KR" sz="900"/>
+                <a:t>Webhook</a:t>
+              </a:r>
+            </a:p>
+          </p:txBody>
+        </p:sp>
+      </p:grpSp>
+      <p:grpSp>
+        <p:nvGrpSpPr>
+          <p:cNvPr id="97" name="그룹 96">
+            <a:extLst>
+              <a:ext uri="{FF2B5EF4-FFF2-40B4-BE49-F238E27FC236}">
+                <a16:creationId xmlns:a16="http://schemas.microsoft.com/office/drawing/2014/main" id="{6B55DC53-395B-4E1F-B5C6-04CE8FC69506}"/>
+              </a:ext>
+            </a:extLst>
+          </p:cNvPr>
+          <p:cNvGrpSpPr/>
+          <p:nvPr/>
+        </p:nvGrpSpPr>
+        <p:grpSpPr>
+          <a:xfrm>
+            <a:off x="5684374" y="3654339"/>
+            <a:ext cx="1685134" cy="1235065"/>
+            <a:chOff x="3634923" y="3611625"/>
+            <a:chExt cx="1685134" cy="1235065"/>
+          </a:xfrm>
+        </p:grpSpPr>
+        <p:sp>
+          <p:nvSpPr>
+            <p:cNvPr id="98" name="사각형: 둥근 모서리 97">
+              <a:extLst>
+                <a:ext uri="{FF2B5EF4-FFF2-40B4-BE49-F238E27FC236}">
+                  <a16:creationId xmlns:a16="http://schemas.microsoft.com/office/drawing/2014/main" id="{2B0DCC89-BE76-442A-B74A-A67CAB888BEA}"/>
+                </a:ext>
+              </a:extLst>
+            </p:cNvPr>
+            <p:cNvSpPr/>
+            <p:nvPr/>
+          </p:nvSpPr>
+          <p:spPr>
+            <a:xfrm>
+              <a:off x="3634923" y="3611625"/>
+              <a:ext cx="1685134" cy="1235065"/>
+            </a:xfrm>
+            <a:prstGeom prst="roundRect">
+              <a:avLst>
+                <a:gd name="adj" fmla="val 5426"/>
+              </a:avLst>
+            </a:prstGeom>
+          </p:spPr>
+          <p:style>
+            <a:lnRef idx="2">
+              <a:schemeClr val="dk1"/>
+            </a:lnRef>
+            <a:fillRef idx="1">
+              <a:schemeClr val="lt1"/>
+            </a:fillRef>
+            <a:effectRef idx="0">
+              <a:schemeClr val="dk1"/>
+            </a:effectRef>
+            <a:fontRef idx="minor">
+              <a:schemeClr val="dk1"/>
+            </a:fontRef>
+          </p:style>
+          <p:txBody>
+            <a:bodyPr rtlCol="0" anchor="b"/>
+            <a:lstStyle/>
+            <a:p>
+              <a:pPr algn="ctr"/>
+              <a:r>
+                <a:rPr lang="en-US" altLang="ko-KR" sz="1000"/>
+                <a:t>Pod</a:t>
+              </a:r>
+              <a:endParaRPr lang="ko-KR" altLang="en-US" sz="1000"/>
+            </a:p>
+          </p:txBody>
+        </p:sp>
+        <p:sp>
+          <p:nvSpPr>
+            <p:cNvPr id="99" name="사각형: 둥근 모서리 98">
+              <a:extLst>
+                <a:ext uri="{FF2B5EF4-FFF2-40B4-BE49-F238E27FC236}">
+                  <a16:creationId xmlns:a16="http://schemas.microsoft.com/office/drawing/2014/main" id="{DA1C9886-9499-4C08-B031-8B2B4D3FBB13}"/>
+                </a:ext>
+              </a:extLst>
+            </p:cNvPr>
+            <p:cNvSpPr/>
+            <p:nvPr/>
+          </p:nvSpPr>
+          <p:spPr>
+            <a:xfrm>
+              <a:off x="3726358" y="3695590"/>
+              <a:ext cx="1493714" cy="892384"/>
+            </a:xfrm>
+            <a:prstGeom prst="roundRect">
+              <a:avLst>
+                <a:gd name="adj" fmla="val 5426"/>
+              </a:avLst>
+            </a:prstGeom>
+          </p:spPr>
+          <p:style>
+            <a:lnRef idx="2">
+              <a:schemeClr val="dk1"/>
+            </a:lnRef>
+            <a:fillRef idx="1">
+              <a:schemeClr val="lt1"/>
+            </a:fillRef>
+            <a:effectRef idx="0">
+              <a:schemeClr val="dk1"/>
+            </a:effectRef>
+            <a:fontRef idx="minor">
+              <a:schemeClr val="dk1"/>
+            </a:fontRef>
+          </p:style>
+          <p:txBody>
+            <a:bodyPr rtlCol="0" anchor="b"/>
+            <a:lstStyle/>
+            <a:p>
+              <a:pPr algn="ctr"/>
+              <a:r>
+                <a:rPr lang="en-US" altLang="ko-KR" sz="1000" b="1"/>
+                <a:t>Custom Validating Admission Controller</a:t>
+              </a:r>
+              <a:endParaRPr lang="ko-KR" altLang="en-US" sz="1000" b="1"/>
+            </a:p>
+          </p:txBody>
+        </p:sp>
+        <p:sp>
+          <p:nvSpPr>
+            <p:cNvPr id="100" name="사각형: 둥근 모서리 99">
+              <a:extLst>
+                <a:ext uri="{FF2B5EF4-FFF2-40B4-BE49-F238E27FC236}">
+                  <a16:creationId xmlns:a16="http://schemas.microsoft.com/office/drawing/2014/main" id="{4B3CBA0B-33F2-4F4C-AD5E-140C40F704F5}"/>
+                </a:ext>
+              </a:extLst>
+            </p:cNvPr>
+            <p:cNvSpPr/>
+            <p:nvPr/>
+          </p:nvSpPr>
+          <p:spPr>
+            <a:xfrm>
+              <a:off x="4114802" y="3795886"/>
+              <a:ext cx="716826" cy="356306"/>
+            </a:xfrm>
+            <a:prstGeom prst="roundRect">
+              <a:avLst>
+                <a:gd name="adj" fmla="val 5426"/>
+              </a:avLst>
+            </a:prstGeom>
+          </p:spPr>
+          <p:style>
+            <a:lnRef idx="2">
+              <a:schemeClr val="dk1"/>
+            </a:lnRef>
+            <a:fillRef idx="1">
+              <a:schemeClr val="lt1"/>
+            </a:fillRef>
+            <a:effectRef idx="0">
+              <a:schemeClr val="dk1"/>
+            </a:effectRef>
+            <a:fontRef idx="minor">
+              <a:schemeClr val="dk1"/>
+            </a:fontRef>
+          </p:style>
+          <p:txBody>
+            <a:bodyPr rtlCol="0" anchor="ctr"/>
+            <a:lstStyle/>
+            <a:p>
+              <a:pPr algn="ctr"/>
+              <a:r>
+                <a:rPr lang="en-US" altLang="ko-KR" sz="900"/>
+                <a:t>Webhook</a:t>
+              </a:r>
+            </a:p>
+          </p:txBody>
+        </p:sp>
+      </p:grpSp>
+      <p:grpSp>
+        <p:nvGrpSpPr>
+          <p:cNvPr id="101" name="그룹 100">
+            <a:extLst>
+              <a:ext uri="{FF2B5EF4-FFF2-40B4-BE49-F238E27FC236}">
+                <a16:creationId xmlns:a16="http://schemas.microsoft.com/office/drawing/2014/main" id="{18BF7185-C171-4B8D-AF18-BC7CD6B65840}"/>
+              </a:ext>
+            </a:extLst>
+          </p:cNvPr>
+          <p:cNvGrpSpPr/>
+          <p:nvPr/>
+        </p:nvGrpSpPr>
+        <p:grpSpPr>
+          <a:xfrm>
+            <a:off x="5620241" y="3712949"/>
+            <a:ext cx="1685134" cy="1235065"/>
+            <a:chOff x="3634923" y="3611625"/>
+            <a:chExt cx="1685134" cy="1235065"/>
+          </a:xfrm>
+        </p:grpSpPr>
+        <p:sp>
+          <p:nvSpPr>
+            <p:cNvPr id="102" name="사각형: 둥근 모서리 101">
+              <a:extLst>
+                <a:ext uri="{FF2B5EF4-FFF2-40B4-BE49-F238E27FC236}">
+                  <a16:creationId xmlns:a16="http://schemas.microsoft.com/office/drawing/2014/main" id="{DB18ADE6-EF52-4DC2-9C11-B92D3970F62D}"/>
+                </a:ext>
+              </a:extLst>
+            </p:cNvPr>
+            <p:cNvSpPr/>
+            <p:nvPr/>
+          </p:nvSpPr>
+          <p:spPr>
+            <a:xfrm>
+              <a:off x="3634923" y="3611625"/>
+              <a:ext cx="1685134" cy="1235065"/>
+            </a:xfrm>
+            <a:prstGeom prst="roundRect">
+              <a:avLst>
+                <a:gd name="adj" fmla="val 5426"/>
+              </a:avLst>
+            </a:prstGeom>
+          </p:spPr>
+          <p:style>
+            <a:lnRef idx="2">
+              <a:schemeClr val="dk1"/>
+            </a:lnRef>
+            <a:fillRef idx="1">
+              <a:schemeClr val="lt1"/>
+            </a:fillRef>
+            <a:effectRef idx="0">
+              <a:schemeClr val="dk1"/>
+            </a:effectRef>
+            <a:fontRef idx="minor">
+              <a:schemeClr val="dk1"/>
+            </a:fontRef>
+          </p:style>
+          <p:txBody>
+            <a:bodyPr rtlCol="0" anchor="b"/>
+            <a:lstStyle/>
+            <a:p>
+              <a:pPr algn="ctr"/>
+              <a:r>
+                <a:rPr lang="en-US" altLang="ko-KR" sz="1000"/>
+                <a:t>Pod</a:t>
+              </a:r>
+              <a:endParaRPr lang="ko-KR" altLang="en-US" sz="1000"/>
+            </a:p>
+          </p:txBody>
+        </p:sp>
+        <p:sp>
+          <p:nvSpPr>
+            <p:cNvPr id="103" name="사각형: 둥근 모서리 102">
+              <a:extLst>
+                <a:ext uri="{FF2B5EF4-FFF2-40B4-BE49-F238E27FC236}">
+                  <a16:creationId xmlns:a16="http://schemas.microsoft.com/office/drawing/2014/main" id="{BD2188D5-0A60-48F1-B560-F911CE37522E}"/>
+                </a:ext>
+              </a:extLst>
+            </p:cNvPr>
+            <p:cNvSpPr/>
+            <p:nvPr/>
+          </p:nvSpPr>
+          <p:spPr>
+            <a:xfrm>
+              <a:off x="3726358" y="3695590"/>
+              <a:ext cx="1493714" cy="892384"/>
+            </a:xfrm>
+            <a:prstGeom prst="roundRect">
+              <a:avLst>
+                <a:gd name="adj" fmla="val 5426"/>
+              </a:avLst>
+            </a:prstGeom>
+          </p:spPr>
+          <p:style>
+            <a:lnRef idx="2">
+              <a:schemeClr val="dk1"/>
+            </a:lnRef>
+            <a:fillRef idx="1">
+              <a:schemeClr val="lt1"/>
+            </a:fillRef>
+            <a:effectRef idx="0">
+              <a:schemeClr val="dk1"/>
+            </a:effectRef>
+            <a:fontRef idx="minor">
+              <a:schemeClr val="dk1"/>
+            </a:fontRef>
+          </p:style>
+          <p:txBody>
+            <a:bodyPr rtlCol="0" anchor="b"/>
+            <a:lstStyle/>
+            <a:p>
+              <a:pPr algn="ctr"/>
+              <a:r>
+                <a:rPr lang="en-US" altLang="ko-KR" sz="1000" b="1"/>
+                <a:t>Custom Validating Admission Controller</a:t>
+              </a:r>
+              <a:endParaRPr lang="ko-KR" altLang="en-US" sz="1000" b="1"/>
+            </a:p>
+          </p:txBody>
+        </p:sp>
+        <p:sp>
+          <p:nvSpPr>
+            <p:cNvPr id="104" name="사각형: 둥근 모서리 103">
+              <a:extLst>
+                <a:ext uri="{FF2B5EF4-FFF2-40B4-BE49-F238E27FC236}">
+                  <a16:creationId xmlns:a16="http://schemas.microsoft.com/office/drawing/2014/main" id="{9B591524-550A-4C7A-9030-A7830AF24AAF}"/>
+                </a:ext>
+              </a:extLst>
+            </p:cNvPr>
+            <p:cNvSpPr/>
+            <p:nvPr/>
+          </p:nvSpPr>
+          <p:spPr>
+            <a:xfrm>
+              <a:off x="4114802" y="3795886"/>
+              <a:ext cx="716826" cy="356306"/>
+            </a:xfrm>
+            <a:prstGeom prst="roundRect">
+              <a:avLst>
+                <a:gd name="adj" fmla="val 5426"/>
+              </a:avLst>
+            </a:prstGeom>
+          </p:spPr>
+          <p:style>
+            <a:lnRef idx="2">
+              <a:schemeClr val="dk1"/>
+            </a:lnRef>
+            <a:fillRef idx="1">
+              <a:schemeClr val="lt1"/>
+            </a:fillRef>
+            <a:effectRef idx="0">
+              <a:schemeClr val="dk1"/>
+            </a:effectRef>
+            <a:fontRef idx="minor">
+              <a:schemeClr val="dk1"/>
+            </a:fontRef>
+          </p:style>
+          <p:txBody>
+            <a:bodyPr rtlCol="0" anchor="ctr"/>
+            <a:lstStyle/>
+            <a:p>
+              <a:pPr algn="ctr"/>
+              <a:r>
+                <a:rPr lang="en-US" altLang="ko-KR" sz="900"/>
+                <a:t>Webhook</a:t>
+              </a:r>
+            </a:p>
+          </p:txBody>
+        </p:sp>
+      </p:grpSp>
+      <p:sp>
+        <p:nvSpPr>
+          <p:cNvPr id="59" name="사각형: 둥근 모서리 58">
+            <a:extLst>
+              <a:ext uri="{FF2B5EF4-FFF2-40B4-BE49-F238E27FC236}">
+                <a16:creationId xmlns:a16="http://schemas.microsoft.com/office/drawing/2014/main" id="{A151590E-0612-43BD-9A8F-CEFFB82D966C}"/>
+              </a:ext>
+            </a:extLst>
+          </p:cNvPr>
+          <p:cNvSpPr/>
+          <p:nvPr/>
+        </p:nvSpPr>
+        <p:spPr>
+          <a:xfrm>
+            <a:off x="1411830" y="3255811"/>
+            <a:ext cx="1969917" cy="253764"/>
+          </a:xfrm>
+          <a:prstGeom prst="roundRect">
+            <a:avLst>
+              <a:gd name="adj" fmla="val 15462"/>
+            </a:avLst>
+          </a:prstGeom>
+        </p:spPr>
+        <p:style>
+          <a:lnRef idx="2">
+            <a:schemeClr val="dk1"/>
+          </a:lnRef>
+          <a:fillRef idx="1">
+            <a:schemeClr val="lt1"/>
+          </a:fillRef>
+          <a:effectRef idx="0">
+            <a:schemeClr val="dk1"/>
+          </a:effectRef>
+          <a:fontRef idx="minor">
+            <a:schemeClr val="dk1"/>
+          </a:fontRef>
+        </p:style>
+        <p:txBody>
+          <a:bodyPr rtlCol="0" anchor="ctr"/>
+          <a:lstStyle/>
+          <a:p>
+            <a:r>
+              <a:rPr lang="en-US" altLang="ko-KR" sz="1000"/>
+              <a:t>Service</a:t>
+            </a:r>
+          </a:p>
+        </p:txBody>
+      </p:sp>
+      <p:cxnSp>
+        <p:nvCxnSpPr>
+          <p:cNvPr id="75" name="직선 연결선 74">
+            <a:extLst>
+              <a:ext uri="{FF2B5EF4-FFF2-40B4-BE49-F238E27FC236}">
+                <a16:creationId xmlns:a16="http://schemas.microsoft.com/office/drawing/2014/main" id="{CE009037-6FDB-4114-8ADF-E7C6C562E389}"/>
+              </a:ext>
+            </a:extLst>
+          </p:cNvPr>
+          <p:cNvCxnSpPr>
+            <a:cxnSpLocks/>
+            <a:stCxn id="72" idx="0"/>
+          </p:cNvCxnSpPr>
+          <p:nvPr/>
+        </p:nvCxnSpPr>
+        <p:spPr>
+          <a:xfrm flipV="1">
+            <a:off x="1934290" y="2752577"/>
+            <a:ext cx="1818677" cy="1106267"/>
+          </a:xfrm>
+          <a:prstGeom prst="line">
+            <a:avLst/>
+          </a:prstGeom>
+          <a:ln w="19050">
+            <a:solidFill>
+              <a:schemeClr val="tx1"/>
+            </a:solidFill>
+            <a:headEnd type="arrow" w="med" len="med"/>
+            <a:tailEnd type="arrow" w="med" len="med"/>
+          </a:ln>
+        </p:spPr>
+        <p:style>
+          <a:lnRef idx="1">
+            <a:schemeClr val="accent1"/>
+          </a:lnRef>
+          <a:fillRef idx="0">
+            <a:schemeClr val="accent1"/>
+          </a:fillRef>
+          <a:effectRef idx="0">
+            <a:schemeClr val="accent1"/>
+          </a:effectRef>
+          <a:fontRef idx="minor">
+            <a:schemeClr val="tx1"/>
+          </a:fontRef>
+        </p:style>
+      </p:cxnSp>
+      <p:sp>
+        <p:nvSpPr>
+          <p:cNvPr id="112" name="사각형: 둥근 모서리 111">
+            <a:extLst>
+              <a:ext uri="{FF2B5EF4-FFF2-40B4-BE49-F238E27FC236}">
+                <a16:creationId xmlns:a16="http://schemas.microsoft.com/office/drawing/2014/main" id="{B3AC74EA-09B7-4134-BA0D-83EBB0082927}"/>
+              </a:ext>
+            </a:extLst>
+          </p:cNvPr>
+          <p:cNvSpPr/>
+          <p:nvPr/>
+        </p:nvSpPr>
+        <p:spPr>
+          <a:xfrm>
+            <a:off x="3563888" y="3255811"/>
+            <a:ext cx="1809790" cy="253764"/>
+          </a:xfrm>
+          <a:prstGeom prst="roundRect">
+            <a:avLst>
+              <a:gd name="adj" fmla="val 15462"/>
+            </a:avLst>
+          </a:prstGeom>
+        </p:spPr>
+        <p:style>
+          <a:lnRef idx="2">
+            <a:schemeClr val="dk1"/>
+          </a:lnRef>
+          <a:fillRef idx="1">
+            <a:schemeClr val="lt1"/>
+          </a:fillRef>
+          <a:effectRef idx="0">
+            <a:schemeClr val="dk1"/>
+          </a:effectRef>
+          <a:fontRef idx="minor">
+            <a:schemeClr val="dk1"/>
+          </a:fontRef>
+        </p:style>
+        <p:txBody>
+          <a:bodyPr rtlCol="0" anchor="ctr"/>
+          <a:lstStyle/>
+          <a:p>
+            <a:r>
+              <a:rPr lang="en-US" altLang="ko-KR" sz="1000"/>
+              <a:t>Service</a:t>
+            </a:r>
+          </a:p>
+        </p:txBody>
+      </p:sp>
+      <p:cxnSp>
+        <p:nvCxnSpPr>
+          <p:cNvPr id="76" name="직선 연결선 75">
+            <a:extLst>
+              <a:ext uri="{FF2B5EF4-FFF2-40B4-BE49-F238E27FC236}">
+                <a16:creationId xmlns:a16="http://schemas.microsoft.com/office/drawing/2014/main" id="{2CF22406-0980-413E-80B0-E7BF2307811F}"/>
+              </a:ext>
+            </a:extLst>
+          </p:cNvPr>
+          <p:cNvCxnSpPr>
+            <a:cxnSpLocks/>
+            <a:stCxn id="78" idx="0"/>
+          </p:cNvCxnSpPr>
+          <p:nvPr/>
+        </p:nvCxnSpPr>
+        <p:spPr>
+          <a:xfrm flipV="1">
+            <a:off x="2713123" y="2752577"/>
+            <a:ext cx="1654113" cy="1106267"/>
+          </a:xfrm>
+          <a:prstGeom prst="line">
+            <a:avLst/>
+          </a:prstGeom>
+          <a:ln w="19050">
+            <a:solidFill>
+              <a:schemeClr val="tx1"/>
+            </a:solidFill>
+            <a:headEnd type="arrow" w="med" len="med"/>
+            <a:tailEnd type="arrow" w="med" len="med"/>
+          </a:ln>
+        </p:spPr>
+        <p:style>
+          <a:lnRef idx="1">
+            <a:schemeClr val="accent1"/>
+          </a:lnRef>
+          <a:fillRef idx="0">
+            <a:schemeClr val="accent1"/>
+          </a:fillRef>
+          <a:effectRef idx="0">
+            <a:schemeClr val="accent1"/>
+          </a:effectRef>
+          <a:fontRef idx="minor">
+            <a:schemeClr val="tx1"/>
+          </a:fontRef>
+        </p:style>
+      </p:cxnSp>
+      <p:sp>
+        <p:nvSpPr>
+          <p:cNvPr id="114" name="사각형: 둥근 모서리 113">
+            <a:extLst>
+              <a:ext uri="{FF2B5EF4-FFF2-40B4-BE49-F238E27FC236}">
+                <a16:creationId xmlns:a16="http://schemas.microsoft.com/office/drawing/2014/main" id="{DE6707F2-9A0F-4913-AF0F-035B5E13C319}"/>
+              </a:ext>
+            </a:extLst>
+          </p:cNvPr>
+          <p:cNvSpPr/>
+          <p:nvPr/>
+        </p:nvSpPr>
+        <p:spPr>
+          <a:xfrm>
+            <a:off x="5620241" y="3255811"/>
+            <a:ext cx="1809790" cy="253764"/>
+          </a:xfrm>
+          <a:prstGeom prst="roundRect">
+            <a:avLst>
+              <a:gd name="adj" fmla="val 15462"/>
+            </a:avLst>
+          </a:prstGeom>
+        </p:spPr>
+        <p:style>
+          <a:lnRef idx="2">
+            <a:schemeClr val="dk1"/>
+          </a:lnRef>
+          <a:fillRef idx="1">
+            <a:schemeClr val="lt1"/>
+          </a:fillRef>
+          <a:effectRef idx="0">
+            <a:schemeClr val="dk1"/>
+          </a:effectRef>
+          <a:fontRef idx="minor">
+            <a:schemeClr val="dk1"/>
+          </a:fontRef>
+        </p:style>
+        <p:txBody>
+          <a:bodyPr rtlCol="0" anchor="ctr"/>
+          <a:lstStyle/>
+          <a:p>
+            <a:r>
+              <a:rPr lang="en-US" altLang="ko-KR" sz="1000"/>
+              <a:t>Service</a:t>
+            </a:r>
+          </a:p>
+        </p:txBody>
+      </p:sp>
+      <p:cxnSp>
+        <p:nvCxnSpPr>
+          <p:cNvPr id="105" name="직선 연결선 104">
+            <a:extLst>
+              <a:ext uri="{FF2B5EF4-FFF2-40B4-BE49-F238E27FC236}">
+                <a16:creationId xmlns:a16="http://schemas.microsoft.com/office/drawing/2014/main" id="{B760E524-7680-4C3E-A2B3-C9C51F19FB55}"/>
+              </a:ext>
+            </a:extLst>
+          </p:cNvPr>
+          <p:cNvCxnSpPr>
+            <a:cxnSpLocks/>
+            <a:stCxn id="92" idx="0"/>
+            <a:endCxn id="63" idx="2"/>
+          </p:cNvCxnSpPr>
+          <p:nvPr/>
+        </p:nvCxnSpPr>
+        <p:spPr>
+          <a:xfrm flipV="1">
+            <a:off x="4402180" y="2753617"/>
+            <a:ext cx="1654113" cy="1143593"/>
+          </a:xfrm>
+          <a:prstGeom prst="line">
+            <a:avLst/>
+          </a:prstGeom>
+          <a:ln w="19050">
+            <a:solidFill>
+              <a:schemeClr val="tx1"/>
+            </a:solidFill>
+            <a:headEnd type="arrow" w="med" len="med"/>
+            <a:tailEnd type="arrow" w="med" len="med"/>
+          </a:ln>
+        </p:spPr>
+        <p:style>
+          <a:lnRef idx="1">
+            <a:schemeClr val="accent1"/>
+          </a:lnRef>
+          <a:fillRef idx="0">
+            <a:schemeClr val="accent1"/>
+          </a:fillRef>
+          <a:effectRef idx="0">
+            <a:schemeClr val="accent1"/>
+          </a:effectRef>
+          <a:fontRef idx="minor">
+            <a:schemeClr val="tx1"/>
+          </a:fontRef>
+        </p:style>
+      </p:cxnSp>
+      <p:cxnSp>
+        <p:nvCxnSpPr>
+          <p:cNvPr id="106" name="직선 연결선 105">
+            <a:extLst>
+              <a:ext uri="{FF2B5EF4-FFF2-40B4-BE49-F238E27FC236}">
+                <a16:creationId xmlns:a16="http://schemas.microsoft.com/office/drawing/2014/main" id="{21F49A2D-590E-4141-BDF2-A222FE6606CE}"/>
+              </a:ext>
+            </a:extLst>
+          </p:cNvPr>
+          <p:cNvCxnSpPr>
+            <a:cxnSpLocks/>
+            <a:stCxn id="104" idx="0"/>
+            <a:endCxn id="63" idx="2"/>
+          </p:cNvCxnSpPr>
+          <p:nvPr/>
+        </p:nvCxnSpPr>
+        <p:spPr>
+          <a:xfrm flipH="1" flipV="1">
+            <a:off x="6056293" y="2753617"/>
+            <a:ext cx="402240" cy="1143593"/>
+          </a:xfrm>
+          <a:prstGeom prst="line">
+            <a:avLst/>
+          </a:prstGeom>
+          <a:ln w="19050">
+            <a:solidFill>
+              <a:schemeClr val="tx1"/>
+            </a:solidFill>
+            <a:headEnd type="arrow" w="med" len="med"/>
+            <a:tailEnd type="arrow" w="med" len="med"/>
+          </a:ln>
+        </p:spPr>
+        <p:style>
+          <a:lnRef idx="1">
+            <a:schemeClr val="accent1"/>
+          </a:lnRef>
+          <a:fillRef idx="0">
+            <a:schemeClr val="accent1"/>
+          </a:fillRef>
+          <a:effectRef idx="0">
+            <a:schemeClr val="accent1"/>
+          </a:effectRef>
+          <a:fontRef idx="minor">
+            <a:schemeClr val="tx1"/>
+          </a:fontRef>
+        </p:style>
+      </p:cxnSp>
+    </p:spTree>
+    <p:extLst>
+      <p:ext uri="{BB962C8B-B14F-4D97-AF65-F5344CB8AC3E}">
+        <p14:creationId xmlns:p14="http://schemas.microsoft.com/office/powerpoint/2010/main" val="1706549787"/>
+      </p:ext>
+    </p:extLst>
+  </p:cSld>
+  <p:clrMapOvr>
+    <a:masterClrMapping/>
+  </p:clrMapOvr>
+</p:sld>
+</file>
+
+<file path=ppt/slides/slide3.xml><?xml version="1.0" encoding="utf-8"?>
 <p:sld xmlns:a="http://schemas.openxmlformats.org/drawingml/2006/main" xmlns:r="http://schemas.openxmlformats.org/officeDocument/2006/relationships" xmlns:p="http://schemas.openxmlformats.org/presentationml/2006/main">
   <p:cSld>
     <p:spTree>
